--- a/slides/ide3a_workshop2.pptx
+++ b/slides/ide3a_workshop2.pptx
@@ -6,18 +6,25 @@
     <p:sldMasterId id="2147483776" r:id="rId2"/>
   </p:sldMasterIdLst>
   <p:notesMasterIdLst>
-    <p:notesMasterId r:id="rId9"/>
+    <p:notesMasterId r:id="rId16"/>
   </p:notesMasterIdLst>
   <p:handoutMasterIdLst>
-    <p:handoutMasterId r:id="rId10"/>
+    <p:handoutMasterId r:id="rId17"/>
   </p:handoutMasterIdLst>
   <p:sldIdLst>
     <p:sldId id="256" r:id="rId3"/>
-    <p:sldId id="257" r:id="rId4"/>
-    <p:sldId id="258" r:id="rId5"/>
-    <p:sldId id="259" r:id="rId6"/>
-    <p:sldId id="260" r:id="rId7"/>
-    <p:sldId id="261" r:id="rId8"/>
+    <p:sldId id="263" r:id="rId4"/>
+    <p:sldId id="264" r:id="rId5"/>
+    <p:sldId id="269" r:id="rId6"/>
+    <p:sldId id="268" r:id="rId7"/>
+    <p:sldId id="265" r:id="rId8"/>
+    <p:sldId id="266" r:id="rId9"/>
+    <p:sldId id="262" r:id="rId10"/>
+    <p:sldId id="257" r:id="rId11"/>
+    <p:sldId id="258" r:id="rId12"/>
+    <p:sldId id="259" r:id="rId13"/>
+    <p:sldId id="260" r:id="rId14"/>
+    <p:sldId id="261" r:id="rId15"/>
   </p:sldIdLst>
   <p:sldSz cx="9144000" cy="5143500" type="screen16x9"/>
   <p:notesSz cx="6858000" cy="9144000"/>
@@ -165,6 +172,18 @@
 </p:presentation>
 </file>
 
+<file path=ppt/commentAuthors.xml><?xml version="1.0" encoding="utf-8"?>
+<p:cmAuthorLst xmlns:a="http://schemas.openxmlformats.org/drawingml/2006/main" xmlns:r="http://schemas.openxmlformats.org/officeDocument/2006/relationships" xmlns:p="http://schemas.openxmlformats.org/presentationml/2006/main">
+  <p:cmAuthor id="1" name="TU-Pseudonym 5387404900192066" initials="T5" lastIdx="1" clrIdx="0">
+    <p:extLst>
+      <p:ext uri="{19B8F6BF-5375-455C-9EA6-DF929625EA0E}">
+        <p15:presenceInfo xmlns:p15="http://schemas.microsoft.com/office/powerpoint/2012/main" userId="TU-Pseudonym 5387404900192066" providerId="None"/>
+      </p:ext>
+    </p:extLst>
+  </p:cmAuthor>
+</p:cmAuthorLst>
+</file>
+
 <file path=ppt/handoutMasters/handoutMaster1.xml><?xml version="1.0" encoding="utf-8"?>
 <p:handoutMaster xmlns:a="http://schemas.openxmlformats.org/drawingml/2006/main" xmlns:r="http://schemas.openxmlformats.org/officeDocument/2006/relationships" xmlns:p="http://schemas.openxmlformats.org/presentationml/2006/main">
   <p:cSld>
@@ -263,7 +282,7 @@
             <a:fld id="{1026D177-6EC4-4A5F-B454-CC3672989003}" type="datetime1">
               <a:rPr lang="de-DE" altLang="de-DE"/>
               <a:pPr/>
-              <a:t>30.09.20</a:t>
+              <a:t>22.06.2021</a:t>
             </a:fld>
             <a:endParaRPr lang="de-DE" altLang="de-DE"/>
           </a:p>
@@ -454,7 +473,7 @@
             <a:fld id="{D4B092A7-612C-4D77-A4EF-24EB3A05067A}" type="datetime1">
               <a:rPr lang="de-DE" altLang="de-DE"/>
               <a:pPr/>
-              <a:t>30.09.20</a:t>
+              <a:t>22.06.2021</a:t>
             </a:fld>
             <a:endParaRPr lang="de-DE" altLang="de-DE"/>
           </a:p>
@@ -766,6 +785,1774 @@
 </p:notesMaster>
 </file>
 
+<file path=ppt/notesSlides/notesSlide1.xml><?xml version="1.0" encoding="utf-8"?>
+<p:notes xmlns:a="http://schemas.openxmlformats.org/drawingml/2006/main" xmlns:r="http://schemas.openxmlformats.org/officeDocument/2006/relationships" xmlns:p="http://schemas.openxmlformats.org/presentationml/2006/main" showMasterSp="0" showMasterPhAnim="0">
+  <p:cSld>
+    <p:spTree>
+      <p:nvGrpSpPr>
+        <p:cNvPr id="1" name="Shape 69"/>
+        <p:cNvGrpSpPr/>
+        <p:nvPr/>
+      </p:nvGrpSpPr>
+      <p:grpSpPr>
+        <a:xfrm>
+          <a:off x="0" y="0"/>
+          <a:ext cx="0" cy="0"/>
+          <a:chOff x="0" y="0"/>
+          <a:chExt cx="0" cy="0"/>
+        </a:xfrm>
+      </p:grpSpPr>
+      <p:sp>
+        <p:nvSpPr>
+          <p:cNvPr id="70" name="Google Shape;70;gd1438be9a9_0_106:notes"/>
+          <p:cNvSpPr>
+            <a:spLocks noGrp="1" noRot="1" noChangeAspect="1"/>
+          </p:cNvSpPr>
+          <p:nvPr>
+            <p:ph type="sldImg" idx="2"/>
+          </p:nvPr>
+        </p:nvSpPr>
+        <p:spPr>
+          <a:xfrm>
+            <a:off x="381000" y="685800"/>
+            <a:ext cx="6096000" cy="3429000"/>
+          </a:xfrm>
+          <a:custGeom>
+            <a:avLst/>
+            <a:gdLst/>
+            <a:ahLst/>
+            <a:cxnLst/>
+            <a:rect l="l" t="t" r="r" b="b"/>
+            <a:pathLst>
+              <a:path w="120000" h="120000" extrusionOk="0">
+                <a:moveTo>
+                  <a:pt x="0" y="0"/>
+                </a:moveTo>
+                <a:lnTo>
+                  <a:pt x="120000" y="0"/>
+                </a:lnTo>
+                <a:lnTo>
+                  <a:pt x="120000" y="120000"/>
+                </a:lnTo>
+                <a:lnTo>
+                  <a:pt x="0" y="120000"/>
+                </a:lnTo>
+                <a:close/>
+              </a:path>
+            </a:pathLst>
+          </a:custGeom>
+        </p:spPr>
+      </p:sp>
+      <p:sp>
+        <p:nvSpPr>
+          <p:cNvPr id="71" name="Google Shape;71;gd1438be9a9_0_106:notes"/>
+          <p:cNvSpPr txBox="1">
+            <a:spLocks noGrp="1"/>
+          </p:cNvSpPr>
+          <p:nvPr>
+            <p:ph type="body" idx="1"/>
+          </p:nvPr>
+        </p:nvSpPr>
+        <p:spPr>
+          <a:xfrm>
+            <a:off x="685800" y="4343400"/>
+            <a:ext cx="5486400" cy="4114800"/>
+          </a:xfrm>
+          <a:prstGeom prst="rect">
+            <a:avLst/>
+          </a:prstGeom>
+        </p:spPr>
+        <p:txBody>
+          <a:bodyPr spcFirstLastPara="1" wrap="square" lIns="91425" tIns="91425" rIns="91425" bIns="91425" anchor="t" anchorCtr="0">
+            <a:noAutofit/>
+          </a:bodyPr>
+          <a:lstStyle/>
+          <a:p>
+            <a:pPr marL="457200" lvl="0" indent="-292100" algn="l" rtl="0">
+              <a:spcBef>
+                <a:spcPts val="0"/>
+              </a:spcBef>
+              <a:spcAft>
+                <a:spcPts val="0"/>
+              </a:spcAft>
+              <a:buClr>
+                <a:schemeClr val="dk1"/>
+              </a:buClr>
+              <a:buSzPts val="1000"/>
+              <a:buAutoNum type="arabicPeriod"/>
+            </a:pPr>
+            <a:r>
+              <a:rPr lang="en-GB" sz="1000" dirty="0">
+                <a:solidFill>
+                  <a:schemeClr val="dk1"/>
+                </a:solidFill>
+                <a:latin typeface="Roboto Condensed"/>
+                <a:ea typeface="Roboto Condensed"/>
+                <a:cs typeface="Roboto Condensed"/>
+                <a:sym typeface="Roboto Condensed"/>
+              </a:rPr>
+              <a:t>Goal + Relevance</a:t>
+            </a:r>
+            <a:endParaRPr sz="1000" dirty="0">
+              <a:solidFill>
+                <a:schemeClr val="dk1"/>
+              </a:solidFill>
+              <a:latin typeface="Roboto Condensed"/>
+              <a:ea typeface="Roboto Condensed"/>
+              <a:cs typeface="Roboto Condensed"/>
+              <a:sym typeface="Roboto Condensed"/>
+            </a:endParaRPr>
+          </a:p>
+          <a:p>
+            <a:pPr marL="457200" lvl="0" indent="-292100" algn="l" rtl="0">
+              <a:spcBef>
+                <a:spcPts val="0"/>
+              </a:spcBef>
+              <a:spcAft>
+                <a:spcPts val="0"/>
+              </a:spcAft>
+              <a:buClr>
+                <a:schemeClr val="dk1"/>
+              </a:buClr>
+              <a:buSzPts val="1000"/>
+              <a:buAutoNum type="arabicPeriod"/>
+            </a:pPr>
+            <a:r>
+              <a:rPr lang="en-GB" sz="1000" dirty="0">
+                <a:solidFill>
+                  <a:schemeClr val="dk1"/>
+                </a:solidFill>
+                <a:latin typeface="Roboto Condensed"/>
+                <a:ea typeface="Roboto Condensed"/>
+                <a:cs typeface="Roboto Condensed"/>
+                <a:sym typeface="Roboto Condensed"/>
+              </a:rPr>
+              <a:t>Urban Hydrology + Blue-Green Infrastructure - A glance (10/15 min) + Qs</a:t>
+            </a:r>
+            <a:endParaRPr sz="1000" dirty="0">
+              <a:solidFill>
+                <a:schemeClr val="dk1"/>
+              </a:solidFill>
+              <a:latin typeface="Roboto Condensed"/>
+              <a:ea typeface="Roboto Condensed"/>
+              <a:cs typeface="Roboto Condensed"/>
+              <a:sym typeface="Roboto Condensed"/>
+            </a:endParaRPr>
+          </a:p>
+          <a:p>
+            <a:pPr marL="457200" lvl="0" indent="0" algn="l" rtl="0">
+              <a:spcBef>
+                <a:spcPts val="0"/>
+              </a:spcBef>
+              <a:spcAft>
+                <a:spcPts val="0"/>
+              </a:spcAft>
+              <a:buClr>
+                <a:schemeClr val="dk1"/>
+              </a:buClr>
+              <a:buSzPts val="1100"/>
+              <a:buFont typeface="Arial"/>
+              <a:buNone/>
+            </a:pPr>
+            <a:endParaRPr sz="1000" dirty="0">
+              <a:solidFill>
+                <a:schemeClr val="dk1"/>
+              </a:solidFill>
+              <a:latin typeface="Roboto Condensed"/>
+              <a:ea typeface="Roboto Condensed"/>
+              <a:cs typeface="Roboto Condensed"/>
+              <a:sym typeface="Roboto Condensed"/>
+            </a:endParaRPr>
+          </a:p>
+          <a:p>
+            <a:pPr marL="457200" lvl="0" indent="-292100" algn="l" rtl="0">
+              <a:spcBef>
+                <a:spcPts val="0"/>
+              </a:spcBef>
+              <a:spcAft>
+                <a:spcPts val="0"/>
+              </a:spcAft>
+              <a:buClr>
+                <a:schemeClr val="dk1"/>
+              </a:buClr>
+              <a:buSzPts val="1000"/>
+              <a:buAutoNum type="arabicPeriod"/>
+            </a:pPr>
+            <a:r>
+              <a:rPr lang="en-GB" sz="1000" dirty="0">
+                <a:solidFill>
+                  <a:schemeClr val="dk1"/>
+                </a:solidFill>
+                <a:latin typeface="Roboto Condensed"/>
+                <a:ea typeface="Roboto Condensed"/>
+                <a:cs typeface="Roboto Condensed"/>
+                <a:sym typeface="Roboto Condensed"/>
+              </a:rPr>
+              <a:t>EPA SWMM - Fundamentals (10)</a:t>
+            </a:r>
+            <a:endParaRPr sz="1000" dirty="0">
+              <a:solidFill>
+                <a:schemeClr val="dk1"/>
+              </a:solidFill>
+              <a:latin typeface="Roboto Condensed"/>
+              <a:ea typeface="Roboto Condensed"/>
+              <a:cs typeface="Roboto Condensed"/>
+              <a:sym typeface="Roboto Condensed"/>
+            </a:endParaRPr>
+          </a:p>
+          <a:p>
+            <a:pPr marL="457200" lvl="0" indent="-292100" algn="l" rtl="0">
+              <a:spcBef>
+                <a:spcPts val="0"/>
+              </a:spcBef>
+              <a:spcAft>
+                <a:spcPts val="0"/>
+              </a:spcAft>
+              <a:buClr>
+                <a:schemeClr val="dk1"/>
+              </a:buClr>
+              <a:buSzPts val="1000"/>
+              <a:buAutoNum type="arabicPeriod"/>
+            </a:pPr>
+            <a:r>
+              <a:rPr lang="en-GB" sz="1000" dirty="0">
+                <a:solidFill>
+                  <a:schemeClr val="dk1"/>
+                </a:solidFill>
+                <a:latin typeface="Roboto Condensed"/>
+                <a:ea typeface="Roboto Condensed"/>
+                <a:cs typeface="Roboto Condensed"/>
+                <a:sym typeface="Roboto Condensed"/>
+              </a:rPr>
+              <a:t>Case study - </a:t>
+            </a:r>
+            <a:r>
+              <a:rPr lang="en-GB" sz="1000" dirty="0" err="1">
+                <a:solidFill>
+                  <a:schemeClr val="dk1"/>
+                </a:solidFill>
+                <a:latin typeface="Roboto Condensed"/>
+                <a:ea typeface="Roboto Condensed"/>
+                <a:cs typeface="Roboto Condensed"/>
+                <a:sym typeface="Roboto Condensed"/>
+              </a:rPr>
+              <a:t>Bellinge</a:t>
+            </a:r>
+            <a:r>
+              <a:rPr lang="en-GB" sz="1000" dirty="0">
+                <a:solidFill>
+                  <a:schemeClr val="dk1"/>
+                </a:solidFill>
+                <a:latin typeface="Roboto Condensed"/>
+                <a:ea typeface="Roboto Condensed"/>
+                <a:cs typeface="Roboto Condensed"/>
+                <a:sym typeface="Roboto Condensed"/>
+              </a:rPr>
+              <a:t>, Implementing Blue-Green Infra in EPA SWMM</a:t>
+            </a:r>
+            <a:endParaRPr sz="1000" dirty="0">
+              <a:solidFill>
+                <a:schemeClr val="dk1"/>
+              </a:solidFill>
+              <a:latin typeface="Roboto Condensed"/>
+              <a:ea typeface="Roboto Condensed"/>
+              <a:cs typeface="Roboto Condensed"/>
+              <a:sym typeface="Roboto Condensed"/>
+            </a:endParaRPr>
+          </a:p>
+          <a:p>
+            <a:pPr marL="457200" lvl="0" indent="0" algn="l" rtl="0">
+              <a:spcBef>
+                <a:spcPts val="0"/>
+              </a:spcBef>
+              <a:spcAft>
+                <a:spcPts val="0"/>
+              </a:spcAft>
+              <a:buClr>
+                <a:schemeClr val="dk1"/>
+              </a:buClr>
+              <a:buSzPts val="1100"/>
+              <a:buFont typeface="Arial"/>
+              <a:buNone/>
+            </a:pPr>
+            <a:r>
+              <a:rPr lang="en-GB" sz="1000" dirty="0">
+                <a:solidFill>
+                  <a:schemeClr val="dk1"/>
+                </a:solidFill>
+                <a:latin typeface="Roboto Condensed"/>
+                <a:ea typeface="Roboto Condensed"/>
+                <a:cs typeface="Roboto Condensed"/>
+                <a:sym typeface="Roboto Condensed"/>
+              </a:rPr>
+              <a:t>(30 plus 10 min break in the middle) + Qs</a:t>
+            </a:r>
+            <a:endParaRPr sz="1000" dirty="0">
+              <a:solidFill>
+                <a:schemeClr val="dk1"/>
+              </a:solidFill>
+              <a:latin typeface="Roboto Condensed"/>
+              <a:ea typeface="Roboto Condensed"/>
+              <a:cs typeface="Roboto Condensed"/>
+              <a:sym typeface="Roboto Condensed"/>
+            </a:endParaRPr>
+          </a:p>
+          <a:p>
+            <a:pPr marL="457200" lvl="0" indent="-292100" algn="l" rtl="0">
+              <a:spcBef>
+                <a:spcPts val="0"/>
+              </a:spcBef>
+              <a:spcAft>
+                <a:spcPts val="0"/>
+              </a:spcAft>
+              <a:buClr>
+                <a:schemeClr val="dk1"/>
+              </a:buClr>
+              <a:buSzPts val="1000"/>
+              <a:buAutoNum type="arabicPeriod"/>
+            </a:pPr>
+            <a:r>
+              <a:rPr lang="en-GB" sz="1000" dirty="0">
+                <a:solidFill>
+                  <a:schemeClr val="dk1"/>
+                </a:solidFill>
+                <a:latin typeface="Roboto Condensed"/>
+                <a:ea typeface="Roboto Condensed"/>
+                <a:cs typeface="Roboto Condensed"/>
+                <a:sym typeface="Roboto Condensed"/>
+              </a:rPr>
+              <a:t>Simulation + Group discussion (30 in groups +10 min conclusions)</a:t>
+            </a:r>
+            <a:endParaRPr sz="1000" dirty="0">
+              <a:solidFill>
+                <a:schemeClr val="dk1"/>
+              </a:solidFill>
+              <a:latin typeface="Roboto Condensed"/>
+              <a:ea typeface="Roboto Condensed"/>
+              <a:cs typeface="Roboto Condensed"/>
+              <a:sym typeface="Roboto Condensed"/>
+            </a:endParaRPr>
+          </a:p>
+          <a:p>
+            <a:pPr marL="457200" lvl="0" indent="0" algn="l" rtl="0">
+              <a:spcBef>
+                <a:spcPts val="0"/>
+              </a:spcBef>
+              <a:spcAft>
+                <a:spcPts val="0"/>
+              </a:spcAft>
+              <a:buClr>
+                <a:schemeClr val="dk1"/>
+              </a:buClr>
+              <a:buSzPts val="1100"/>
+              <a:buFont typeface="Arial"/>
+              <a:buNone/>
+            </a:pPr>
+            <a:endParaRPr sz="1000" dirty="0">
+              <a:solidFill>
+                <a:schemeClr val="dk1"/>
+              </a:solidFill>
+              <a:latin typeface="Roboto Condensed"/>
+              <a:ea typeface="Roboto Condensed"/>
+              <a:cs typeface="Roboto Condensed"/>
+              <a:sym typeface="Roboto Condensed"/>
+            </a:endParaRPr>
+          </a:p>
+          <a:p>
+            <a:pPr marL="457200" lvl="0" indent="-292100" algn="l" rtl="0">
+              <a:spcBef>
+                <a:spcPts val="0"/>
+              </a:spcBef>
+              <a:spcAft>
+                <a:spcPts val="0"/>
+              </a:spcAft>
+              <a:buClr>
+                <a:schemeClr val="dk1"/>
+              </a:buClr>
+              <a:buSzPts val="1000"/>
+              <a:buAutoNum type="arabicPeriod"/>
+            </a:pPr>
+            <a:r>
+              <a:rPr lang="en-GB" sz="1000" dirty="0">
+                <a:solidFill>
+                  <a:schemeClr val="dk1"/>
+                </a:solidFill>
+                <a:latin typeface="Roboto Condensed"/>
+                <a:ea typeface="Roboto Condensed"/>
+                <a:cs typeface="Roboto Condensed"/>
+                <a:sym typeface="Roboto Condensed"/>
+              </a:rPr>
+              <a:t>Introducing potential assignment for final report (10 mins)</a:t>
+            </a:r>
+            <a:endParaRPr sz="1000" dirty="0">
+              <a:solidFill>
+                <a:schemeClr val="dk1"/>
+              </a:solidFill>
+            </a:endParaRPr>
+          </a:p>
+        </p:txBody>
+      </p:sp>
+    </p:spTree>
+  </p:cSld>
+  <p:clrMapOvr>
+    <a:masterClrMapping/>
+  </p:clrMapOvr>
+</p:notes>
+</file>
+
+<file path=ppt/notesSlides/notesSlide2.xml><?xml version="1.0" encoding="utf-8"?>
+<p:notes xmlns:a="http://schemas.openxmlformats.org/drawingml/2006/main" xmlns:r="http://schemas.openxmlformats.org/officeDocument/2006/relationships" xmlns:p="http://schemas.openxmlformats.org/presentationml/2006/main" showMasterSp="0" showMasterPhAnim="0">
+  <p:cSld>
+    <p:spTree>
+      <p:nvGrpSpPr>
+        <p:cNvPr id="1" name="Shape 76"/>
+        <p:cNvGrpSpPr/>
+        <p:nvPr/>
+      </p:nvGrpSpPr>
+      <p:grpSpPr>
+        <a:xfrm>
+          <a:off x="0" y="0"/>
+          <a:ext cx="0" cy="0"/>
+          <a:chOff x="0" y="0"/>
+          <a:chExt cx="0" cy="0"/>
+        </a:xfrm>
+      </p:grpSpPr>
+      <p:sp>
+        <p:nvSpPr>
+          <p:cNvPr id="77" name="Google Shape;77;gd7a20a5e34_0_1:notes"/>
+          <p:cNvSpPr>
+            <a:spLocks noGrp="1" noRot="1" noChangeAspect="1"/>
+          </p:cNvSpPr>
+          <p:nvPr>
+            <p:ph type="sldImg" idx="2"/>
+          </p:nvPr>
+        </p:nvSpPr>
+        <p:spPr>
+          <a:xfrm>
+            <a:off x="381000" y="685800"/>
+            <a:ext cx="6096000" cy="3429000"/>
+          </a:xfrm>
+          <a:custGeom>
+            <a:avLst/>
+            <a:gdLst/>
+            <a:ahLst/>
+            <a:cxnLst/>
+            <a:rect l="l" t="t" r="r" b="b"/>
+            <a:pathLst>
+              <a:path w="120000" h="120000" extrusionOk="0">
+                <a:moveTo>
+                  <a:pt x="0" y="0"/>
+                </a:moveTo>
+                <a:lnTo>
+                  <a:pt x="120000" y="0"/>
+                </a:lnTo>
+                <a:lnTo>
+                  <a:pt x="120000" y="120000"/>
+                </a:lnTo>
+                <a:lnTo>
+                  <a:pt x="0" y="120000"/>
+                </a:lnTo>
+                <a:close/>
+              </a:path>
+            </a:pathLst>
+          </a:custGeom>
+        </p:spPr>
+      </p:sp>
+      <p:sp>
+        <p:nvSpPr>
+          <p:cNvPr id="78" name="Google Shape;78;gd7a20a5e34_0_1:notes"/>
+          <p:cNvSpPr txBox="1">
+            <a:spLocks noGrp="1"/>
+          </p:cNvSpPr>
+          <p:nvPr>
+            <p:ph type="body" idx="1"/>
+          </p:nvPr>
+        </p:nvSpPr>
+        <p:spPr>
+          <a:xfrm>
+            <a:off x="685800" y="4343400"/>
+            <a:ext cx="5486400" cy="4114800"/>
+          </a:xfrm>
+          <a:prstGeom prst="rect">
+            <a:avLst/>
+          </a:prstGeom>
+        </p:spPr>
+        <p:txBody>
+          <a:bodyPr spcFirstLastPara="1" wrap="square" lIns="91425" tIns="91425" rIns="91425" bIns="91425" anchor="t" anchorCtr="0">
+            <a:noAutofit/>
+          </a:bodyPr>
+          <a:lstStyle/>
+          <a:p>
+            <a:pPr marL="457200" lvl="0" indent="-292100" algn="l" rtl="0">
+              <a:spcBef>
+                <a:spcPts val="0"/>
+              </a:spcBef>
+              <a:spcAft>
+                <a:spcPts val="0"/>
+              </a:spcAft>
+              <a:buClr>
+                <a:schemeClr val="dk1"/>
+              </a:buClr>
+              <a:buSzPts val="1000"/>
+              <a:buAutoNum type="arabicPeriod"/>
+            </a:pPr>
+            <a:r>
+              <a:rPr lang="en-GB" sz="1000">
+                <a:solidFill>
+                  <a:schemeClr val="dk1"/>
+                </a:solidFill>
+                <a:latin typeface="Roboto Condensed"/>
+                <a:ea typeface="Roboto Condensed"/>
+                <a:cs typeface="Roboto Condensed"/>
+                <a:sym typeface="Roboto Condensed"/>
+              </a:rPr>
+              <a:t>Goal + Relevance</a:t>
+            </a:r>
+            <a:endParaRPr sz="1000">
+              <a:solidFill>
+                <a:schemeClr val="dk1"/>
+              </a:solidFill>
+              <a:latin typeface="Roboto Condensed"/>
+              <a:ea typeface="Roboto Condensed"/>
+              <a:cs typeface="Roboto Condensed"/>
+              <a:sym typeface="Roboto Condensed"/>
+            </a:endParaRPr>
+          </a:p>
+          <a:p>
+            <a:pPr marL="457200" lvl="0" indent="-292100" algn="l" rtl="0">
+              <a:spcBef>
+                <a:spcPts val="0"/>
+              </a:spcBef>
+              <a:spcAft>
+                <a:spcPts val="0"/>
+              </a:spcAft>
+              <a:buClr>
+                <a:schemeClr val="dk1"/>
+              </a:buClr>
+              <a:buSzPts val="1000"/>
+              <a:buAutoNum type="arabicPeriod"/>
+            </a:pPr>
+            <a:r>
+              <a:rPr lang="en-GB" sz="1000">
+                <a:solidFill>
+                  <a:schemeClr val="dk1"/>
+                </a:solidFill>
+                <a:latin typeface="Roboto Condensed"/>
+                <a:ea typeface="Roboto Condensed"/>
+                <a:cs typeface="Roboto Condensed"/>
+                <a:sym typeface="Roboto Condensed"/>
+              </a:rPr>
+              <a:t>Urban Hydrology + Blue-Green Infrastructure - A glance (10/15 min) + Qs</a:t>
+            </a:r>
+            <a:endParaRPr sz="1000">
+              <a:solidFill>
+                <a:schemeClr val="dk1"/>
+              </a:solidFill>
+              <a:latin typeface="Roboto Condensed"/>
+              <a:ea typeface="Roboto Condensed"/>
+              <a:cs typeface="Roboto Condensed"/>
+              <a:sym typeface="Roboto Condensed"/>
+            </a:endParaRPr>
+          </a:p>
+          <a:p>
+            <a:pPr marL="457200" lvl="0" indent="0" algn="l" rtl="0">
+              <a:spcBef>
+                <a:spcPts val="0"/>
+              </a:spcBef>
+              <a:spcAft>
+                <a:spcPts val="0"/>
+              </a:spcAft>
+              <a:buClr>
+                <a:schemeClr val="dk1"/>
+              </a:buClr>
+              <a:buSzPts val="1100"/>
+              <a:buFont typeface="Arial"/>
+              <a:buNone/>
+            </a:pPr>
+            <a:endParaRPr sz="1000">
+              <a:solidFill>
+                <a:schemeClr val="dk1"/>
+              </a:solidFill>
+              <a:latin typeface="Roboto Condensed"/>
+              <a:ea typeface="Roboto Condensed"/>
+              <a:cs typeface="Roboto Condensed"/>
+              <a:sym typeface="Roboto Condensed"/>
+            </a:endParaRPr>
+          </a:p>
+          <a:p>
+            <a:pPr marL="457200" lvl="0" indent="-292100" algn="l" rtl="0">
+              <a:spcBef>
+                <a:spcPts val="0"/>
+              </a:spcBef>
+              <a:spcAft>
+                <a:spcPts val="0"/>
+              </a:spcAft>
+              <a:buClr>
+                <a:schemeClr val="dk1"/>
+              </a:buClr>
+              <a:buSzPts val="1000"/>
+              <a:buAutoNum type="arabicPeriod"/>
+            </a:pPr>
+            <a:r>
+              <a:rPr lang="en-GB" sz="1000">
+                <a:solidFill>
+                  <a:schemeClr val="dk1"/>
+                </a:solidFill>
+                <a:latin typeface="Roboto Condensed"/>
+                <a:ea typeface="Roboto Condensed"/>
+                <a:cs typeface="Roboto Condensed"/>
+                <a:sym typeface="Roboto Condensed"/>
+              </a:rPr>
+              <a:t>EPA SWMM - Fundamentals (10)</a:t>
+            </a:r>
+            <a:endParaRPr sz="1000">
+              <a:solidFill>
+                <a:schemeClr val="dk1"/>
+              </a:solidFill>
+              <a:latin typeface="Roboto Condensed"/>
+              <a:ea typeface="Roboto Condensed"/>
+              <a:cs typeface="Roboto Condensed"/>
+              <a:sym typeface="Roboto Condensed"/>
+            </a:endParaRPr>
+          </a:p>
+          <a:p>
+            <a:pPr marL="457200" lvl="0" indent="-292100" algn="l" rtl="0">
+              <a:spcBef>
+                <a:spcPts val="0"/>
+              </a:spcBef>
+              <a:spcAft>
+                <a:spcPts val="0"/>
+              </a:spcAft>
+              <a:buClr>
+                <a:schemeClr val="dk1"/>
+              </a:buClr>
+              <a:buSzPts val="1000"/>
+              <a:buAutoNum type="arabicPeriod"/>
+            </a:pPr>
+            <a:r>
+              <a:rPr lang="en-GB" sz="1000">
+                <a:solidFill>
+                  <a:schemeClr val="dk1"/>
+                </a:solidFill>
+                <a:latin typeface="Roboto Condensed"/>
+                <a:ea typeface="Roboto Condensed"/>
+                <a:cs typeface="Roboto Condensed"/>
+                <a:sym typeface="Roboto Condensed"/>
+              </a:rPr>
+              <a:t>Case study - Bellinge, Implementing Blue-Green Infra in EPA SWMM</a:t>
+            </a:r>
+            <a:endParaRPr sz="1000">
+              <a:solidFill>
+                <a:schemeClr val="dk1"/>
+              </a:solidFill>
+              <a:latin typeface="Roboto Condensed"/>
+              <a:ea typeface="Roboto Condensed"/>
+              <a:cs typeface="Roboto Condensed"/>
+              <a:sym typeface="Roboto Condensed"/>
+            </a:endParaRPr>
+          </a:p>
+          <a:p>
+            <a:pPr marL="457200" lvl="0" indent="0" algn="l" rtl="0">
+              <a:spcBef>
+                <a:spcPts val="0"/>
+              </a:spcBef>
+              <a:spcAft>
+                <a:spcPts val="0"/>
+              </a:spcAft>
+              <a:buClr>
+                <a:schemeClr val="dk1"/>
+              </a:buClr>
+              <a:buSzPts val="1100"/>
+              <a:buFont typeface="Arial"/>
+              <a:buNone/>
+            </a:pPr>
+            <a:r>
+              <a:rPr lang="en-GB" sz="1000">
+                <a:solidFill>
+                  <a:schemeClr val="dk1"/>
+                </a:solidFill>
+                <a:latin typeface="Roboto Condensed"/>
+                <a:ea typeface="Roboto Condensed"/>
+                <a:cs typeface="Roboto Condensed"/>
+                <a:sym typeface="Roboto Condensed"/>
+              </a:rPr>
+              <a:t>(30 plus 10 min break in the middle) + Qs</a:t>
+            </a:r>
+            <a:endParaRPr sz="1000">
+              <a:solidFill>
+                <a:schemeClr val="dk1"/>
+              </a:solidFill>
+              <a:latin typeface="Roboto Condensed"/>
+              <a:ea typeface="Roboto Condensed"/>
+              <a:cs typeface="Roboto Condensed"/>
+              <a:sym typeface="Roboto Condensed"/>
+            </a:endParaRPr>
+          </a:p>
+          <a:p>
+            <a:pPr marL="457200" lvl="0" indent="-292100" algn="l" rtl="0">
+              <a:spcBef>
+                <a:spcPts val="0"/>
+              </a:spcBef>
+              <a:spcAft>
+                <a:spcPts val="0"/>
+              </a:spcAft>
+              <a:buClr>
+                <a:schemeClr val="dk1"/>
+              </a:buClr>
+              <a:buSzPts val="1000"/>
+              <a:buAutoNum type="arabicPeriod"/>
+            </a:pPr>
+            <a:r>
+              <a:rPr lang="en-GB" sz="1000">
+                <a:solidFill>
+                  <a:schemeClr val="dk1"/>
+                </a:solidFill>
+                <a:latin typeface="Roboto Condensed"/>
+                <a:ea typeface="Roboto Condensed"/>
+                <a:cs typeface="Roboto Condensed"/>
+                <a:sym typeface="Roboto Condensed"/>
+              </a:rPr>
+              <a:t>Simulation + Group discussion (30 in groups +10 min conclusions)</a:t>
+            </a:r>
+            <a:endParaRPr sz="1000">
+              <a:solidFill>
+                <a:schemeClr val="dk1"/>
+              </a:solidFill>
+              <a:latin typeface="Roboto Condensed"/>
+              <a:ea typeface="Roboto Condensed"/>
+              <a:cs typeface="Roboto Condensed"/>
+              <a:sym typeface="Roboto Condensed"/>
+            </a:endParaRPr>
+          </a:p>
+          <a:p>
+            <a:pPr marL="457200" lvl="0" indent="0" algn="l" rtl="0">
+              <a:spcBef>
+                <a:spcPts val="0"/>
+              </a:spcBef>
+              <a:spcAft>
+                <a:spcPts val="0"/>
+              </a:spcAft>
+              <a:buClr>
+                <a:schemeClr val="dk1"/>
+              </a:buClr>
+              <a:buSzPts val="1100"/>
+              <a:buFont typeface="Arial"/>
+              <a:buNone/>
+            </a:pPr>
+            <a:endParaRPr sz="1000">
+              <a:solidFill>
+                <a:schemeClr val="dk1"/>
+              </a:solidFill>
+              <a:latin typeface="Roboto Condensed"/>
+              <a:ea typeface="Roboto Condensed"/>
+              <a:cs typeface="Roboto Condensed"/>
+              <a:sym typeface="Roboto Condensed"/>
+            </a:endParaRPr>
+          </a:p>
+          <a:p>
+            <a:pPr marL="457200" lvl="0" indent="-292100" algn="l" rtl="0">
+              <a:spcBef>
+                <a:spcPts val="0"/>
+              </a:spcBef>
+              <a:spcAft>
+                <a:spcPts val="0"/>
+              </a:spcAft>
+              <a:buClr>
+                <a:schemeClr val="dk1"/>
+              </a:buClr>
+              <a:buSzPts val="1000"/>
+              <a:buAutoNum type="arabicPeriod"/>
+            </a:pPr>
+            <a:r>
+              <a:rPr lang="en-GB" sz="1000">
+                <a:solidFill>
+                  <a:schemeClr val="dk1"/>
+                </a:solidFill>
+                <a:latin typeface="Roboto Condensed"/>
+                <a:ea typeface="Roboto Condensed"/>
+                <a:cs typeface="Roboto Condensed"/>
+                <a:sym typeface="Roboto Condensed"/>
+              </a:rPr>
+              <a:t>Introducing potential assignment for final report (10 mins)</a:t>
+            </a:r>
+            <a:endParaRPr sz="1000">
+              <a:solidFill>
+                <a:schemeClr val="dk1"/>
+              </a:solidFill>
+            </a:endParaRPr>
+          </a:p>
+        </p:txBody>
+      </p:sp>
+    </p:spTree>
+  </p:cSld>
+  <p:clrMapOvr>
+    <a:masterClrMapping/>
+  </p:clrMapOvr>
+</p:notes>
+</file>
+
+<file path=ppt/notesSlides/notesSlide3.xml><?xml version="1.0" encoding="utf-8"?>
+<p:notes xmlns:a="http://schemas.openxmlformats.org/drawingml/2006/main" xmlns:r="http://schemas.openxmlformats.org/officeDocument/2006/relationships" xmlns:p="http://schemas.openxmlformats.org/presentationml/2006/main">
+  <p:cSld>
+    <p:spTree>
+      <p:nvGrpSpPr>
+        <p:cNvPr id="1" name=""/>
+        <p:cNvGrpSpPr/>
+        <p:nvPr/>
+      </p:nvGrpSpPr>
+      <p:grpSpPr>
+        <a:xfrm>
+          <a:off x="0" y="0"/>
+          <a:ext cx="0" cy="0"/>
+          <a:chOff x="0" y="0"/>
+          <a:chExt cx="0" cy="0"/>
+        </a:xfrm>
+      </p:grpSpPr>
+      <p:sp>
+        <p:nvSpPr>
+          <p:cNvPr id="2" name="Slide Image Placeholder 1"/>
+          <p:cNvSpPr>
+            <a:spLocks noGrp="1" noRot="1" noChangeAspect="1"/>
+          </p:cNvSpPr>
+          <p:nvPr>
+            <p:ph type="sldImg"/>
+          </p:nvPr>
+        </p:nvSpPr>
+        <p:spPr/>
+      </p:sp>
+      <p:sp>
+        <p:nvSpPr>
+          <p:cNvPr id="3" name="Notes Placeholder 2"/>
+          <p:cNvSpPr>
+            <a:spLocks noGrp="1"/>
+          </p:cNvSpPr>
+          <p:nvPr>
+            <p:ph type="body" idx="1"/>
+          </p:nvPr>
+        </p:nvSpPr>
+        <p:spPr/>
+        <p:txBody>
+          <a:bodyPr/>
+          <a:lstStyle/>
+          <a:p>
+            <a:endParaRPr lang="en-DE" dirty="0"/>
+          </a:p>
+        </p:txBody>
+      </p:sp>
+      <p:sp>
+        <p:nvSpPr>
+          <p:cNvPr id="4" name="Slide Number Placeholder 3"/>
+          <p:cNvSpPr>
+            <a:spLocks noGrp="1"/>
+          </p:cNvSpPr>
+          <p:nvPr>
+            <p:ph type="sldNum" sz="quarter" idx="5"/>
+          </p:nvPr>
+        </p:nvSpPr>
+        <p:spPr/>
+        <p:txBody>
+          <a:bodyPr/>
+          <a:lstStyle/>
+          <a:p>
+            <a:fld id="{4FCE2DD0-FDF2-40BA-8116-279D47F01C0B}" type="slidenum">
+              <a:rPr lang="de-DE" altLang="de-DE" smtClean="0"/>
+              <a:pPr/>
+              <a:t>4</a:t>
+            </a:fld>
+            <a:endParaRPr lang="de-DE" altLang="de-DE"/>
+          </a:p>
+        </p:txBody>
+      </p:sp>
+    </p:spTree>
+    <p:extLst>
+      <p:ext uri="{BB962C8B-B14F-4D97-AF65-F5344CB8AC3E}">
+        <p14:creationId xmlns:p14="http://schemas.microsoft.com/office/powerpoint/2010/main" val="4071501574"/>
+      </p:ext>
+    </p:extLst>
+  </p:cSld>
+  <p:clrMapOvr>
+    <a:masterClrMapping/>
+  </p:clrMapOvr>
+</p:notes>
+</file>
+
+<file path=ppt/notesSlides/notesSlide4.xml><?xml version="1.0" encoding="utf-8"?>
+<p:notes xmlns:a="http://schemas.openxmlformats.org/drawingml/2006/main" xmlns:r="http://schemas.openxmlformats.org/officeDocument/2006/relationships" xmlns:p="http://schemas.openxmlformats.org/presentationml/2006/main">
+  <p:cSld>
+    <p:spTree>
+      <p:nvGrpSpPr>
+        <p:cNvPr id="1" name=""/>
+        <p:cNvGrpSpPr/>
+        <p:nvPr/>
+      </p:nvGrpSpPr>
+      <p:grpSpPr>
+        <a:xfrm>
+          <a:off x="0" y="0"/>
+          <a:ext cx="0" cy="0"/>
+          <a:chOff x="0" y="0"/>
+          <a:chExt cx="0" cy="0"/>
+        </a:xfrm>
+      </p:grpSpPr>
+      <p:sp>
+        <p:nvSpPr>
+          <p:cNvPr id="2" name="Slide Image Placeholder 1"/>
+          <p:cNvSpPr>
+            <a:spLocks noGrp="1" noRot="1" noChangeAspect="1"/>
+          </p:cNvSpPr>
+          <p:nvPr>
+            <p:ph type="sldImg"/>
+          </p:nvPr>
+        </p:nvSpPr>
+        <p:spPr/>
+      </p:sp>
+      <p:sp>
+        <p:nvSpPr>
+          <p:cNvPr id="3" name="Notes Placeholder 2"/>
+          <p:cNvSpPr>
+            <a:spLocks noGrp="1"/>
+          </p:cNvSpPr>
+          <p:nvPr>
+            <p:ph type="body" idx="1"/>
+          </p:nvPr>
+        </p:nvSpPr>
+        <p:spPr/>
+        <p:txBody>
+          <a:bodyPr/>
+          <a:lstStyle/>
+          <a:p>
+            <a:endParaRPr lang="en-DE" dirty="0"/>
+          </a:p>
+        </p:txBody>
+      </p:sp>
+      <p:sp>
+        <p:nvSpPr>
+          <p:cNvPr id="4" name="Slide Number Placeholder 3"/>
+          <p:cNvSpPr>
+            <a:spLocks noGrp="1"/>
+          </p:cNvSpPr>
+          <p:nvPr>
+            <p:ph type="sldNum" sz="quarter" idx="5"/>
+          </p:nvPr>
+        </p:nvSpPr>
+        <p:spPr/>
+        <p:txBody>
+          <a:bodyPr/>
+          <a:lstStyle/>
+          <a:p>
+            <a:fld id="{4FCE2DD0-FDF2-40BA-8116-279D47F01C0B}" type="slidenum">
+              <a:rPr lang="de-DE" altLang="de-DE" smtClean="0"/>
+              <a:pPr/>
+              <a:t>5</a:t>
+            </a:fld>
+            <a:endParaRPr lang="de-DE" altLang="de-DE"/>
+          </a:p>
+        </p:txBody>
+      </p:sp>
+    </p:spTree>
+    <p:extLst>
+      <p:ext uri="{BB962C8B-B14F-4D97-AF65-F5344CB8AC3E}">
+        <p14:creationId xmlns:p14="http://schemas.microsoft.com/office/powerpoint/2010/main" val="1509025031"/>
+      </p:ext>
+    </p:extLst>
+  </p:cSld>
+  <p:clrMapOvr>
+    <a:masterClrMapping/>
+  </p:clrMapOvr>
+</p:notes>
+</file>
+
+<file path=ppt/notesSlides/notesSlide5.xml><?xml version="1.0" encoding="utf-8"?>
+<p:notes xmlns:a="http://schemas.openxmlformats.org/drawingml/2006/main" xmlns:r="http://schemas.openxmlformats.org/officeDocument/2006/relationships" xmlns:p="http://schemas.openxmlformats.org/presentationml/2006/main" showMasterSp="0" showMasterPhAnim="0">
+  <p:cSld>
+    <p:spTree>
+      <p:nvGrpSpPr>
+        <p:cNvPr id="1" name="Shape 76"/>
+        <p:cNvGrpSpPr/>
+        <p:nvPr/>
+      </p:nvGrpSpPr>
+      <p:grpSpPr>
+        <a:xfrm>
+          <a:off x="0" y="0"/>
+          <a:ext cx="0" cy="0"/>
+          <a:chOff x="0" y="0"/>
+          <a:chExt cx="0" cy="0"/>
+        </a:xfrm>
+      </p:grpSpPr>
+      <p:sp>
+        <p:nvSpPr>
+          <p:cNvPr id="77" name="Google Shape;77;gd7a20a5e34_0_1:notes"/>
+          <p:cNvSpPr>
+            <a:spLocks noGrp="1" noRot="1" noChangeAspect="1"/>
+          </p:cNvSpPr>
+          <p:nvPr>
+            <p:ph type="sldImg" idx="2"/>
+          </p:nvPr>
+        </p:nvSpPr>
+        <p:spPr>
+          <a:xfrm>
+            <a:off x="381000" y="685800"/>
+            <a:ext cx="6096000" cy="3429000"/>
+          </a:xfrm>
+          <a:custGeom>
+            <a:avLst/>
+            <a:gdLst/>
+            <a:ahLst/>
+            <a:cxnLst/>
+            <a:rect l="l" t="t" r="r" b="b"/>
+            <a:pathLst>
+              <a:path w="120000" h="120000" extrusionOk="0">
+                <a:moveTo>
+                  <a:pt x="0" y="0"/>
+                </a:moveTo>
+                <a:lnTo>
+                  <a:pt x="120000" y="0"/>
+                </a:lnTo>
+                <a:lnTo>
+                  <a:pt x="120000" y="120000"/>
+                </a:lnTo>
+                <a:lnTo>
+                  <a:pt x="0" y="120000"/>
+                </a:lnTo>
+                <a:close/>
+              </a:path>
+            </a:pathLst>
+          </a:custGeom>
+        </p:spPr>
+      </p:sp>
+      <p:sp>
+        <p:nvSpPr>
+          <p:cNvPr id="78" name="Google Shape;78;gd7a20a5e34_0_1:notes"/>
+          <p:cNvSpPr txBox="1">
+            <a:spLocks noGrp="1"/>
+          </p:cNvSpPr>
+          <p:nvPr>
+            <p:ph type="body" idx="1"/>
+          </p:nvPr>
+        </p:nvSpPr>
+        <p:spPr>
+          <a:xfrm>
+            <a:off x="685800" y="4343400"/>
+            <a:ext cx="5486400" cy="4114800"/>
+          </a:xfrm>
+          <a:prstGeom prst="rect">
+            <a:avLst/>
+          </a:prstGeom>
+        </p:spPr>
+        <p:txBody>
+          <a:bodyPr spcFirstLastPara="1" wrap="square" lIns="91425" tIns="91425" rIns="91425" bIns="91425" anchor="t" anchorCtr="0">
+            <a:noAutofit/>
+          </a:bodyPr>
+          <a:lstStyle/>
+          <a:p>
+            <a:pPr marL="457200" lvl="0" indent="-292100" algn="l" rtl="0">
+              <a:spcBef>
+                <a:spcPts val="0"/>
+              </a:spcBef>
+              <a:spcAft>
+                <a:spcPts val="0"/>
+              </a:spcAft>
+              <a:buClr>
+                <a:schemeClr val="dk1"/>
+              </a:buClr>
+              <a:buSzPts val="1000"/>
+              <a:buAutoNum type="arabicPeriod"/>
+            </a:pPr>
+            <a:r>
+              <a:rPr lang="en-GB" sz="1000">
+                <a:solidFill>
+                  <a:schemeClr val="dk1"/>
+                </a:solidFill>
+                <a:latin typeface="Roboto Condensed"/>
+                <a:ea typeface="Roboto Condensed"/>
+                <a:cs typeface="Roboto Condensed"/>
+                <a:sym typeface="Roboto Condensed"/>
+              </a:rPr>
+              <a:t>Goal + Relevance</a:t>
+            </a:r>
+            <a:endParaRPr sz="1000">
+              <a:solidFill>
+                <a:schemeClr val="dk1"/>
+              </a:solidFill>
+              <a:latin typeface="Roboto Condensed"/>
+              <a:ea typeface="Roboto Condensed"/>
+              <a:cs typeface="Roboto Condensed"/>
+              <a:sym typeface="Roboto Condensed"/>
+            </a:endParaRPr>
+          </a:p>
+          <a:p>
+            <a:pPr marL="457200" lvl="0" indent="-292100" algn="l" rtl="0">
+              <a:spcBef>
+                <a:spcPts val="0"/>
+              </a:spcBef>
+              <a:spcAft>
+                <a:spcPts val="0"/>
+              </a:spcAft>
+              <a:buClr>
+                <a:schemeClr val="dk1"/>
+              </a:buClr>
+              <a:buSzPts val="1000"/>
+              <a:buAutoNum type="arabicPeriod"/>
+            </a:pPr>
+            <a:r>
+              <a:rPr lang="en-GB" sz="1000">
+                <a:solidFill>
+                  <a:schemeClr val="dk1"/>
+                </a:solidFill>
+                <a:latin typeface="Roboto Condensed"/>
+                <a:ea typeface="Roboto Condensed"/>
+                <a:cs typeface="Roboto Condensed"/>
+                <a:sym typeface="Roboto Condensed"/>
+              </a:rPr>
+              <a:t>Urban Hydrology + Blue-Green Infrastructure - A glance (10/15 min) + Qs</a:t>
+            </a:r>
+            <a:endParaRPr sz="1000">
+              <a:solidFill>
+                <a:schemeClr val="dk1"/>
+              </a:solidFill>
+              <a:latin typeface="Roboto Condensed"/>
+              <a:ea typeface="Roboto Condensed"/>
+              <a:cs typeface="Roboto Condensed"/>
+              <a:sym typeface="Roboto Condensed"/>
+            </a:endParaRPr>
+          </a:p>
+          <a:p>
+            <a:pPr marL="457200" lvl="0" indent="0" algn="l" rtl="0">
+              <a:spcBef>
+                <a:spcPts val="0"/>
+              </a:spcBef>
+              <a:spcAft>
+                <a:spcPts val="0"/>
+              </a:spcAft>
+              <a:buClr>
+                <a:schemeClr val="dk1"/>
+              </a:buClr>
+              <a:buSzPts val="1100"/>
+              <a:buFont typeface="Arial"/>
+              <a:buNone/>
+            </a:pPr>
+            <a:endParaRPr sz="1000">
+              <a:solidFill>
+                <a:schemeClr val="dk1"/>
+              </a:solidFill>
+              <a:latin typeface="Roboto Condensed"/>
+              <a:ea typeface="Roboto Condensed"/>
+              <a:cs typeface="Roboto Condensed"/>
+              <a:sym typeface="Roboto Condensed"/>
+            </a:endParaRPr>
+          </a:p>
+          <a:p>
+            <a:pPr marL="457200" lvl="0" indent="-292100" algn="l" rtl="0">
+              <a:spcBef>
+                <a:spcPts val="0"/>
+              </a:spcBef>
+              <a:spcAft>
+                <a:spcPts val="0"/>
+              </a:spcAft>
+              <a:buClr>
+                <a:schemeClr val="dk1"/>
+              </a:buClr>
+              <a:buSzPts val="1000"/>
+              <a:buAutoNum type="arabicPeriod"/>
+            </a:pPr>
+            <a:r>
+              <a:rPr lang="en-GB" sz="1000">
+                <a:solidFill>
+                  <a:schemeClr val="dk1"/>
+                </a:solidFill>
+                <a:latin typeface="Roboto Condensed"/>
+                <a:ea typeface="Roboto Condensed"/>
+                <a:cs typeface="Roboto Condensed"/>
+                <a:sym typeface="Roboto Condensed"/>
+              </a:rPr>
+              <a:t>EPA SWMM - Fundamentals (10)</a:t>
+            </a:r>
+            <a:endParaRPr sz="1000">
+              <a:solidFill>
+                <a:schemeClr val="dk1"/>
+              </a:solidFill>
+              <a:latin typeface="Roboto Condensed"/>
+              <a:ea typeface="Roboto Condensed"/>
+              <a:cs typeface="Roboto Condensed"/>
+              <a:sym typeface="Roboto Condensed"/>
+            </a:endParaRPr>
+          </a:p>
+          <a:p>
+            <a:pPr marL="457200" lvl="0" indent="-292100" algn="l" rtl="0">
+              <a:spcBef>
+                <a:spcPts val="0"/>
+              </a:spcBef>
+              <a:spcAft>
+                <a:spcPts val="0"/>
+              </a:spcAft>
+              <a:buClr>
+                <a:schemeClr val="dk1"/>
+              </a:buClr>
+              <a:buSzPts val="1000"/>
+              <a:buAutoNum type="arabicPeriod"/>
+            </a:pPr>
+            <a:r>
+              <a:rPr lang="en-GB" sz="1000">
+                <a:solidFill>
+                  <a:schemeClr val="dk1"/>
+                </a:solidFill>
+                <a:latin typeface="Roboto Condensed"/>
+                <a:ea typeface="Roboto Condensed"/>
+                <a:cs typeface="Roboto Condensed"/>
+                <a:sym typeface="Roboto Condensed"/>
+              </a:rPr>
+              <a:t>Case study - Bellinge, Implementing Blue-Green Infra in EPA SWMM</a:t>
+            </a:r>
+            <a:endParaRPr sz="1000">
+              <a:solidFill>
+                <a:schemeClr val="dk1"/>
+              </a:solidFill>
+              <a:latin typeface="Roboto Condensed"/>
+              <a:ea typeface="Roboto Condensed"/>
+              <a:cs typeface="Roboto Condensed"/>
+              <a:sym typeface="Roboto Condensed"/>
+            </a:endParaRPr>
+          </a:p>
+          <a:p>
+            <a:pPr marL="457200" lvl="0" indent="0" algn="l" rtl="0">
+              <a:spcBef>
+                <a:spcPts val="0"/>
+              </a:spcBef>
+              <a:spcAft>
+                <a:spcPts val="0"/>
+              </a:spcAft>
+              <a:buClr>
+                <a:schemeClr val="dk1"/>
+              </a:buClr>
+              <a:buSzPts val="1100"/>
+              <a:buFont typeface="Arial"/>
+              <a:buNone/>
+            </a:pPr>
+            <a:r>
+              <a:rPr lang="en-GB" sz="1000">
+                <a:solidFill>
+                  <a:schemeClr val="dk1"/>
+                </a:solidFill>
+                <a:latin typeface="Roboto Condensed"/>
+                <a:ea typeface="Roboto Condensed"/>
+                <a:cs typeface="Roboto Condensed"/>
+                <a:sym typeface="Roboto Condensed"/>
+              </a:rPr>
+              <a:t>(30 plus 10 min break in the middle) + Qs</a:t>
+            </a:r>
+            <a:endParaRPr sz="1000">
+              <a:solidFill>
+                <a:schemeClr val="dk1"/>
+              </a:solidFill>
+              <a:latin typeface="Roboto Condensed"/>
+              <a:ea typeface="Roboto Condensed"/>
+              <a:cs typeface="Roboto Condensed"/>
+              <a:sym typeface="Roboto Condensed"/>
+            </a:endParaRPr>
+          </a:p>
+          <a:p>
+            <a:pPr marL="457200" lvl="0" indent="-292100" algn="l" rtl="0">
+              <a:spcBef>
+                <a:spcPts val="0"/>
+              </a:spcBef>
+              <a:spcAft>
+                <a:spcPts val="0"/>
+              </a:spcAft>
+              <a:buClr>
+                <a:schemeClr val="dk1"/>
+              </a:buClr>
+              <a:buSzPts val="1000"/>
+              <a:buAutoNum type="arabicPeriod"/>
+            </a:pPr>
+            <a:r>
+              <a:rPr lang="en-GB" sz="1000">
+                <a:solidFill>
+                  <a:schemeClr val="dk1"/>
+                </a:solidFill>
+                <a:latin typeface="Roboto Condensed"/>
+                <a:ea typeface="Roboto Condensed"/>
+                <a:cs typeface="Roboto Condensed"/>
+                <a:sym typeface="Roboto Condensed"/>
+              </a:rPr>
+              <a:t>Simulation + Group discussion (30 in groups +10 min conclusions)</a:t>
+            </a:r>
+            <a:endParaRPr sz="1000">
+              <a:solidFill>
+                <a:schemeClr val="dk1"/>
+              </a:solidFill>
+              <a:latin typeface="Roboto Condensed"/>
+              <a:ea typeface="Roboto Condensed"/>
+              <a:cs typeface="Roboto Condensed"/>
+              <a:sym typeface="Roboto Condensed"/>
+            </a:endParaRPr>
+          </a:p>
+          <a:p>
+            <a:pPr marL="457200" lvl="0" indent="0" algn="l" rtl="0">
+              <a:spcBef>
+                <a:spcPts val="0"/>
+              </a:spcBef>
+              <a:spcAft>
+                <a:spcPts val="0"/>
+              </a:spcAft>
+              <a:buClr>
+                <a:schemeClr val="dk1"/>
+              </a:buClr>
+              <a:buSzPts val="1100"/>
+              <a:buFont typeface="Arial"/>
+              <a:buNone/>
+            </a:pPr>
+            <a:endParaRPr sz="1000">
+              <a:solidFill>
+                <a:schemeClr val="dk1"/>
+              </a:solidFill>
+              <a:latin typeface="Roboto Condensed"/>
+              <a:ea typeface="Roboto Condensed"/>
+              <a:cs typeface="Roboto Condensed"/>
+              <a:sym typeface="Roboto Condensed"/>
+            </a:endParaRPr>
+          </a:p>
+          <a:p>
+            <a:pPr marL="457200" lvl="0" indent="-292100" algn="l" rtl="0">
+              <a:spcBef>
+                <a:spcPts val="0"/>
+              </a:spcBef>
+              <a:spcAft>
+                <a:spcPts val="0"/>
+              </a:spcAft>
+              <a:buClr>
+                <a:schemeClr val="dk1"/>
+              </a:buClr>
+              <a:buSzPts val="1000"/>
+              <a:buAutoNum type="arabicPeriod"/>
+            </a:pPr>
+            <a:r>
+              <a:rPr lang="en-GB" sz="1000">
+                <a:solidFill>
+                  <a:schemeClr val="dk1"/>
+                </a:solidFill>
+                <a:latin typeface="Roboto Condensed"/>
+                <a:ea typeface="Roboto Condensed"/>
+                <a:cs typeface="Roboto Condensed"/>
+                <a:sym typeface="Roboto Condensed"/>
+              </a:rPr>
+              <a:t>Introducing potential assignment for final report (10 mins)</a:t>
+            </a:r>
+            <a:endParaRPr sz="1000">
+              <a:solidFill>
+                <a:schemeClr val="dk1"/>
+              </a:solidFill>
+            </a:endParaRPr>
+          </a:p>
+        </p:txBody>
+      </p:sp>
+    </p:spTree>
+    <p:extLst>
+      <p:ext uri="{BB962C8B-B14F-4D97-AF65-F5344CB8AC3E}">
+        <p14:creationId xmlns:p14="http://schemas.microsoft.com/office/powerpoint/2010/main" val="706973613"/>
+      </p:ext>
+    </p:extLst>
+  </p:cSld>
+  <p:clrMapOvr>
+    <a:masterClrMapping/>
+  </p:clrMapOvr>
+</p:notes>
+</file>
+
+<file path=ppt/notesSlides/notesSlide6.xml><?xml version="1.0" encoding="utf-8"?>
+<p:notes xmlns:a="http://schemas.openxmlformats.org/drawingml/2006/main" xmlns:r="http://schemas.openxmlformats.org/officeDocument/2006/relationships" xmlns:p="http://schemas.openxmlformats.org/presentationml/2006/main" showMasterSp="0" showMasterPhAnim="0">
+  <p:cSld>
+    <p:spTree>
+      <p:nvGrpSpPr>
+        <p:cNvPr id="1" name="Shape 76"/>
+        <p:cNvGrpSpPr/>
+        <p:nvPr/>
+      </p:nvGrpSpPr>
+      <p:grpSpPr>
+        <a:xfrm>
+          <a:off x="0" y="0"/>
+          <a:ext cx="0" cy="0"/>
+          <a:chOff x="0" y="0"/>
+          <a:chExt cx="0" cy="0"/>
+        </a:xfrm>
+      </p:grpSpPr>
+      <p:sp>
+        <p:nvSpPr>
+          <p:cNvPr id="77" name="Google Shape;77;gd7a20a5e34_0_1:notes"/>
+          <p:cNvSpPr>
+            <a:spLocks noGrp="1" noRot="1" noChangeAspect="1"/>
+          </p:cNvSpPr>
+          <p:nvPr>
+            <p:ph type="sldImg" idx="2"/>
+          </p:nvPr>
+        </p:nvSpPr>
+        <p:spPr>
+          <a:xfrm>
+            <a:off x="381000" y="685800"/>
+            <a:ext cx="6096000" cy="3429000"/>
+          </a:xfrm>
+          <a:custGeom>
+            <a:avLst/>
+            <a:gdLst/>
+            <a:ahLst/>
+            <a:cxnLst/>
+            <a:rect l="l" t="t" r="r" b="b"/>
+            <a:pathLst>
+              <a:path w="120000" h="120000" extrusionOk="0">
+                <a:moveTo>
+                  <a:pt x="0" y="0"/>
+                </a:moveTo>
+                <a:lnTo>
+                  <a:pt x="120000" y="0"/>
+                </a:lnTo>
+                <a:lnTo>
+                  <a:pt x="120000" y="120000"/>
+                </a:lnTo>
+                <a:lnTo>
+                  <a:pt x="0" y="120000"/>
+                </a:lnTo>
+                <a:close/>
+              </a:path>
+            </a:pathLst>
+          </a:custGeom>
+        </p:spPr>
+      </p:sp>
+      <p:sp>
+        <p:nvSpPr>
+          <p:cNvPr id="78" name="Google Shape;78;gd7a20a5e34_0_1:notes"/>
+          <p:cNvSpPr txBox="1">
+            <a:spLocks noGrp="1"/>
+          </p:cNvSpPr>
+          <p:nvPr>
+            <p:ph type="body" idx="1"/>
+          </p:nvPr>
+        </p:nvSpPr>
+        <p:spPr>
+          <a:xfrm>
+            <a:off x="685800" y="4343400"/>
+            <a:ext cx="5486400" cy="4114800"/>
+          </a:xfrm>
+          <a:prstGeom prst="rect">
+            <a:avLst/>
+          </a:prstGeom>
+        </p:spPr>
+        <p:txBody>
+          <a:bodyPr spcFirstLastPara="1" wrap="square" lIns="91425" tIns="91425" rIns="91425" bIns="91425" anchor="t" anchorCtr="0">
+            <a:noAutofit/>
+          </a:bodyPr>
+          <a:lstStyle/>
+          <a:p>
+            <a:pPr marL="457200" lvl="0" indent="-292100" algn="l" rtl="0">
+              <a:spcBef>
+                <a:spcPts val="0"/>
+              </a:spcBef>
+              <a:spcAft>
+                <a:spcPts val="0"/>
+              </a:spcAft>
+              <a:buClr>
+                <a:schemeClr val="dk1"/>
+              </a:buClr>
+              <a:buSzPts val="1000"/>
+              <a:buAutoNum type="arabicPeriod"/>
+            </a:pPr>
+            <a:r>
+              <a:rPr lang="en-GB" sz="1000">
+                <a:solidFill>
+                  <a:schemeClr val="dk1"/>
+                </a:solidFill>
+                <a:latin typeface="Roboto Condensed"/>
+                <a:ea typeface="Roboto Condensed"/>
+                <a:cs typeface="Roboto Condensed"/>
+                <a:sym typeface="Roboto Condensed"/>
+              </a:rPr>
+              <a:t>Goal + Relevance</a:t>
+            </a:r>
+            <a:endParaRPr sz="1000">
+              <a:solidFill>
+                <a:schemeClr val="dk1"/>
+              </a:solidFill>
+              <a:latin typeface="Roboto Condensed"/>
+              <a:ea typeface="Roboto Condensed"/>
+              <a:cs typeface="Roboto Condensed"/>
+              <a:sym typeface="Roboto Condensed"/>
+            </a:endParaRPr>
+          </a:p>
+          <a:p>
+            <a:pPr marL="457200" lvl="0" indent="-292100" algn="l" rtl="0">
+              <a:spcBef>
+                <a:spcPts val="0"/>
+              </a:spcBef>
+              <a:spcAft>
+                <a:spcPts val="0"/>
+              </a:spcAft>
+              <a:buClr>
+                <a:schemeClr val="dk1"/>
+              </a:buClr>
+              <a:buSzPts val="1000"/>
+              <a:buAutoNum type="arabicPeriod"/>
+            </a:pPr>
+            <a:r>
+              <a:rPr lang="en-GB" sz="1000">
+                <a:solidFill>
+                  <a:schemeClr val="dk1"/>
+                </a:solidFill>
+                <a:latin typeface="Roboto Condensed"/>
+                <a:ea typeface="Roboto Condensed"/>
+                <a:cs typeface="Roboto Condensed"/>
+                <a:sym typeface="Roboto Condensed"/>
+              </a:rPr>
+              <a:t>Urban Hydrology + Blue-Green Infrastructure - A glance (10/15 min) + Qs</a:t>
+            </a:r>
+            <a:endParaRPr sz="1000">
+              <a:solidFill>
+                <a:schemeClr val="dk1"/>
+              </a:solidFill>
+              <a:latin typeface="Roboto Condensed"/>
+              <a:ea typeface="Roboto Condensed"/>
+              <a:cs typeface="Roboto Condensed"/>
+              <a:sym typeface="Roboto Condensed"/>
+            </a:endParaRPr>
+          </a:p>
+          <a:p>
+            <a:pPr marL="457200" lvl="0" indent="0" algn="l" rtl="0">
+              <a:spcBef>
+                <a:spcPts val="0"/>
+              </a:spcBef>
+              <a:spcAft>
+                <a:spcPts val="0"/>
+              </a:spcAft>
+              <a:buClr>
+                <a:schemeClr val="dk1"/>
+              </a:buClr>
+              <a:buSzPts val="1100"/>
+              <a:buFont typeface="Arial"/>
+              <a:buNone/>
+            </a:pPr>
+            <a:endParaRPr sz="1000">
+              <a:solidFill>
+                <a:schemeClr val="dk1"/>
+              </a:solidFill>
+              <a:latin typeface="Roboto Condensed"/>
+              <a:ea typeface="Roboto Condensed"/>
+              <a:cs typeface="Roboto Condensed"/>
+              <a:sym typeface="Roboto Condensed"/>
+            </a:endParaRPr>
+          </a:p>
+          <a:p>
+            <a:pPr marL="457200" lvl="0" indent="-292100" algn="l" rtl="0">
+              <a:spcBef>
+                <a:spcPts val="0"/>
+              </a:spcBef>
+              <a:spcAft>
+                <a:spcPts val="0"/>
+              </a:spcAft>
+              <a:buClr>
+                <a:schemeClr val="dk1"/>
+              </a:buClr>
+              <a:buSzPts val="1000"/>
+              <a:buAutoNum type="arabicPeriod"/>
+            </a:pPr>
+            <a:r>
+              <a:rPr lang="en-GB" sz="1000">
+                <a:solidFill>
+                  <a:schemeClr val="dk1"/>
+                </a:solidFill>
+                <a:latin typeface="Roboto Condensed"/>
+                <a:ea typeface="Roboto Condensed"/>
+                <a:cs typeface="Roboto Condensed"/>
+                <a:sym typeface="Roboto Condensed"/>
+              </a:rPr>
+              <a:t>EPA SWMM - Fundamentals (10)</a:t>
+            </a:r>
+            <a:endParaRPr sz="1000">
+              <a:solidFill>
+                <a:schemeClr val="dk1"/>
+              </a:solidFill>
+              <a:latin typeface="Roboto Condensed"/>
+              <a:ea typeface="Roboto Condensed"/>
+              <a:cs typeface="Roboto Condensed"/>
+              <a:sym typeface="Roboto Condensed"/>
+            </a:endParaRPr>
+          </a:p>
+          <a:p>
+            <a:pPr marL="457200" lvl="0" indent="-292100" algn="l" rtl="0">
+              <a:spcBef>
+                <a:spcPts val="0"/>
+              </a:spcBef>
+              <a:spcAft>
+                <a:spcPts val="0"/>
+              </a:spcAft>
+              <a:buClr>
+                <a:schemeClr val="dk1"/>
+              </a:buClr>
+              <a:buSzPts val="1000"/>
+              <a:buAutoNum type="arabicPeriod"/>
+            </a:pPr>
+            <a:r>
+              <a:rPr lang="en-GB" sz="1000">
+                <a:solidFill>
+                  <a:schemeClr val="dk1"/>
+                </a:solidFill>
+                <a:latin typeface="Roboto Condensed"/>
+                <a:ea typeface="Roboto Condensed"/>
+                <a:cs typeface="Roboto Condensed"/>
+                <a:sym typeface="Roboto Condensed"/>
+              </a:rPr>
+              <a:t>Case study - Bellinge, Implementing Blue-Green Infra in EPA SWMM</a:t>
+            </a:r>
+            <a:endParaRPr sz="1000">
+              <a:solidFill>
+                <a:schemeClr val="dk1"/>
+              </a:solidFill>
+              <a:latin typeface="Roboto Condensed"/>
+              <a:ea typeface="Roboto Condensed"/>
+              <a:cs typeface="Roboto Condensed"/>
+              <a:sym typeface="Roboto Condensed"/>
+            </a:endParaRPr>
+          </a:p>
+          <a:p>
+            <a:pPr marL="457200" lvl="0" indent="0" algn="l" rtl="0">
+              <a:spcBef>
+                <a:spcPts val="0"/>
+              </a:spcBef>
+              <a:spcAft>
+                <a:spcPts val="0"/>
+              </a:spcAft>
+              <a:buClr>
+                <a:schemeClr val="dk1"/>
+              </a:buClr>
+              <a:buSzPts val="1100"/>
+              <a:buFont typeface="Arial"/>
+              <a:buNone/>
+            </a:pPr>
+            <a:r>
+              <a:rPr lang="en-GB" sz="1000">
+                <a:solidFill>
+                  <a:schemeClr val="dk1"/>
+                </a:solidFill>
+                <a:latin typeface="Roboto Condensed"/>
+                <a:ea typeface="Roboto Condensed"/>
+                <a:cs typeface="Roboto Condensed"/>
+                <a:sym typeface="Roboto Condensed"/>
+              </a:rPr>
+              <a:t>(30 plus 10 min break in the middle) + Qs</a:t>
+            </a:r>
+            <a:endParaRPr sz="1000">
+              <a:solidFill>
+                <a:schemeClr val="dk1"/>
+              </a:solidFill>
+              <a:latin typeface="Roboto Condensed"/>
+              <a:ea typeface="Roboto Condensed"/>
+              <a:cs typeface="Roboto Condensed"/>
+              <a:sym typeface="Roboto Condensed"/>
+            </a:endParaRPr>
+          </a:p>
+          <a:p>
+            <a:pPr marL="457200" lvl="0" indent="-292100" algn="l" rtl="0">
+              <a:spcBef>
+                <a:spcPts val="0"/>
+              </a:spcBef>
+              <a:spcAft>
+                <a:spcPts val="0"/>
+              </a:spcAft>
+              <a:buClr>
+                <a:schemeClr val="dk1"/>
+              </a:buClr>
+              <a:buSzPts val="1000"/>
+              <a:buAutoNum type="arabicPeriod"/>
+            </a:pPr>
+            <a:r>
+              <a:rPr lang="en-GB" sz="1000">
+                <a:solidFill>
+                  <a:schemeClr val="dk1"/>
+                </a:solidFill>
+                <a:latin typeface="Roboto Condensed"/>
+                <a:ea typeface="Roboto Condensed"/>
+                <a:cs typeface="Roboto Condensed"/>
+                <a:sym typeface="Roboto Condensed"/>
+              </a:rPr>
+              <a:t>Simulation + Group discussion (30 in groups +10 min conclusions)</a:t>
+            </a:r>
+            <a:endParaRPr sz="1000">
+              <a:solidFill>
+                <a:schemeClr val="dk1"/>
+              </a:solidFill>
+              <a:latin typeface="Roboto Condensed"/>
+              <a:ea typeface="Roboto Condensed"/>
+              <a:cs typeface="Roboto Condensed"/>
+              <a:sym typeface="Roboto Condensed"/>
+            </a:endParaRPr>
+          </a:p>
+          <a:p>
+            <a:pPr marL="457200" lvl="0" indent="0" algn="l" rtl="0">
+              <a:spcBef>
+                <a:spcPts val="0"/>
+              </a:spcBef>
+              <a:spcAft>
+                <a:spcPts val="0"/>
+              </a:spcAft>
+              <a:buClr>
+                <a:schemeClr val="dk1"/>
+              </a:buClr>
+              <a:buSzPts val="1100"/>
+              <a:buFont typeface="Arial"/>
+              <a:buNone/>
+            </a:pPr>
+            <a:endParaRPr sz="1000">
+              <a:solidFill>
+                <a:schemeClr val="dk1"/>
+              </a:solidFill>
+              <a:latin typeface="Roboto Condensed"/>
+              <a:ea typeface="Roboto Condensed"/>
+              <a:cs typeface="Roboto Condensed"/>
+              <a:sym typeface="Roboto Condensed"/>
+            </a:endParaRPr>
+          </a:p>
+          <a:p>
+            <a:pPr marL="457200" lvl="0" indent="-292100" algn="l" rtl="0">
+              <a:spcBef>
+                <a:spcPts val="0"/>
+              </a:spcBef>
+              <a:spcAft>
+                <a:spcPts val="0"/>
+              </a:spcAft>
+              <a:buClr>
+                <a:schemeClr val="dk1"/>
+              </a:buClr>
+              <a:buSzPts val="1000"/>
+              <a:buAutoNum type="arabicPeriod"/>
+            </a:pPr>
+            <a:r>
+              <a:rPr lang="en-GB" sz="1000">
+                <a:solidFill>
+                  <a:schemeClr val="dk1"/>
+                </a:solidFill>
+                <a:latin typeface="Roboto Condensed"/>
+                <a:ea typeface="Roboto Condensed"/>
+                <a:cs typeface="Roboto Condensed"/>
+                <a:sym typeface="Roboto Condensed"/>
+              </a:rPr>
+              <a:t>Introducing potential assignment for final report (10 mins)</a:t>
+            </a:r>
+            <a:endParaRPr sz="1000">
+              <a:solidFill>
+                <a:schemeClr val="dk1"/>
+              </a:solidFill>
+            </a:endParaRPr>
+          </a:p>
+        </p:txBody>
+      </p:sp>
+    </p:spTree>
+    <p:extLst>
+      <p:ext uri="{BB962C8B-B14F-4D97-AF65-F5344CB8AC3E}">
+        <p14:creationId xmlns:p14="http://schemas.microsoft.com/office/powerpoint/2010/main" val="1491255933"/>
+      </p:ext>
+    </p:extLst>
+  </p:cSld>
+  <p:clrMapOvr>
+    <a:masterClrMapping/>
+  </p:clrMapOvr>
+</p:notes>
+</file>
+
 <file path=ppt/slideLayouts/slideLayout1.xml><?xml version="1.0" encoding="utf-8"?>
 <p:sldLayout xmlns:a="http://schemas.openxmlformats.org/drawingml/2006/main" xmlns:r="http://schemas.openxmlformats.org/officeDocument/2006/relationships" xmlns:p="http://schemas.openxmlformats.org/presentationml/2006/main" preserve="1">
   <p:cSld name="Benutzerdefiniertes Layout">
@@ -2434,6 +4221,294 @@
     <p:extLst>
       <p:ext uri="{BB962C8B-B14F-4D97-AF65-F5344CB8AC3E}">
         <p14:creationId xmlns:p14="http://schemas.microsoft.com/office/powerpoint/2010/main" val="3131450647"/>
+      </p:ext>
+    </p:extLst>
+  </p:cSld>
+  <p:clrMapOvr>
+    <a:masterClrMapping/>
+  </p:clrMapOvr>
+</p:sldLayout>
+</file>
+
+<file path=ppt/slideLayouts/slideLayout8.xml><?xml version="1.0" encoding="utf-8"?>
+<p:sldLayout xmlns:a="http://schemas.openxmlformats.org/drawingml/2006/main" xmlns:r="http://schemas.openxmlformats.org/officeDocument/2006/relationships" xmlns:p="http://schemas.openxmlformats.org/presentationml/2006/main" matchingName="Seperator">
+  <p:cSld name="Seperator">
+    <p:spTree>
+      <p:nvGrpSpPr>
+        <p:cNvPr id="1" name="Shape 19"/>
+        <p:cNvGrpSpPr/>
+        <p:nvPr/>
+      </p:nvGrpSpPr>
+      <p:grpSpPr>
+        <a:xfrm>
+          <a:off x="0" y="0"/>
+          <a:ext cx="0" cy="0"/>
+          <a:chOff x="0" y="0"/>
+          <a:chExt cx="0" cy="0"/>
+        </a:xfrm>
+      </p:grpSpPr>
+      <p:pic>
+        <p:nvPicPr>
+          <p:cNvPr id="20" name="Google Shape;20;p4" descr="Bildschirmfoto 2020-06-17 um 17.21.51.png"/>
+          <p:cNvPicPr preferRelativeResize="0"/>
+          <p:nvPr/>
+        </p:nvPicPr>
+        <p:blipFill rotWithShape="1">
+          <a:blip r:embed="rId2">
+            <a:alphaModFix/>
+          </a:blip>
+          <a:srcRect/>
+          <a:stretch/>
+        </p:blipFill>
+        <p:spPr>
+          <a:xfrm>
+            <a:off x="1816100" y="1466850"/>
+            <a:ext cx="5511800" cy="2209800"/>
+          </a:xfrm>
+          <a:prstGeom prst="rect">
+            <a:avLst/>
+          </a:prstGeom>
+          <a:noFill/>
+          <a:ln>
+            <a:noFill/>
+          </a:ln>
+        </p:spPr>
+      </p:pic>
+      <p:pic>
+        <p:nvPicPr>
+          <p:cNvPr id="21" name="Google Shape;21;p4" descr="ide3a_trenner.jpg"/>
+          <p:cNvPicPr preferRelativeResize="0"/>
+          <p:nvPr/>
+        </p:nvPicPr>
+        <p:blipFill rotWithShape="1">
+          <a:blip r:embed="rId3">
+            <a:alphaModFix/>
+          </a:blip>
+          <a:srcRect/>
+          <a:stretch/>
+        </p:blipFill>
+        <p:spPr>
+          <a:xfrm>
+            <a:off x="0" y="0"/>
+            <a:ext cx="9144002" cy="5143501"/>
+          </a:xfrm>
+          <a:prstGeom prst="rect">
+            <a:avLst/>
+          </a:prstGeom>
+          <a:noFill/>
+          <a:ln>
+            <a:noFill/>
+          </a:ln>
+        </p:spPr>
+      </p:pic>
+      <p:pic>
+        <p:nvPicPr>
+          <p:cNvPr id="22" name="Google Shape;22;p4"/>
+          <p:cNvPicPr preferRelativeResize="0"/>
+          <p:nvPr/>
+        </p:nvPicPr>
+        <p:blipFill rotWithShape="1">
+          <a:blip r:embed="rId4">
+            <a:alphaModFix/>
+          </a:blip>
+          <a:srcRect/>
+          <a:stretch/>
+        </p:blipFill>
+        <p:spPr>
+          <a:xfrm>
+            <a:off x="609600" y="606425"/>
+            <a:ext cx="574675" cy="212725"/>
+          </a:xfrm>
+          <a:prstGeom prst="rect">
+            <a:avLst/>
+          </a:prstGeom>
+          <a:noFill/>
+          <a:ln>
+            <a:noFill/>
+          </a:ln>
+        </p:spPr>
+      </p:pic>
+      <p:sp>
+        <p:nvSpPr>
+          <p:cNvPr id="23" name="Google Shape;23;p4"/>
+          <p:cNvSpPr txBox="1">
+            <a:spLocks noGrp="1"/>
+          </p:cNvSpPr>
+          <p:nvPr>
+            <p:ph type="body" idx="1"/>
+          </p:nvPr>
+        </p:nvSpPr>
+        <p:spPr>
+          <a:xfrm>
+            <a:off x="3124200" y="2114550"/>
+            <a:ext cx="4572000" cy="1752600"/>
+          </a:xfrm>
+          <a:prstGeom prst="rect">
+            <a:avLst/>
+          </a:prstGeom>
+          <a:noFill/>
+          <a:ln>
+            <a:noFill/>
+          </a:ln>
+        </p:spPr>
+        <p:txBody>
+          <a:bodyPr spcFirstLastPara="1" wrap="square" lIns="0" tIns="0" rIns="0" bIns="0" anchor="t" anchorCtr="0">
+            <a:normAutofit/>
+          </a:bodyPr>
+          <a:lstStyle>
+            <a:lvl1pPr marL="457200" lvl="0" indent="-228600" algn="l">
+              <a:lnSpc>
+                <a:spcPct val="110000"/>
+              </a:lnSpc>
+              <a:spcBef>
+                <a:spcPts val="0"/>
+              </a:spcBef>
+              <a:spcAft>
+                <a:spcPts val="0"/>
+              </a:spcAft>
+              <a:buSzPts val="1400"/>
+              <a:buNone/>
+              <a:defRPr sz="3000" cap="none">
+                <a:solidFill>
+                  <a:schemeClr val="lt1"/>
+                </a:solidFill>
+                <a:latin typeface="Roboto Condensed"/>
+                <a:ea typeface="Roboto Condensed"/>
+                <a:cs typeface="Roboto Condensed"/>
+                <a:sym typeface="Roboto Condensed"/>
+              </a:defRPr>
+            </a:lvl1pPr>
+            <a:lvl2pPr marL="914400" lvl="1" indent="-228600" algn="l">
+              <a:lnSpc>
+                <a:spcPct val="83333"/>
+              </a:lnSpc>
+              <a:spcBef>
+                <a:spcPts val="360"/>
+              </a:spcBef>
+              <a:spcAft>
+                <a:spcPts val="0"/>
+              </a:spcAft>
+              <a:buSzPts val="1400"/>
+              <a:buNone/>
+              <a:defRPr/>
+            </a:lvl2pPr>
+            <a:lvl3pPr marL="1371600" lvl="2" indent="-342900" algn="l">
+              <a:lnSpc>
+                <a:spcPct val="83333"/>
+              </a:lnSpc>
+              <a:spcBef>
+                <a:spcPts val="360"/>
+              </a:spcBef>
+              <a:spcAft>
+                <a:spcPts val="0"/>
+              </a:spcAft>
+              <a:buClr>
+                <a:schemeClr val="dk1"/>
+              </a:buClr>
+              <a:buSzPts val="1800"/>
+              <a:buChar char="•"/>
+              <a:defRPr/>
+            </a:lvl3pPr>
+            <a:lvl4pPr marL="1828800" lvl="3" indent="-342900" algn="l">
+              <a:lnSpc>
+                <a:spcPct val="83333"/>
+              </a:lnSpc>
+              <a:spcBef>
+                <a:spcPts val="360"/>
+              </a:spcBef>
+              <a:spcAft>
+                <a:spcPts val="0"/>
+              </a:spcAft>
+              <a:buClr>
+                <a:schemeClr val="dk1"/>
+              </a:buClr>
+              <a:buSzPts val="1800"/>
+              <a:buChar char="–"/>
+              <a:defRPr/>
+            </a:lvl4pPr>
+            <a:lvl5pPr marL="2286000" lvl="4" indent="-342900" algn="l">
+              <a:lnSpc>
+                <a:spcPct val="83333"/>
+              </a:lnSpc>
+              <a:spcBef>
+                <a:spcPts val="360"/>
+              </a:spcBef>
+              <a:spcAft>
+                <a:spcPts val="0"/>
+              </a:spcAft>
+              <a:buClr>
+                <a:schemeClr val="dk1"/>
+              </a:buClr>
+              <a:buSzPts val="1800"/>
+              <a:buChar char="»"/>
+              <a:defRPr/>
+            </a:lvl5pPr>
+            <a:lvl6pPr marL="2743200" lvl="5" indent="-342900" algn="l">
+              <a:spcBef>
+                <a:spcPts val="360"/>
+              </a:spcBef>
+              <a:spcAft>
+                <a:spcPts val="0"/>
+              </a:spcAft>
+              <a:buClr>
+                <a:schemeClr val="dk1"/>
+              </a:buClr>
+              <a:buSzPts val="1800"/>
+              <a:buChar char="•"/>
+              <a:defRPr/>
+            </a:lvl6pPr>
+            <a:lvl7pPr marL="3200400" lvl="6" indent="-342900" algn="l">
+              <a:spcBef>
+                <a:spcPts val="360"/>
+              </a:spcBef>
+              <a:spcAft>
+                <a:spcPts val="0"/>
+              </a:spcAft>
+              <a:buClr>
+                <a:schemeClr val="dk1"/>
+              </a:buClr>
+              <a:buSzPts val="1800"/>
+              <a:buChar char="•"/>
+              <a:defRPr/>
+            </a:lvl7pPr>
+            <a:lvl8pPr marL="3657600" lvl="7" indent="-342900" algn="l">
+              <a:spcBef>
+                <a:spcPts val="360"/>
+              </a:spcBef>
+              <a:spcAft>
+                <a:spcPts val="0"/>
+              </a:spcAft>
+              <a:buClr>
+                <a:schemeClr val="dk1"/>
+              </a:buClr>
+              <a:buSzPts val="1800"/>
+              <a:buChar char="•"/>
+              <a:defRPr/>
+            </a:lvl8pPr>
+            <a:lvl9pPr marL="4114800" lvl="8" indent="-342900" algn="l">
+              <a:spcBef>
+                <a:spcPts val="360"/>
+              </a:spcBef>
+              <a:spcAft>
+                <a:spcPts val="0"/>
+              </a:spcAft>
+              <a:buClr>
+                <a:schemeClr val="dk1"/>
+              </a:buClr>
+              <a:buSzPts val="1800"/>
+              <a:buChar char="•"/>
+              <a:defRPr/>
+            </a:lvl9pPr>
+          </a:lstStyle>
+          <a:p>
+            <a:endParaRPr/>
+          </a:p>
+        </p:txBody>
+      </p:sp>
+    </p:spTree>
+    <p:extLst>
+      <p:ext uri="{BB962C8B-B14F-4D97-AF65-F5344CB8AC3E}">
+        <p14:creationId xmlns:p14="http://schemas.microsoft.com/office/powerpoint/2010/main" val="976906543"/>
       </p:ext>
     </p:extLst>
   </p:cSld>
@@ -3220,6 +5295,7 @@
   <p:clrMap bg1="lt1" tx1="dk1" bg2="lt2" tx2="dk2" accent1="accent1" accent2="accent2" accent3="accent3" accent4="accent4" accent5="accent5" accent6="accent6" hlink="hlink" folHlink="folHlink"/>
   <p:sldLayoutIdLst>
     <p:sldLayoutId id="2147483789" r:id="rId1"/>
+    <p:sldLayoutId id="2147483790" r:id="rId2"/>
   </p:sldLayoutIdLst>
   <p:txStyles>
     <p:titleStyle>
@@ -3677,35 +5753,7 @@
                 <a:latin typeface="Roboto Condensed" panose="02000000000000000000" pitchFamily="2" charset="0"/>
                 <a:ea typeface="Roboto Condensed" panose="02000000000000000000" pitchFamily="2" charset="0"/>
               </a:rPr>
-              <a:t>I am </a:t>
-            </a:r>
-            <a:r>
-              <a:rPr lang="de-DE" altLang="de-DE" dirty="0" err="1">
-                <a:latin typeface="Roboto Condensed" panose="02000000000000000000" pitchFamily="2" charset="0"/>
-                <a:ea typeface="Roboto Condensed" panose="02000000000000000000" pitchFamily="2" charset="0"/>
-              </a:rPr>
-              <a:t>the</a:t>
-            </a:r>
-            <a:r>
-              <a:rPr lang="de-DE" altLang="de-DE" dirty="0">
-                <a:latin typeface="Roboto Condensed" panose="02000000000000000000" pitchFamily="2" charset="0"/>
-                <a:ea typeface="Roboto Condensed" panose="02000000000000000000" pitchFamily="2" charset="0"/>
-              </a:rPr>
-              <a:t> </a:t>
-            </a:r>
-            <a:r>
-              <a:rPr lang="de-DE" altLang="de-DE" dirty="0" err="1">
-                <a:latin typeface="Roboto Condensed" panose="02000000000000000000" pitchFamily="2" charset="0"/>
-                <a:ea typeface="Roboto Condensed" panose="02000000000000000000" pitchFamily="2" charset="0"/>
-              </a:rPr>
-              <a:t>lecture</a:t>
-            </a:r>
-            <a:r>
-              <a:rPr lang="de-DE" altLang="de-DE" dirty="0">
-                <a:latin typeface="Roboto Condensed" panose="02000000000000000000" pitchFamily="2" charset="0"/>
-                <a:ea typeface="Roboto Condensed" panose="02000000000000000000" pitchFamily="2" charset="0"/>
-              </a:rPr>
-              <a:t> title</a:t>
+              <a:t>Second Workshop</a:t>
             </a:r>
           </a:p>
         </p:txBody>
@@ -3850,7 +5898,7 @@
                 <a:latin typeface="Roboto Condensed" panose="02000000000000000000" pitchFamily="2" charset="0"/>
                 <a:ea typeface="Roboto Condensed" panose="02000000000000000000" pitchFamily="2" charset="0"/>
               </a:rPr>
-              <a:t>Place | Date</a:t>
+              <a:t>Berlin | 06.07.2021</a:t>
             </a:r>
             <a:br>
               <a:rPr lang="de-DE" altLang="de-DE" sz="1200" dirty="0">
@@ -3869,45 +5917,8 @@
                 <a:latin typeface="Roboto Condensed" panose="02000000000000000000" pitchFamily="2" charset="0"/>
                 <a:ea typeface="Roboto Condensed" panose="02000000000000000000" pitchFamily="2" charset="0"/>
               </a:rPr>
-              <a:t>Name </a:t>
-            </a:r>
-            <a:r>
-              <a:rPr lang="de-DE" altLang="de-DE" sz="1200" dirty="0" err="1">
-                <a:solidFill>
-                  <a:srgbClr val="304269"/>
-                </a:solidFill>
-                <a:latin typeface="Roboto Condensed" panose="02000000000000000000" pitchFamily="2" charset="0"/>
-                <a:ea typeface="Roboto Condensed" panose="02000000000000000000" pitchFamily="2" charset="0"/>
-              </a:rPr>
-              <a:t>Surname</a:t>
-            </a:r>
-            <a:r>
-              <a:rPr lang="de-DE" altLang="de-DE" sz="1200" dirty="0">
-                <a:solidFill>
-                  <a:srgbClr val="304269"/>
-                </a:solidFill>
-                <a:latin typeface="Roboto Condensed" panose="02000000000000000000" pitchFamily="2" charset="0"/>
-                <a:ea typeface="Roboto Condensed" panose="02000000000000000000" pitchFamily="2" charset="0"/>
-              </a:rPr>
-              <a:t> | Name </a:t>
-            </a:r>
-            <a:r>
-              <a:rPr lang="de-DE" altLang="de-DE" sz="1200" dirty="0" err="1">
-                <a:solidFill>
-                  <a:srgbClr val="304269"/>
-                </a:solidFill>
-                <a:latin typeface="Roboto Condensed" panose="02000000000000000000" pitchFamily="2" charset="0"/>
-                <a:ea typeface="Roboto Condensed" panose="02000000000000000000" pitchFamily="2" charset="0"/>
-              </a:rPr>
-              <a:t>Surname</a:t>
-            </a:r>
-            <a:endParaRPr lang="de-DE" altLang="de-DE" sz="1200" dirty="0">
-              <a:solidFill>
-                <a:srgbClr val="304269"/>
-              </a:solidFill>
-              <a:latin typeface="Roboto Condensed" panose="02000000000000000000" pitchFamily="2" charset="0"/>
-              <a:ea typeface="Roboto Condensed" panose="02000000000000000000" pitchFamily="2" charset="0"/>
-            </a:endParaRPr>
+              <a:t>Critical Infrastructure and Design Team</a:t>
+            </a:r>
           </a:p>
         </p:txBody>
       </p:sp>
@@ -3934,14 +5945,44 @@
           <a:p>
             <a:pPr algn="ctr"/>
             <a:r>
-              <a:rPr lang="de-DE" sz="1800" dirty="0">
+              <a:rPr lang="de-DE" sz="1800" dirty="0" err="1">
                 <a:solidFill>
                   <a:srgbClr val="304269"/>
                 </a:solidFill>
                 <a:latin typeface="Roboto Condensed" panose="02000000000000000000" pitchFamily="2" charset="0"/>
                 <a:ea typeface="Roboto Condensed" panose="02000000000000000000" pitchFamily="2" charset="0"/>
               </a:rPr>
-              <a:t>SUBTITLE</a:t>
+              <a:t>Avoiding</a:t>
+            </a:r>
+            <a:r>
+              <a:rPr lang="de-DE" sz="1800" dirty="0">
+                <a:solidFill>
+                  <a:srgbClr val="304269"/>
+                </a:solidFill>
+                <a:latin typeface="Roboto Condensed" panose="02000000000000000000" pitchFamily="2" charset="0"/>
+                <a:ea typeface="Roboto Condensed" panose="02000000000000000000" pitchFamily="2" charset="0"/>
+              </a:rPr>
+              <a:t> </a:t>
+            </a:r>
+            <a:r>
+              <a:rPr lang="de-DE" sz="1800" dirty="0" err="1">
+                <a:solidFill>
+                  <a:srgbClr val="304269"/>
+                </a:solidFill>
+                <a:latin typeface="Roboto Condensed" panose="02000000000000000000" pitchFamily="2" charset="0"/>
+                <a:ea typeface="Roboto Condensed" panose="02000000000000000000" pitchFamily="2" charset="0"/>
+              </a:rPr>
+              <a:t>Hazardous</a:t>
+            </a:r>
+            <a:r>
+              <a:rPr lang="de-DE" sz="1800" dirty="0">
+                <a:solidFill>
+                  <a:srgbClr val="304269"/>
+                </a:solidFill>
+                <a:latin typeface="Roboto Condensed" panose="02000000000000000000" pitchFamily="2" charset="0"/>
+                <a:ea typeface="Roboto Condensed" panose="02000000000000000000" pitchFamily="2" charset="0"/>
+              </a:rPr>
+              <a:t> Environments via V2X</a:t>
             </a:r>
           </a:p>
         </p:txBody>
@@ -4353,346 +6394,7 @@
 </p:sld>
 </file>
 
-<file path=ppt/slides/slide2.xml><?xml version="1.0" encoding="utf-8"?>
-<p:sld xmlns:a="http://schemas.openxmlformats.org/drawingml/2006/main" xmlns:r="http://schemas.openxmlformats.org/officeDocument/2006/relationships" xmlns:p="http://schemas.openxmlformats.org/presentationml/2006/main">
-  <p:cSld>
-    <p:spTree>
-      <p:nvGrpSpPr>
-        <p:cNvPr id="1" name=""/>
-        <p:cNvGrpSpPr/>
-        <p:nvPr/>
-      </p:nvGrpSpPr>
-      <p:grpSpPr>
-        <a:xfrm>
-          <a:off x="0" y="0"/>
-          <a:ext cx="0" cy="0"/>
-          <a:chOff x="0" y="0"/>
-          <a:chExt cx="0" cy="0"/>
-        </a:xfrm>
-      </p:grpSpPr>
-      <p:sp>
-        <p:nvSpPr>
-          <p:cNvPr id="3" name="Textplatzhalter 2"/>
-          <p:cNvSpPr>
-            <a:spLocks noGrp="1"/>
-          </p:cNvSpPr>
-          <p:nvPr>
-            <p:ph type="body" sz="quarter" idx="15"/>
-          </p:nvPr>
-        </p:nvSpPr>
-        <p:spPr/>
-        <p:txBody>
-          <a:bodyPr rtlCol="0"/>
-          <a:lstStyle/>
-          <a:p>
-            <a:pPr>
-              <a:buFont typeface="Arial" pitchFamily="1" charset="0"/>
-              <a:buNone/>
-              <a:defRPr/>
-            </a:pPr>
-            <a:r>
-              <a:rPr lang="de-DE" dirty="0" err="1"/>
-              <a:t>Wiudaidopüwks</a:t>
-            </a:r>
-            <a:endParaRPr lang="de-DE" dirty="0"/>
-          </a:p>
-          <a:p>
-            <a:pPr lvl="1">
-              <a:buFont typeface="Arial" pitchFamily="1" charset="0"/>
-              <a:buNone/>
-              <a:defRPr/>
-            </a:pPr>
-            <a:r>
-              <a:rPr lang="de-DE" dirty="0" err="1">
-                <a:solidFill>
-                  <a:srgbClr val="304269"/>
-                </a:solidFill>
-              </a:rPr>
-              <a:t>Wdiaushdfsdfsdfdsfdj</a:t>
-            </a:r>
-            <a:endParaRPr lang="de-DE" dirty="0">
-              <a:solidFill>
-                <a:srgbClr val="304269"/>
-              </a:solidFill>
-            </a:endParaRPr>
-          </a:p>
-          <a:p>
-            <a:pPr lvl="2">
-              <a:buFont typeface="Arial"/>
-              <a:buChar char="•"/>
-              <a:defRPr/>
-            </a:pPr>
-            <a:r>
-              <a:rPr lang="de-DE" dirty="0" err="1">
-                <a:solidFill>
-                  <a:srgbClr val="304269"/>
-                </a:solidFill>
-              </a:rPr>
-              <a:t>Woiduasfgh</a:t>
-            </a:r>
-            <a:endParaRPr lang="de-DE" dirty="0">
-              <a:solidFill>
-                <a:srgbClr val="304269"/>
-              </a:solidFill>
-            </a:endParaRPr>
-          </a:p>
-          <a:p>
-            <a:pPr lvl="2">
-              <a:buFont typeface="Arial"/>
-              <a:buChar char="•"/>
-              <a:defRPr/>
-            </a:pPr>
-            <a:r>
-              <a:rPr lang="de-DE" dirty="0" err="1">
-                <a:solidFill>
-                  <a:srgbClr val="304269"/>
-                </a:solidFill>
-              </a:rPr>
-              <a:t>oiwgdjskjfhkjsdjfk</a:t>
-            </a:r>
-            <a:endParaRPr lang="de-DE" dirty="0">
-              <a:solidFill>
-                <a:srgbClr val="304269"/>
-              </a:solidFill>
-            </a:endParaRPr>
-          </a:p>
-        </p:txBody>
-      </p:sp>
-      <p:sp>
-        <p:nvSpPr>
-          <p:cNvPr id="9" name="Text Box 12">
-            <a:extLst>
-              <a:ext uri="{FF2B5EF4-FFF2-40B4-BE49-F238E27FC236}">
-                <a16:creationId xmlns:a16="http://schemas.microsoft.com/office/drawing/2014/main" id="{AD49D8F1-6024-4F4B-9693-7EE297269D98}"/>
-              </a:ext>
-            </a:extLst>
-          </p:cNvPr>
-          <p:cNvSpPr txBox="1">
-            <a:spLocks noChangeArrowheads="1"/>
-          </p:cNvSpPr>
-          <p:nvPr/>
-        </p:nvSpPr>
-        <p:spPr bwMode="auto">
-          <a:xfrm>
-            <a:off x="1907704" y="105223"/>
-            <a:ext cx="7092787" cy="507831"/>
-          </a:xfrm>
-          <a:prstGeom prst="rect">
-            <a:avLst/>
-          </a:prstGeom>
-          <a:noFill/>
-          <a:ln>
-            <a:noFill/>
-          </a:ln>
-          <a:effectLst/>
-          <a:extLst>
-            <a:ext uri="{909E8E84-426E-40DD-AFC4-6F175D3DCCD1}">
-              <a14:hiddenFill xmlns:a14="http://schemas.microsoft.com/office/drawing/2010/main">
-                <a:solidFill>
-                  <a:schemeClr val="accent1"/>
-                </a:solidFill>
-              </a14:hiddenFill>
-            </a:ext>
-            <a:ext uri="{91240B29-F687-4F45-9708-019B960494DF}">
-              <a14:hiddenLine xmlns:a14="http://schemas.microsoft.com/office/drawing/2010/main" w="9525">
-                <a:solidFill>
-                  <a:schemeClr val="tx1"/>
-                </a:solidFill>
-                <a:miter lim="800000"/>
-                <a:headEnd/>
-                <a:tailEnd/>
-              </a14:hiddenLine>
-            </a:ext>
-            <a:ext uri="{AF507438-7753-43E0-B8FC-AC1667EBCBE1}">
-              <a14:hiddenEffects xmlns:a14="http://schemas.microsoft.com/office/drawing/2010/main">
-                <a:effectLst>
-                  <a:outerShdw dist="35921" dir="2700000" algn="ctr" rotWithShape="0">
-                    <a:schemeClr val="bg2"/>
-                  </a:outerShdw>
-                </a:effectLst>
-              </a14:hiddenEffects>
-            </a:ext>
-          </a:extLst>
-        </p:spPr>
-        <p:txBody>
-          <a:bodyPr wrap="square">
-            <a:spAutoFit/>
-          </a:bodyPr>
-          <a:lstStyle>
-            <a:lvl1pPr>
-              <a:spcBef>
-                <a:spcPct val="20000"/>
-              </a:spcBef>
-              <a:buChar char="•"/>
-              <a:defRPr sz="3200">
-                <a:solidFill>
-                  <a:schemeClr val="bg2"/>
-                </a:solidFill>
-                <a:latin typeface="Calibri" pitchFamily="34" charset="0"/>
-              </a:defRPr>
-            </a:lvl1pPr>
-            <a:lvl2pPr marL="742950" indent="-285750">
-              <a:spcBef>
-                <a:spcPct val="20000"/>
-              </a:spcBef>
-              <a:buChar char="–"/>
-              <a:defRPr sz="2800">
-                <a:solidFill>
-                  <a:schemeClr val="bg2"/>
-                </a:solidFill>
-                <a:latin typeface="Calibri" pitchFamily="34" charset="0"/>
-              </a:defRPr>
-            </a:lvl2pPr>
-            <a:lvl3pPr marL="1143000" indent="-228600">
-              <a:spcBef>
-                <a:spcPct val="20000"/>
-              </a:spcBef>
-              <a:buChar char="•"/>
-              <a:defRPr sz="2400">
-                <a:solidFill>
-                  <a:schemeClr val="bg2"/>
-                </a:solidFill>
-                <a:latin typeface="Calibri" pitchFamily="34" charset="0"/>
-              </a:defRPr>
-            </a:lvl3pPr>
-            <a:lvl4pPr marL="1600200" indent="-228600">
-              <a:spcBef>
-                <a:spcPct val="20000"/>
-              </a:spcBef>
-              <a:buChar char="–"/>
-              <a:defRPr sz="2000">
-                <a:solidFill>
-                  <a:schemeClr val="bg2"/>
-                </a:solidFill>
-                <a:latin typeface="Calibri" pitchFamily="34" charset="0"/>
-              </a:defRPr>
-            </a:lvl4pPr>
-            <a:lvl5pPr marL="2057400" indent="-228600">
-              <a:spcBef>
-                <a:spcPct val="20000"/>
-              </a:spcBef>
-              <a:buChar char="»"/>
-              <a:defRPr sz="2000">
-                <a:solidFill>
-                  <a:schemeClr val="bg2"/>
-                </a:solidFill>
-                <a:latin typeface="Calibri" pitchFamily="34" charset="0"/>
-              </a:defRPr>
-            </a:lvl5pPr>
-            <a:lvl6pPr marL="2514600" indent="-228600" eaLnBrk="0" fontAlgn="base" hangingPunct="0">
-              <a:spcBef>
-                <a:spcPct val="20000"/>
-              </a:spcBef>
-              <a:spcAft>
-                <a:spcPct val="0"/>
-              </a:spcAft>
-              <a:buChar char="»"/>
-              <a:defRPr sz="2000">
-                <a:solidFill>
-                  <a:schemeClr val="bg2"/>
-                </a:solidFill>
-                <a:latin typeface="Calibri" pitchFamily="34" charset="0"/>
-              </a:defRPr>
-            </a:lvl6pPr>
-            <a:lvl7pPr marL="2971800" indent="-228600" eaLnBrk="0" fontAlgn="base" hangingPunct="0">
-              <a:spcBef>
-                <a:spcPct val="20000"/>
-              </a:spcBef>
-              <a:spcAft>
-                <a:spcPct val="0"/>
-              </a:spcAft>
-              <a:buChar char="»"/>
-              <a:defRPr sz="2000">
-                <a:solidFill>
-                  <a:schemeClr val="bg2"/>
-                </a:solidFill>
-                <a:latin typeface="Calibri" pitchFamily="34" charset="0"/>
-              </a:defRPr>
-            </a:lvl7pPr>
-            <a:lvl8pPr marL="3429000" indent="-228600" eaLnBrk="0" fontAlgn="base" hangingPunct="0">
-              <a:spcBef>
-                <a:spcPct val="20000"/>
-              </a:spcBef>
-              <a:spcAft>
-                <a:spcPct val="0"/>
-              </a:spcAft>
-              <a:buChar char="»"/>
-              <a:defRPr sz="2000">
-                <a:solidFill>
-                  <a:schemeClr val="bg2"/>
-                </a:solidFill>
-                <a:latin typeface="Calibri" pitchFamily="34" charset="0"/>
-              </a:defRPr>
-            </a:lvl8pPr>
-            <a:lvl9pPr marL="3886200" indent="-228600" eaLnBrk="0" fontAlgn="base" hangingPunct="0">
-              <a:spcBef>
-                <a:spcPct val="20000"/>
-              </a:spcBef>
-              <a:spcAft>
-                <a:spcPct val="0"/>
-              </a:spcAft>
-              <a:buChar char="»"/>
-              <a:defRPr sz="2000">
-                <a:solidFill>
-                  <a:schemeClr val="bg2"/>
-                </a:solidFill>
-                <a:latin typeface="Calibri" pitchFamily="34" charset="0"/>
-              </a:defRPr>
-            </a:lvl9pPr>
-          </a:lstStyle>
-          <a:p>
-            <a:pPr algn="r" eaLnBrk="1" fontAlgn="auto" hangingPunct="1">
-              <a:spcBef>
-                <a:spcPct val="0"/>
-              </a:spcBef>
-              <a:spcAft>
-                <a:spcPts val="0"/>
-              </a:spcAft>
-              <a:buNone/>
-              <a:defRPr/>
-            </a:pPr>
-            <a:r>
-              <a:rPr lang="de-DE" sz="2700" dirty="0">
-                <a:solidFill>
-                  <a:srgbClr val="304269"/>
-                </a:solidFill>
-                <a:latin typeface="Roboto Light" panose="02000000000000000000" pitchFamily="2" charset="0"/>
-                <a:ea typeface="Roboto Light" panose="02000000000000000000" pitchFamily="2" charset="0"/>
-                <a:cs typeface="Shree Devanagari 714" panose="02000600000000000000" pitchFamily="2" charset="0"/>
-              </a:rPr>
-              <a:t>P</a:t>
-            </a:r>
-            <a:r>
-              <a:rPr lang="de-DE" sz="2700" dirty="0">
-                <a:solidFill>
-                  <a:srgbClr val="36CFB5"/>
-                </a:solidFill>
-                <a:latin typeface="Roboto Light" panose="02000000000000000000" pitchFamily="2" charset="0"/>
-                <a:ea typeface="Roboto Light" panose="02000000000000000000" pitchFamily="2" charset="0"/>
-                <a:cs typeface="Shree Devanagari 714" panose="02000600000000000000" pitchFamily="2" charset="0"/>
-              </a:rPr>
-              <a:t>age title</a:t>
-            </a:r>
-            <a:endParaRPr lang="en" sz="1200" dirty="0">
-              <a:solidFill>
-                <a:srgbClr val="45B6A4"/>
-              </a:solidFill>
-              <a:latin typeface="Roboto Light" panose="02000000000000000000" pitchFamily="2" charset="0"/>
-              <a:ea typeface="Roboto Light" panose="02000000000000000000" pitchFamily="2" charset="0"/>
-              <a:cs typeface="Shree Devanagari 714" panose="02000600000000000000" pitchFamily="2" charset="0"/>
-            </a:endParaRPr>
-          </a:p>
-        </p:txBody>
-      </p:sp>
-    </p:spTree>
-  </p:cSld>
-  <p:clrMapOvr>
-    <a:masterClrMapping/>
-  </p:clrMapOvr>
-</p:sld>
-</file>
-
-<file path=ppt/slides/slide3.xml><?xml version="1.0" encoding="utf-8"?>
+<file path=ppt/slides/slide10.xml><?xml version="1.0" encoding="utf-8"?>
 <p:sld xmlns:a="http://schemas.openxmlformats.org/drawingml/2006/main" xmlns:r="http://schemas.openxmlformats.org/officeDocument/2006/relationships" xmlns:p="http://schemas.openxmlformats.org/presentationml/2006/main">
   <p:cSld>
     <p:spTree>
@@ -4736,10 +6438,62 @@
           <a:bodyPr/>
           <a:lstStyle/>
           <a:p>
-            <a:endParaRPr lang="de-DE" altLang="de-DE" dirty="0">
-              <a:latin typeface="Roboto" panose="02000000000000000000" pitchFamily="2" charset="0"/>
-              <a:ea typeface="Roboto" panose="02000000000000000000" pitchFamily="2" charset="0"/>
-            </a:endParaRPr>
+            <a:r>
+              <a:rPr lang="de-DE" altLang="de-DE" dirty="0" err="1">
+                <a:latin typeface="Roboto" panose="02000000000000000000" pitchFamily="2" charset="0"/>
+                <a:ea typeface="Roboto" panose="02000000000000000000" pitchFamily="2" charset="0"/>
+              </a:rPr>
+              <a:t>What</a:t>
+            </a:r>
+            <a:r>
+              <a:rPr lang="de-DE" altLang="de-DE" dirty="0">
+                <a:latin typeface="Roboto" panose="02000000000000000000" pitchFamily="2" charset="0"/>
+                <a:ea typeface="Roboto" panose="02000000000000000000" pitchFamily="2" charset="0"/>
+              </a:rPr>
+              <a:t> </a:t>
+            </a:r>
+            <a:r>
+              <a:rPr lang="de-DE" altLang="de-DE" dirty="0" err="1">
+                <a:latin typeface="Roboto" panose="02000000000000000000" pitchFamily="2" charset="0"/>
+                <a:ea typeface="Roboto" panose="02000000000000000000" pitchFamily="2" charset="0"/>
+              </a:rPr>
+              <a:t>we</a:t>
+            </a:r>
+            <a:r>
+              <a:rPr lang="de-DE" altLang="de-DE" dirty="0">
+                <a:latin typeface="Roboto" panose="02000000000000000000" pitchFamily="2" charset="0"/>
+                <a:ea typeface="Roboto" panose="02000000000000000000" pitchFamily="2" charset="0"/>
+              </a:rPr>
+              <a:t> </a:t>
+            </a:r>
+            <a:r>
+              <a:rPr lang="de-DE" altLang="de-DE" dirty="0" err="1">
+                <a:latin typeface="Roboto" panose="02000000000000000000" pitchFamily="2" charset="0"/>
+                <a:ea typeface="Roboto" panose="02000000000000000000" pitchFamily="2" charset="0"/>
+              </a:rPr>
+              <a:t>have</a:t>
+            </a:r>
+            <a:r>
+              <a:rPr lang="de-DE" altLang="de-DE" dirty="0">
+                <a:latin typeface="Roboto" panose="02000000000000000000" pitchFamily="2" charset="0"/>
+                <a:ea typeface="Roboto" panose="02000000000000000000" pitchFamily="2" charset="0"/>
+              </a:rPr>
+              <a:t> </a:t>
+            </a:r>
+            <a:r>
+              <a:rPr lang="de-DE" altLang="de-DE" dirty="0" err="1">
+                <a:latin typeface="Roboto" panose="02000000000000000000" pitchFamily="2" charset="0"/>
+                <a:ea typeface="Roboto" panose="02000000000000000000" pitchFamily="2" charset="0"/>
+              </a:rPr>
+              <a:t>been</a:t>
+            </a:r>
+            <a:r>
+              <a:rPr lang="de-DE" altLang="de-DE" dirty="0">
+                <a:latin typeface="Roboto" panose="02000000000000000000" pitchFamily="2" charset="0"/>
+                <a:ea typeface="Roboto" panose="02000000000000000000" pitchFamily="2" charset="0"/>
+              </a:rPr>
+              <a:t> </a:t>
+            </a:r>
           </a:p>
         </p:txBody>
       </p:sp>
@@ -4939,13 +6693,13 @@
             <a:r>
               <a:rPr lang="de-DE" sz="2700" dirty="0">
                 <a:solidFill>
-                  <a:srgbClr val="00628C"/>
+                  <a:srgbClr val="304269"/>
                 </a:solidFill>
                 <a:latin typeface="Roboto Light" panose="02000000000000000000" pitchFamily="2" charset="0"/>
                 <a:ea typeface="Roboto Light" panose="02000000000000000000" pitchFamily="2" charset="0"/>
                 <a:cs typeface="Shree Devanagari 714" panose="02000600000000000000" pitchFamily="2" charset="0"/>
               </a:rPr>
-              <a:t>P</a:t>
+              <a:t>M</a:t>
             </a:r>
             <a:r>
               <a:rPr lang="de-DE" sz="2700" dirty="0">
@@ -4956,7 +6710,7 @@
                 <a:ea typeface="Roboto Light" panose="02000000000000000000" pitchFamily="2" charset="0"/>
                 <a:cs typeface="Shree Devanagari 714" panose="02000600000000000000" pitchFamily="2" charset="0"/>
               </a:rPr>
-              <a:t>age title</a:t>
+              <a:t>obility, Telecommunication and CI</a:t>
             </a:r>
             <a:endParaRPr lang="en" sz="1200" dirty="0">
               <a:solidFill>
@@ -4977,7 +6731,7 @@
 </p:sld>
 </file>
 
-<file path=ppt/slides/slide4.xml><?xml version="1.0" encoding="utf-8"?>
+<file path=ppt/slides/slide11.xml><?xml version="1.0" encoding="utf-8"?>
 <p:sld xmlns:a="http://schemas.openxmlformats.org/drawingml/2006/main" xmlns:r="http://schemas.openxmlformats.org/officeDocument/2006/relationships" xmlns:p="http://schemas.openxmlformats.org/presentationml/2006/main">
   <p:cSld>
     <p:spTree>
@@ -5050,7 +6804,7 @@
 </p:sld>
 </file>
 
-<file path=ppt/slides/slide5.xml><?xml version="1.0" encoding="utf-8"?>
+<file path=ppt/slides/slide12.xml><?xml version="1.0" encoding="utf-8"?>
 <p:sld xmlns:a="http://schemas.openxmlformats.org/drawingml/2006/main" xmlns:r="http://schemas.openxmlformats.org/officeDocument/2006/relationships" xmlns:p="http://schemas.openxmlformats.org/presentationml/2006/main">
   <p:cSld>
     <p:spTree>
@@ -5215,7 +6969,7 @@
 </p:sld>
 </file>
 
-<file path=ppt/slides/slide6.xml><?xml version="1.0" encoding="utf-8"?>
+<file path=ppt/slides/slide13.xml><?xml version="1.0" encoding="utf-8"?>
 <p:sld xmlns:a="http://schemas.openxmlformats.org/drawingml/2006/main" xmlns:r="http://schemas.openxmlformats.org/officeDocument/2006/relationships" xmlns:p="http://schemas.openxmlformats.org/presentationml/2006/main">
   <p:cSld>
     <p:spTree>
@@ -5371,6 +7125,2449 @@
               </a:rPr>
               <a:t>www.ide3a.net</a:t>
             </a:r>
+          </a:p>
+        </p:txBody>
+      </p:sp>
+    </p:spTree>
+  </p:cSld>
+  <p:clrMapOvr>
+    <a:masterClrMapping/>
+  </p:clrMapOvr>
+</p:sld>
+</file>
+
+<file path=ppt/slides/slide2.xml><?xml version="1.0" encoding="utf-8"?>
+<p:sld xmlns:a="http://schemas.openxmlformats.org/drawingml/2006/main" xmlns:r="http://schemas.openxmlformats.org/officeDocument/2006/relationships" xmlns:p="http://schemas.openxmlformats.org/presentationml/2006/main">
+  <p:cSld>
+    <p:spTree>
+      <p:nvGrpSpPr>
+        <p:cNvPr id="1" name="Shape 72"/>
+        <p:cNvGrpSpPr/>
+        <p:nvPr/>
+      </p:nvGrpSpPr>
+      <p:grpSpPr>
+        <a:xfrm>
+          <a:off x="0" y="0"/>
+          <a:ext cx="0" cy="0"/>
+          <a:chOff x="0" y="0"/>
+          <a:chExt cx="0" cy="0"/>
+        </a:xfrm>
+      </p:grpSpPr>
+      <p:sp>
+        <p:nvSpPr>
+          <p:cNvPr id="73" name="Google Shape;73;p11"/>
+          <p:cNvSpPr/>
+          <p:nvPr/>
+        </p:nvSpPr>
+        <p:spPr>
+          <a:xfrm>
+            <a:off x="541425" y="525025"/>
+            <a:ext cx="902400" cy="385500"/>
+          </a:xfrm>
+          <a:prstGeom prst="rect">
+            <a:avLst/>
+          </a:prstGeom>
+          <a:solidFill>
+            <a:srgbClr val="304269"/>
+          </a:solidFill>
+          <a:ln>
+            <a:noFill/>
+          </a:ln>
+        </p:spPr>
+        <p:txBody>
+          <a:bodyPr spcFirstLastPara="1" wrap="square" lIns="91425" tIns="91425" rIns="91425" bIns="91425" anchor="ctr" anchorCtr="0">
+            <a:noAutofit/>
+          </a:bodyPr>
+          <a:lstStyle/>
+          <a:p>
+            <a:pPr marL="0" lvl="0" indent="0" algn="l" rtl="0">
+              <a:spcBef>
+                <a:spcPts val="0"/>
+              </a:spcBef>
+              <a:spcAft>
+                <a:spcPts val="0"/>
+              </a:spcAft>
+              <a:buNone/>
+            </a:pPr>
+            <a:endParaRPr/>
+          </a:p>
+        </p:txBody>
+      </p:sp>
+      <p:sp>
+        <p:nvSpPr>
+          <p:cNvPr id="74" name="Google Shape;74;p11"/>
+          <p:cNvSpPr txBox="1">
+            <a:spLocks noGrp="1"/>
+          </p:cNvSpPr>
+          <p:nvPr>
+            <p:ph type="body" idx="1"/>
+          </p:nvPr>
+        </p:nvSpPr>
+        <p:spPr>
+          <a:xfrm>
+            <a:off x="541425" y="525025"/>
+            <a:ext cx="2559300" cy="385500"/>
+          </a:xfrm>
+          <a:prstGeom prst="rect">
+            <a:avLst/>
+          </a:prstGeom>
+        </p:spPr>
+        <p:txBody>
+          <a:bodyPr spcFirstLastPara="1" wrap="square" lIns="0" tIns="0" rIns="0" bIns="0" anchor="t" anchorCtr="0">
+            <a:normAutofit/>
+          </a:bodyPr>
+          <a:lstStyle/>
+          <a:p>
+            <a:pPr marL="0" lvl="0" indent="0" algn="l" rtl="0">
+              <a:spcBef>
+                <a:spcPts val="0"/>
+              </a:spcBef>
+              <a:spcAft>
+                <a:spcPts val="0"/>
+              </a:spcAft>
+              <a:buNone/>
+            </a:pPr>
+            <a:r>
+              <a:rPr lang="en-GB" sz="2200">
+                <a:solidFill>
+                  <a:srgbClr val="36CFB5"/>
+                </a:solidFill>
+              </a:rPr>
+              <a:t>W</a:t>
+            </a:r>
+            <a:r>
+              <a:rPr lang="en-GB" sz="2200"/>
+              <a:t>orkshop agenda</a:t>
+            </a:r>
+            <a:endParaRPr sz="2200"/>
+          </a:p>
+        </p:txBody>
+      </p:sp>
+      <p:sp>
+        <p:nvSpPr>
+          <p:cNvPr id="75" name="Google Shape;75;p11"/>
+          <p:cNvSpPr txBox="1">
+            <a:spLocks noGrp="1"/>
+          </p:cNvSpPr>
+          <p:nvPr>
+            <p:ph type="body" idx="1"/>
+          </p:nvPr>
+        </p:nvSpPr>
+        <p:spPr>
+          <a:xfrm>
+            <a:off x="611800" y="1104475"/>
+            <a:ext cx="8079900" cy="3627900"/>
+          </a:xfrm>
+          <a:prstGeom prst="rect">
+            <a:avLst/>
+          </a:prstGeom>
+        </p:spPr>
+        <p:txBody>
+          <a:bodyPr spcFirstLastPara="1" wrap="square" lIns="0" tIns="0" rIns="0" bIns="0" anchor="t" anchorCtr="0">
+            <a:normAutofit lnSpcReduction="10000"/>
+          </a:bodyPr>
+          <a:lstStyle/>
+          <a:p>
+            <a:pPr marL="457200" lvl="0" indent="-355600" algn="l" rtl="0">
+              <a:lnSpc>
+                <a:spcPct val="100000"/>
+              </a:lnSpc>
+              <a:spcBef>
+                <a:spcPts val="0"/>
+              </a:spcBef>
+              <a:spcAft>
+                <a:spcPts val="0"/>
+              </a:spcAft>
+              <a:buClr>
+                <a:srgbClr val="36CFB5"/>
+              </a:buClr>
+              <a:buSzPts val="2000"/>
+              <a:buAutoNum type="arabicPeriod"/>
+            </a:pPr>
+            <a:r>
+              <a:rPr lang="en-GB" sz="2000" dirty="0">
+                <a:solidFill>
+                  <a:srgbClr val="36CFB5"/>
+                </a:solidFill>
+              </a:rPr>
+              <a:t>Intro</a:t>
+            </a:r>
+            <a:endParaRPr lang="en-US" sz="2000" dirty="0">
+              <a:solidFill>
+                <a:srgbClr val="36CFB5"/>
+              </a:solidFill>
+            </a:endParaRPr>
+          </a:p>
+          <a:p>
+            <a:pPr marL="457200" lvl="0" indent="457200" algn="l" rtl="0">
+              <a:lnSpc>
+                <a:spcPct val="100000"/>
+              </a:lnSpc>
+              <a:spcBef>
+                <a:spcPts val="0"/>
+              </a:spcBef>
+              <a:spcAft>
+                <a:spcPts val="0"/>
+              </a:spcAft>
+              <a:buNone/>
+            </a:pPr>
+            <a:r>
+              <a:rPr lang="en-US" sz="2000" dirty="0"/>
+              <a:t>Mobility, Telecommunication and Critical Infrastructure</a:t>
+            </a:r>
+          </a:p>
+          <a:p>
+            <a:pPr marL="0" lvl="0" indent="0" algn="l" rtl="0">
+              <a:lnSpc>
+                <a:spcPct val="100000"/>
+              </a:lnSpc>
+              <a:spcBef>
+                <a:spcPts val="0"/>
+              </a:spcBef>
+              <a:spcAft>
+                <a:spcPts val="0"/>
+              </a:spcAft>
+              <a:buNone/>
+            </a:pPr>
+            <a:endParaRPr sz="2000" dirty="0"/>
+          </a:p>
+          <a:p>
+            <a:pPr marL="101600" lvl="0" indent="0" algn="l" rtl="0">
+              <a:lnSpc>
+                <a:spcPct val="100000"/>
+              </a:lnSpc>
+              <a:spcBef>
+                <a:spcPts val="0"/>
+              </a:spcBef>
+              <a:spcAft>
+                <a:spcPts val="0"/>
+              </a:spcAft>
+              <a:buClr>
+                <a:srgbClr val="36CFB5"/>
+              </a:buClr>
+              <a:buSzPts val="2000"/>
+            </a:pPr>
+            <a:r>
+              <a:rPr lang="en-GB" sz="2000" dirty="0">
+                <a:solidFill>
+                  <a:srgbClr val="36CFB5"/>
+                </a:solidFill>
+              </a:rPr>
+              <a:t>2.	Tools</a:t>
+            </a:r>
+            <a:endParaRPr sz="2000" dirty="0">
+              <a:solidFill>
+                <a:srgbClr val="36CFB5"/>
+              </a:solidFill>
+            </a:endParaRPr>
+          </a:p>
+          <a:p>
+            <a:pPr marL="457200" lvl="0" indent="457200" algn="l" rtl="0">
+              <a:lnSpc>
+                <a:spcPct val="100000"/>
+              </a:lnSpc>
+              <a:spcBef>
+                <a:spcPts val="0"/>
+              </a:spcBef>
+              <a:spcAft>
+                <a:spcPts val="0"/>
+              </a:spcAft>
+              <a:buNone/>
+            </a:pPr>
+            <a:r>
+              <a:rPr lang="en-US" sz="2000" dirty="0"/>
+              <a:t>SUMO – Eclipse MOSAIC – CID Toolbox</a:t>
+            </a:r>
+            <a:endParaRPr sz="2000" dirty="0"/>
+          </a:p>
+          <a:p>
+            <a:pPr marL="457200" lvl="0" indent="457200" algn="l" rtl="0">
+              <a:lnSpc>
+                <a:spcPct val="100000"/>
+              </a:lnSpc>
+              <a:spcBef>
+                <a:spcPts val="0"/>
+              </a:spcBef>
+              <a:spcAft>
+                <a:spcPts val="0"/>
+              </a:spcAft>
+              <a:buNone/>
+            </a:pPr>
+            <a:r>
+              <a:rPr lang="en-GB" sz="2000" dirty="0"/>
+              <a:t>Case study –</a:t>
+            </a:r>
+            <a:r>
+              <a:rPr lang="en-US" sz="2000" dirty="0"/>
+              <a:t> Barnim – Avoiding Hazardous Environments via V2X</a:t>
+            </a:r>
+          </a:p>
+          <a:p>
+            <a:pPr marL="0" lvl="0" indent="0" algn="l" rtl="0">
+              <a:lnSpc>
+                <a:spcPct val="100000"/>
+              </a:lnSpc>
+              <a:spcBef>
+                <a:spcPts val="0"/>
+              </a:spcBef>
+              <a:spcAft>
+                <a:spcPts val="0"/>
+              </a:spcAft>
+              <a:buNone/>
+            </a:pPr>
+            <a:endParaRPr lang="en-US" sz="2000" dirty="0"/>
+          </a:p>
+          <a:p>
+            <a:pPr marL="101600" lvl="0" indent="0" algn="l" rtl="0">
+              <a:lnSpc>
+                <a:spcPct val="100000"/>
+              </a:lnSpc>
+              <a:spcBef>
+                <a:spcPts val="0"/>
+              </a:spcBef>
+              <a:spcAft>
+                <a:spcPts val="0"/>
+              </a:spcAft>
+              <a:buClr>
+                <a:srgbClr val="36CFB5"/>
+              </a:buClr>
+              <a:buSzPts val="2000"/>
+            </a:pPr>
+            <a:r>
+              <a:rPr lang="en-GB" sz="2000" dirty="0">
+                <a:solidFill>
+                  <a:srgbClr val="36CFB5"/>
+                </a:solidFill>
+              </a:rPr>
+              <a:t>3.	Group work</a:t>
+            </a:r>
+            <a:endParaRPr sz="2000" dirty="0">
+              <a:solidFill>
+                <a:srgbClr val="36CFB5"/>
+              </a:solidFill>
+            </a:endParaRPr>
+          </a:p>
+          <a:p>
+            <a:pPr marL="457200" lvl="0" indent="457200" algn="l" rtl="0">
+              <a:lnSpc>
+                <a:spcPct val="100000"/>
+              </a:lnSpc>
+              <a:spcBef>
+                <a:spcPts val="0"/>
+              </a:spcBef>
+              <a:spcAft>
+                <a:spcPts val="0"/>
+              </a:spcAft>
+              <a:buNone/>
+            </a:pPr>
+            <a:r>
+              <a:rPr lang="en-GB" sz="2000" dirty="0"/>
+              <a:t>Tasks</a:t>
+            </a:r>
+          </a:p>
+          <a:p>
+            <a:pPr marL="457200" lvl="0" indent="457200" algn="l" rtl="0">
+              <a:lnSpc>
+                <a:spcPct val="100000"/>
+              </a:lnSpc>
+              <a:spcBef>
+                <a:spcPts val="0"/>
+              </a:spcBef>
+              <a:spcAft>
+                <a:spcPts val="0"/>
+              </a:spcAft>
+              <a:buNone/>
+            </a:pPr>
+            <a:r>
+              <a:rPr lang="en-GB" sz="2000" dirty="0"/>
+              <a:t>Simulation + Discussion</a:t>
+            </a:r>
+            <a:endParaRPr sz="2000" dirty="0"/>
+          </a:p>
+          <a:p>
+            <a:pPr marL="457200" lvl="0" indent="0" algn="l" rtl="0">
+              <a:lnSpc>
+                <a:spcPct val="100000"/>
+              </a:lnSpc>
+              <a:spcBef>
+                <a:spcPts val="0"/>
+              </a:spcBef>
+              <a:spcAft>
+                <a:spcPts val="0"/>
+              </a:spcAft>
+              <a:buNone/>
+            </a:pPr>
+            <a:endParaRPr sz="2000" dirty="0"/>
+          </a:p>
+          <a:p>
+            <a:pPr marL="101600" lvl="0" indent="0" algn="l" rtl="0">
+              <a:lnSpc>
+                <a:spcPct val="100000"/>
+              </a:lnSpc>
+              <a:spcBef>
+                <a:spcPts val="0"/>
+              </a:spcBef>
+              <a:spcAft>
+                <a:spcPts val="0"/>
+              </a:spcAft>
+              <a:buClr>
+                <a:srgbClr val="36CFB5"/>
+              </a:buClr>
+              <a:buSzPts val="2000"/>
+            </a:pPr>
+            <a:r>
+              <a:rPr lang="en-GB" sz="2000" dirty="0">
+                <a:solidFill>
+                  <a:srgbClr val="36CFB5"/>
+                </a:solidFill>
+              </a:rPr>
+              <a:t>4.	Conclusions</a:t>
+            </a:r>
+            <a:endParaRPr sz="2000" dirty="0">
+              <a:solidFill>
+                <a:srgbClr val="36CFB5"/>
+              </a:solidFill>
+            </a:endParaRPr>
+          </a:p>
+        </p:txBody>
+      </p:sp>
+    </p:spTree>
+  </p:cSld>
+  <p:clrMapOvr>
+    <a:masterClrMapping/>
+  </p:clrMapOvr>
+</p:sld>
+</file>
+
+<file path=ppt/slides/slide3.xml><?xml version="1.0" encoding="utf-8"?>
+<p:sld xmlns:a="http://schemas.openxmlformats.org/drawingml/2006/main" xmlns:r="http://schemas.openxmlformats.org/officeDocument/2006/relationships" xmlns:p="http://schemas.openxmlformats.org/presentationml/2006/main">
+  <p:cSld>
+    <p:spTree>
+      <p:nvGrpSpPr>
+        <p:cNvPr id="1" name="Shape 79"/>
+        <p:cNvGrpSpPr/>
+        <p:nvPr/>
+      </p:nvGrpSpPr>
+      <p:grpSpPr>
+        <a:xfrm>
+          <a:off x="0" y="0"/>
+          <a:ext cx="0" cy="0"/>
+          <a:chOff x="0" y="0"/>
+          <a:chExt cx="0" cy="0"/>
+        </a:xfrm>
+      </p:grpSpPr>
+      <p:sp>
+        <p:nvSpPr>
+          <p:cNvPr id="80" name="Google Shape;80;p12"/>
+          <p:cNvSpPr txBox="1">
+            <a:spLocks noGrp="1"/>
+          </p:cNvSpPr>
+          <p:nvPr>
+            <p:ph type="body" idx="1"/>
+          </p:nvPr>
+        </p:nvSpPr>
+        <p:spPr>
+          <a:xfrm>
+            <a:off x="611800" y="2152525"/>
+            <a:ext cx="8079900" cy="1120500"/>
+          </a:xfrm>
+          <a:prstGeom prst="rect">
+            <a:avLst/>
+          </a:prstGeom>
+        </p:spPr>
+        <p:txBody>
+          <a:bodyPr spcFirstLastPara="1" wrap="square" lIns="0" tIns="0" rIns="0" bIns="0" anchor="t" anchorCtr="0">
+            <a:normAutofit/>
+          </a:bodyPr>
+          <a:lstStyle/>
+          <a:p>
+            <a:pPr marL="457200" lvl="0" indent="-355600" algn="l" rtl="0">
+              <a:lnSpc>
+                <a:spcPct val="100000"/>
+              </a:lnSpc>
+              <a:spcBef>
+                <a:spcPts val="0"/>
+              </a:spcBef>
+              <a:spcAft>
+                <a:spcPts val="0"/>
+              </a:spcAft>
+              <a:buClr>
+                <a:srgbClr val="36CFB5"/>
+              </a:buClr>
+              <a:buSzPts val="2000"/>
+              <a:buAutoNum type="arabicPeriod"/>
+            </a:pPr>
+            <a:r>
+              <a:rPr lang="en-GB" sz="2000" dirty="0">
+                <a:solidFill>
+                  <a:srgbClr val="36CFB5"/>
+                </a:solidFill>
+              </a:rPr>
+              <a:t>Intro</a:t>
+            </a:r>
+            <a:endParaRPr lang="en-US" sz="2000" dirty="0">
+              <a:solidFill>
+                <a:srgbClr val="36CFB5"/>
+              </a:solidFill>
+            </a:endParaRPr>
+          </a:p>
+          <a:p>
+            <a:pPr marL="457200" lvl="0" indent="457200" algn="l" rtl="0">
+              <a:lnSpc>
+                <a:spcPct val="100000"/>
+              </a:lnSpc>
+              <a:spcBef>
+                <a:spcPts val="0"/>
+              </a:spcBef>
+              <a:spcAft>
+                <a:spcPts val="0"/>
+              </a:spcAft>
+              <a:buNone/>
+            </a:pPr>
+            <a:r>
+              <a:rPr lang="en-US" sz="2000" dirty="0"/>
+              <a:t>Mobility, Telecommunication and Critical Infrastructure</a:t>
+            </a:r>
+          </a:p>
+        </p:txBody>
+      </p:sp>
+    </p:spTree>
+  </p:cSld>
+  <p:clrMapOvr>
+    <a:masterClrMapping/>
+  </p:clrMapOvr>
+</p:sld>
+</file>
+
+<file path=ppt/slides/slide4.xml><?xml version="1.0" encoding="utf-8"?>
+<p:sld xmlns:a="http://schemas.openxmlformats.org/drawingml/2006/main" xmlns:r="http://schemas.openxmlformats.org/officeDocument/2006/relationships" xmlns:p="http://schemas.openxmlformats.org/presentationml/2006/main">
+  <p:cSld>
+    <p:spTree>
+      <p:nvGrpSpPr>
+        <p:cNvPr id="1" name=""/>
+        <p:cNvGrpSpPr/>
+        <p:nvPr/>
+      </p:nvGrpSpPr>
+      <p:grpSpPr>
+        <a:xfrm>
+          <a:off x="0" y="0"/>
+          <a:ext cx="0" cy="0"/>
+          <a:chOff x="0" y="0"/>
+          <a:chExt cx="0" cy="0"/>
+        </a:xfrm>
+      </p:grpSpPr>
+      <p:sp>
+        <p:nvSpPr>
+          <p:cNvPr id="10" name="Textplatzhalter 9"/>
+          <p:cNvSpPr>
+            <a:spLocks noGrp="1"/>
+          </p:cNvSpPr>
+          <p:nvPr>
+            <p:ph type="body" sz="quarter" idx="15"/>
+          </p:nvPr>
+        </p:nvSpPr>
+        <p:spPr>
+          <a:xfrm>
+            <a:off x="395536" y="613054"/>
+            <a:ext cx="3643064" cy="3482696"/>
+          </a:xfrm>
+        </p:spPr>
+        <p:txBody>
+          <a:bodyPr>
+            <a:normAutofit/>
+          </a:bodyPr>
+          <a:lstStyle/>
+          <a:p>
+            <a:pPr marL="0" indent="0"/>
+            <a:r>
+              <a:rPr lang="en-US" sz="1600" b="0" i="0" dirty="0">
+                <a:solidFill>
+                  <a:srgbClr val="36CFB5"/>
+                </a:solidFill>
+                <a:effectLst/>
+                <a:latin typeface="Roboto" panose="02000000000000000000" pitchFamily="2" charset="0"/>
+                <a:ea typeface="Roboto" panose="02000000000000000000" pitchFamily="2" charset="0"/>
+              </a:rPr>
+              <a:t>Background:</a:t>
+            </a:r>
+            <a:endParaRPr lang="de-DE" sz="1600" b="0" i="0" dirty="0">
+              <a:solidFill>
+                <a:srgbClr val="304269"/>
+              </a:solidFill>
+              <a:effectLst/>
+              <a:latin typeface="Roboto" panose="02000000000000000000" pitchFamily="2" charset="0"/>
+              <a:ea typeface="Roboto" panose="02000000000000000000" pitchFamily="2" charset="0"/>
+            </a:endParaRPr>
+          </a:p>
+          <a:p>
+            <a:pPr marL="285750" indent="-285750">
+              <a:buFont typeface="Arial" panose="020B0604020202020204" pitchFamily="34" charset="0"/>
+              <a:buChar char="•"/>
+            </a:pPr>
+            <a:r>
+              <a:rPr lang="en-US" sz="1600" b="0" i="0" dirty="0">
+                <a:solidFill>
+                  <a:srgbClr val="304269"/>
+                </a:solidFill>
+                <a:effectLst/>
+                <a:latin typeface="Roboto" panose="02000000000000000000" pitchFamily="2" charset="0"/>
+                <a:ea typeface="Roboto" panose="02000000000000000000" pitchFamily="2" charset="0"/>
+              </a:rPr>
+              <a:t>“Cities are home to over 70 % of the EU population and account for some 85 % of the Union's GDP.”[1]</a:t>
+            </a:r>
+          </a:p>
+          <a:p>
+            <a:pPr marL="285750" indent="-285750">
+              <a:buFont typeface="Arial" panose="020B0604020202020204" pitchFamily="34" charset="0"/>
+              <a:buChar char="•"/>
+            </a:pPr>
+            <a:r>
+              <a:rPr lang="en-US" sz="1600" dirty="0">
+                <a:solidFill>
+                  <a:srgbClr val="304269"/>
+                </a:solidFill>
+                <a:latin typeface="Roboto" panose="02000000000000000000" pitchFamily="2" charset="0"/>
+                <a:ea typeface="Roboto" panose="02000000000000000000" pitchFamily="2" charset="0"/>
+              </a:rPr>
+              <a:t>An increasing demand for urban areas created a not sustainable situation:</a:t>
+            </a:r>
+          </a:p>
+          <a:p>
+            <a:pPr marL="685800" lvl="1" indent="-285750">
+              <a:buFont typeface="Arial" panose="020B0604020202020204" pitchFamily="34" charset="0"/>
+              <a:buChar char="•"/>
+            </a:pPr>
+            <a:r>
+              <a:rPr lang="en-US" sz="1200" b="0" i="0" dirty="0">
+                <a:solidFill>
+                  <a:srgbClr val="304269"/>
+                </a:solidFill>
+                <a:effectLst/>
+                <a:latin typeface="Roboto" panose="02000000000000000000" pitchFamily="2" charset="0"/>
+                <a:ea typeface="Roboto" panose="02000000000000000000" pitchFamily="2" charset="0"/>
+              </a:rPr>
+              <a:t>Severe congestion</a:t>
+            </a:r>
+          </a:p>
+          <a:p>
+            <a:pPr marL="685800" lvl="1" indent="-285750">
+              <a:buFont typeface="Arial" panose="020B0604020202020204" pitchFamily="34" charset="0"/>
+              <a:buChar char="•"/>
+            </a:pPr>
+            <a:r>
+              <a:rPr lang="en-US" sz="1200" dirty="0">
+                <a:solidFill>
+                  <a:srgbClr val="304269"/>
+                </a:solidFill>
+                <a:latin typeface="Roboto" panose="02000000000000000000" pitchFamily="2" charset="0"/>
+                <a:ea typeface="Roboto" panose="02000000000000000000" pitchFamily="2" charset="0"/>
+              </a:rPr>
+              <a:t>Poor air quality</a:t>
+            </a:r>
+          </a:p>
+          <a:p>
+            <a:pPr marL="685800" lvl="1" indent="-285750">
+              <a:buFont typeface="Arial" panose="020B0604020202020204" pitchFamily="34" charset="0"/>
+              <a:buChar char="•"/>
+            </a:pPr>
+            <a:r>
+              <a:rPr lang="en-US" sz="1200" b="0" i="0" dirty="0">
+                <a:solidFill>
+                  <a:srgbClr val="304269"/>
+                </a:solidFill>
+                <a:effectLst/>
+                <a:latin typeface="Roboto" panose="02000000000000000000" pitchFamily="2" charset="0"/>
+                <a:ea typeface="Roboto" panose="02000000000000000000" pitchFamily="2" charset="0"/>
+              </a:rPr>
+              <a:t>High levels of noise and CO2 emissions</a:t>
+            </a:r>
+          </a:p>
+          <a:p>
+            <a:pPr marL="285750" indent="-285750">
+              <a:buFont typeface="Arial" panose="020B0604020202020204" pitchFamily="34" charset="0"/>
+              <a:buChar char="•"/>
+            </a:pPr>
+            <a:r>
+              <a:rPr lang="en-US" sz="1600" b="0" i="0" dirty="0">
+                <a:solidFill>
+                  <a:srgbClr val="304269"/>
+                </a:solidFill>
+                <a:effectLst/>
+                <a:latin typeface="Roboto" panose="02000000000000000000" pitchFamily="2" charset="0"/>
+                <a:ea typeface="Roboto" panose="02000000000000000000" pitchFamily="2" charset="0"/>
+              </a:rPr>
+              <a:t>An initiative </a:t>
+            </a:r>
+            <a:r>
+              <a:rPr lang="en-US" sz="1600" dirty="0">
+                <a:solidFill>
+                  <a:srgbClr val="304269"/>
+                </a:solidFill>
+                <a:latin typeface="Roboto" panose="02000000000000000000" pitchFamily="2" charset="0"/>
+                <a:ea typeface="Roboto" panose="02000000000000000000" pitchFamily="2" charset="0"/>
+              </a:rPr>
+              <a:t>of the </a:t>
+            </a:r>
+            <a:r>
+              <a:rPr lang="en-US" sz="1600" b="0" i="0" dirty="0">
+                <a:solidFill>
+                  <a:srgbClr val="304269"/>
+                </a:solidFill>
+                <a:effectLst/>
+                <a:latin typeface="Roboto" panose="02000000000000000000" pitchFamily="2" charset="0"/>
+                <a:ea typeface="Roboto" panose="02000000000000000000" pitchFamily="2" charset="0"/>
+              </a:rPr>
+              <a:t>European Commission</a:t>
+            </a:r>
+            <a:r>
+              <a:rPr lang="en-US" sz="1600" dirty="0">
+                <a:solidFill>
+                  <a:srgbClr val="304269"/>
+                </a:solidFill>
+                <a:latin typeface="Roboto" panose="02000000000000000000" pitchFamily="2" charset="0"/>
+                <a:ea typeface="Roboto" panose="02000000000000000000" pitchFamily="2" charset="0"/>
+              </a:rPr>
+              <a:t>:</a:t>
+            </a:r>
+          </a:p>
+          <a:p>
+            <a:pPr marL="685800" lvl="1" indent="-285750">
+              <a:buFont typeface="Arial" panose="020B0604020202020204" pitchFamily="34" charset="0"/>
+              <a:buChar char="•"/>
+            </a:pPr>
+            <a:r>
+              <a:rPr lang="en-US" sz="1200" b="0" i="0" dirty="0">
+                <a:solidFill>
+                  <a:srgbClr val="304269"/>
+                </a:solidFill>
+                <a:effectLst/>
+                <a:latin typeface="Roboto" panose="02000000000000000000" pitchFamily="2" charset="0"/>
+                <a:ea typeface="Roboto" panose="02000000000000000000" pitchFamily="2" charset="0"/>
+              </a:rPr>
+              <a:t>Urban Mobility Package: Mobilizing Intelligent Transport Systems for EU cities</a:t>
+            </a:r>
+          </a:p>
+          <a:p>
+            <a:pPr marL="285750" indent="-285750">
+              <a:buFont typeface="Arial" panose="020B0604020202020204" pitchFamily="34" charset="0"/>
+              <a:buChar char="•"/>
+            </a:pPr>
+            <a:endParaRPr lang="en-US" sz="1600" b="0" i="0" dirty="0">
+              <a:solidFill>
+                <a:srgbClr val="36CFB5"/>
+              </a:solidFill>
+              <a:effectLst/>
+              <a:latin typeface="Roboto" panose="02000000000000000000" pitchFamily="2" charset="0"/>
+              <a:ea typeface="Roboto" panose="02000000000000000000" pitchFamily="2" charset="0"/>
+            </a:endParaRPr>
+          </a:p>
+        </p:txBody>
+      </p:sp>
+      <p:sp>
+        <p:nvSpPr>
+          <p:cNvPr id="11" name="Text Box 12">
+            <a:extLst>
+              <a:ext uri="{FF2B5EF4-FFF2-40B4-BE49-F238E27FC236}">
+                <a16:creationId xmlns:a16="http://schemas.microsoft.com/office/drawing/2014/main" id="{AD49D8F1-6024-4F4B-9693-7EE297269D98}"/>
+              </a:ext>
+            </a:extLst>
+          </p:cNvPr>
+          <p:cNvSpPr txBox="1">
+            <a:spLocks noChangeArrowheads="1"/>
+          </p:cNvSpPr>
+          <p:nvPr/>
+        </p:nvSpPr>
+        <p:spPr bwMode="auto">
+          <a:xfrm>
+            <a:off x="1907704" y="105223"/>
+            <a:ext cx="7092787" cy="507831"/>
+          </a:xfrm>
+          <a:prstGeom prst="rect">
+            <a:avLst/>
+          </a:prstGeom>
+          <a:noFill/>
+          <a:ln>
+            <a:noFill/>
+          </a:ln>
+          <a:effectLst/>
+          <a:extLst>
+            <a:ext uri="{909E8E84-426E-40DD-AFC4-6F175D3DCCD1}">
+              <a14:hiddenFill xmlns:a14="http://schemas.microsoft.com/office/drawing/2010/main">
+                <a:solidFill>
+                  <a:schemeClr val="accent1"/>
+                </a:solidFill>
+              </a14:hiddenFill>
+            </a:ext>
+            <a:ext uri="{91240B29-F687-4F45-9708-019B960494DF}">
+              <a14:hiddenLine xmlns:a14="http://schemas.microsoft.com/office/drawing/2010/main" w="9525">
+                <a:solidFill>
+                  <a:schemeClr val="tx1"/>
+                </a:solidFill>
+                <a:miter lim="800000"/>
+                <a:headEnd/>
+                <a:tailEnd/>
+              </a14:hiddenLine>
+            </a:ext>
+            <a:ext uri="{AF507438-7753-43E0-B8FC-AC1667EBCBE1}">
+              <a14:hiddenEffects xmlns:a14="http://schemas.microsoft.com/office/drawing/2010/main">
+                <a:effectLst>
+                  <a:outerShdw dist="35921" dir="2700000" algn="ctr" rotWithShape="0">
+                    <a:schemeClr val="bg2"/>
+                  </a:outerShdw>
+                </a:effectLst>
+              </a14:hiddenEffects>
+            </a:ext>
+          </a:extLst>
+        </p:spPr>
+        <p:txBody>
+          <a:bodyPr wrap="square">
+            <a:spAutoFit/>
+          </a:bodyPr>
+          <a:lstStyle>
+            <a:lvl1pPr>
+              <a:spcBef>
+                <a:spcPct val="20000"/>
+              </a:spcBef>
+              <a:buChar char="•"/>
+              <a:defRPr sz="3200">
+                <a:solidFill>
+                  <a:schemeClr val="bg2"/>
+                </a:solidFill>
+                <a:latin typeface="Calibri" pitchFamily="34" charset="0"/>
+              </a:defRPr>
+            </a:lvl1pPr>
+            <a:lvl2pPr marL="742950" indent="-285750">
+              <a:spcBef>
+                <a:spcPct val="20000"/>
+              </a:spcBef>
+              <a:buChar char="–"/>
+              <a:defRPr sz="2800">
+                <a:solidFill>
+                  <a:schemeClr val="bg2"/>
+                </a:solidFill>
+                <a:latin typeface="Calibri" pitchFamily="34" charset="0"/>
+              </a:defRPr>
+            </a:lvl2pPr>
+            <a:lvl3pPr marL="1143000" indent="-228600">
+              <a:spcBef>
+                <a:spcPct val="20000"/>
+              </a:spcBef>
+              <a:buChar char="•"/>
+              <a:defRPr sz="2400">
+                <a:solidFill>
+                  <a:schemeClr val="bg2"/>
+                </a:solidFill>
+                <a:latin typeface="Calibri" pitchFamily="34" charset="0"/>
+              </a:defRPr>
+            </a:lvl3pPr>
+            <a:lvl4pPr marL="1600200" indent="-228600">
+              <a:spcBef>
+                <a:spcPct val="20000"/>
+              </a:spcBef>
+              <a:buChar char="–"/>
+              <a:defRPr sz="2000">
+                <a:solidFill>
+                  <a:schemeClr val="bg2"/>
+                </a:solidFill>
+                <a:latin typeface="Calibri" pitchFamily="34" charset="0"/>
+              </a:defRPr>
+            </a:lvl4pPr>
+            <a:lvl5pPr marL="2057400" indent="-228600">
+              <a:spcBef>
+                <a:spcPct val="20000"/>
+              </a:spcBef>
+              <a:buChar char="»"/>
+              <a:defRPr sz="2000">
+                <a:solidFill>
+                  <a:schemeClr val="bg2"/>
+                </a:solidFill>
+                <a:latin typeface="Calibri" pitchFamily="34" charset="0"/>
+              </a:defRPr>
+            </a:lvl5pPr>
+            <a:lvl6pPr marL="2514600" indent="-228600" eaLnBrk="0" fontAlgn="base" hangingPunct="0">
+              <a:spcBef>
+                <a:spcPct val="20000"/>
+              </a:spcBef>
+              <a:spcAft>
+                <a:spcPct val="0"/>
+              </a:spcAft>
+              <a:buChar char="»"/>
+              <a:defRPr sz="2000">
+                <a:solidFill>
+                  <a:schemeClr val="bg2"/>
+                </a:solidFill>
+                <a:latin typeface="Calibri" pitchFamily="34" charset="0"/>
+              </a:defRPr>
+            </a:lvl6pPr>
+            <a:lvl7pPr marL="2971800" indent="-228600" eaLnBrk="0" fontAlgn="base" hangingPunct="0">
+              <a:spcBef>
+                <a:spcPct val="20000"/>
+              </a:spcBef>
+              <a:spcAft>
+                <a:spcPct val="0"/>
+              </a:spcAft>
+              <a:buChar char="»"/>
+              <a:defRPr sz="2000">
+                <a:solidFill>
+                  <a:schemeClr val="bg2"/>
+                </a:solidFill>
+                <a:latin typeface="Calibri" pitchFamily="34" charset="0"/>
+              </a:defRPr>
+            </a:lvl7pPr>
+            <a:lvl8pPr marL="3429000" indent="-228600" eaLnBrk="0" fontAlgn="base" hangingPunct="0">
+              <a:spcBef>
+                <a:spcPct val="20000"/>
+              </a:spcBef>
+              <a:spcAft>
+                <a:spcPct val="0"/>
+              </a:spcAft>
+              <a:buChar char="»"/>
+              <a:defRPr sz="2000">
+                <a:solidFill>
+                  <a:schemeClr val="bg2"/>
+                </a:solidFill>
+                <a:latin typeface="Calibri" pitchFamily="34" charset="0"/>
+              </a:defRPr>
+            </a:lvl8pPr>
+            <a:lvl9pPr marL="3886200" indent="-228600" eaLnBrk="0" fontAlgn="base" hangingPunct="0">
+              <a:spcBef>
+                <a:spcPct val="20000"/>
+              </a:spcBef>
+              <a:spcAft>
+                <a:spcPct val="0"/>
+              </a:spcAft>
+              <a:buChar char="»"/>
+              <a:defRPr sz="2000">
+                <a:solidFill>
+                  <a:schemeClr val="bg2"/>
+                </a:solidFill>
+                <a:latin typeface="Calibri" pitchFamily="34" charset="0"/>
+              </a:defRPr>
+            </a:lvl9pPr>
+          </a:lstStyle>
+          <a:p>
+            <a:pPr algn="r" eaLnBrk="1" fontAlgn="auto" hangingPunct="1">
+              <a:spcBef>
+                <a:spcPct val="0"/>
+              </a:spcBef>
+              <a:spcAft>
+                <a:spcPts val="0"/>
+              </a:spcAft>
+              <a:buNone/>
+              <a:defRPr/>
+            </a:pPr>
+            <a:r>
+              <a:rPr lang="de-DE" sz="2700" dirty="0">
+                <a:solidFill>
+                  <a:srgbClr val="304269"/>
+                </a:solidFill>
+                <a:latin typeface="Roboto Light" panose="02000000000000000000" pitchFamily="2" charset="0"/>
+                <a:ea typeface="Roboto Light" panose="02000000000000000000" pitchFamily="2" charset="0"/>
+                <a:cs typeface="Shree Devanagari 714" panose="02000600000000000000" pitchFamily="2" charset="0"/>
+              </a:rPr>
+              <a:t>M</a:t>
+            </a:r>
+            <a:r>
+              <a:rPr lang="de-DE" sz="2700" dirty="0">
+                <a:solidFill>
+                  <a:srgbClr val="36CFB5"/>
+                </a:solidFill>
+                <a:latin typeface="Roboto Light" panose="02000000000000000000" pitchFamily="2" charset="0"/>
+                <a:ea typeface="Roboto Light" panose="02000000000000000000" pitchFamily="2" charset="0"/>
+                <a:cs typeface="Shree Devanagari 714" panose="02000600000000000000" pitchFamily="2" charset="0"/>
+              </a:rPr>
+              <a:t>obility, Telecommunication and CI</a:t>
+            </a:r>
+            <a:endParaRPr lang="en" sz="1200" dirty="0">
+              <a:solidFill>
+                <a:srgbClr val="45B6A4"/>
+              </a:solidFill>
+              <a:latin typeface="Roboto Light" panose="02000000000000000000" pitchFamily="2" charset="0"/>
+              <a:ea typeface="Roboto Light" panose="02000000000000000000" pitchFamily="2" charset="0"/>
+              <a:cs typeface="Shree Devanagari 714" panose="02000600000000000000" pitchFamily="2" charset="0"/>
+            </a:endParaRPr>
+          </a:p>
+        </p:txBody>
+      </p:sp>
+      <p:pic>
+        <p:nvPicPr>
+          <p:cNvPr id="20" name="Picture 19" descr="EV charging stations in Berlin">
+            <a:extLst>
+              <a:ext uri="{FF2B5EF4-FFF2-40B4-BE49-F238E27FC236}">
+                <a16:creationId xmlns:a16="http://schemas.microsoft.com/office/drawing/2014/main" id="{6A67BA65-A078-4F67-A5CC-AC40850912CE}"/>
+              </a:ext>
+            </a:extLst>
+          </p:cNvPr>
+          <p:cNvPicPr>
+            <a:picLocks noChangeAspect="1"/>
+          </p:cNvPicPr>
+          <p:nvPr/>
+        </p:nvPicPr>
+        <p:blipFill>
+          <a:blip r:embed="rId3"/>
+          <a:stretch>
+            <a:fillRect/>
+          </a:stretch>
+        </p:blipFill>
+        <p:spPr>
+          <a:xfrm>
+            <a:off x="4572000" y="843558"/>
+            <a:ext cx="3759374" cy="3017760"/>
+          </a:xfrm>
+          <a:prstGeom prst="rect">
+            <a:avLst/>
+          </a:prstGeom>
+        </p:spPr>
+      </p:pic>
+      <p:sp>
+        <p:nvSpPr>
+          <p:cNvPr id="21" name="TextBox 20">
+            <a:extLst>
+              <a:ext uri="{FF2B5EF4-FFF2-40B4-BE49-F238E27FC236}">
+                <a16:creationId xmlns:a16="http://schemas.microsoft.com/office/drawing/2014/main" id="{7C771F47-7367-4B54-A052-8BA9A7A886A8}"/>
+              </a:ext>
+            </a:extLst>
+          </p:cNvPr>
+          <p:cNvSpPr txBox="1"/>
+          <p:nvPr/>
+        </p:nvSpPr>
+        <p:spPr>
+          <a:xfrm>
+            <a:off x="5249292" y="3738207"/>
+            <a:ext cx="2404789" cy="246221"/>
+          </a:xfrm>
+          <a:prstGeom prst="rect">
+            <a:avLst/>
+          </a:prstGeom>
+          <a:noFill/>
+        </p:spPr>
+        <p:txBody>
+          <a:bodyPr wrap="square" rtlCol="0">
+            <a:spAutoFit/>
+          </a:bodyPr>
+          <a:lstStyle/>
+          <a:p>
+            <a:r>
+              <a:rPr lang="en-US" sz="1000" dirty="0">
+                <a:latin typeface="Roboto" panose="02000000000000000000" pitchFamily="2" charset="0"/>
+                <a:ea typeface="Roboto" panose="02000000000000000000" pitchFamily="2" charset="0"/>
+              </a:rPr>
+              <a:t>EV charging stations in Berlin, 2021 [2]</a:t>
+            </a:r>
+            <a:endParaRPr lang="en-DE" sz="1000" dirty="0">
+              <a:latin typeface="Roboto" panose="02000000000000000000" pitchFamily="2" charset="0"/>
+              <a:ea typeface="Roboto" panose="02000000000000000000" pitchFamily="2" charset="0"/>
+            </a:endParaRPr>
+          </a:p>
+        </p:txBody>
+      </p:sp>
+    </p:spTree>
+    <p:extLst>
+      <p:ext uri="{BB962C8B-B14F-4D97-AF65-F5344CB8AC3E}">
+        <p14:creationId xmlns:p14="http://schemas.microsoft.com/office/powerpoint/2010/main" val="4054045490"/>
+      </p:ext>
+    </p:extLst>
+  </p:cSld>
+  <p:clrMapOvr>
+    <a:masterClrMapping/>
+  </p:clrMapOvr>
+</p:sld>
+</file>
+
+<file path=ppt/slides/slide5.xml><?xml version="1.0" encoding="utf-8"?>
+<p:sld xmlns:a="http://schemas.openxmlformats.org/drawingml/2006/main" xmlns:r="http://schemas.openxmlformats.org/officeDocument/2006/relationships" xmlns:p="http://schemas.openxmlformats.org/presentationml/2006/main">
+  <p:cSld>
+    <p:spTree>
+      <p:nvGrpSpPr>
+        <p:cNvPr id="1" name=""/>
+        <p:cNvGrpSpPr/>
+        <p:nvPr/>
+      </p:nvGrpSpPr>
+      <p:grpSpPr>
+        <a:xfrm>
+          <a:off x="0" y="0"/>
+          <a:ext cx="0" cy="0"/>
+          <a:chOff x="0" y="0"/>
+          <a:chExt cx="0" cy="0"/>
+        </a:xfrm>
+      </p:grpSpPr>
+      <p:sp>
+        <p:nvSpPr>
+          <p:cNvPr id="10" name="Textplatzhalter 9"/>
+          <p:cNvSpPr>
+            <a:spLocks noGrp="1"/>
+          </p:cNvSpPr>
+          <p:nvPr>
+            <p:ph type="body" sz="quarter" idx="15"/>
+          </p:nvPr>
+        </p:nvSpPr>
+        <p:spPr>
+          <a:xfrm>
+            <a:off x="395536" y="613054"/>
+            <a:ext cx="3643064" cy="3482696"/>
+          </a:xfrm>
+        </p:spPr>
+        <p:txBody>
+          <a:bodyPr>
+            <a:normAutofit/>
+          </a:bodyPr>
+          <a:lstStyle/>
+          <a:p>
+            <a:pPr marL="0" indent="0"/>
+            <a:r>
+              <a:rPr lang="en-US" sz="1600" b="0" i="0" dirty="0">
+                <a:solidFill>
+                  <a:srgbClr val="36CFB5"/>
+                </a:solidFill>
+                <a:effectLst/>
+                <a:latin typeface="Roboto" panose="02000000000000000000" pitchFamily="2" charset="0"/>
+                <a:ea typeface="Roboto" panose="02000000000000000000" pitchFamily="2" charset="0"/>
+              </a:rPr>
+              <a:t>Urban Mobility Package:</a:t>
+            </a:r>
+            <a:endParaRPr lang="de-DE" sz="1600" b="0" i="0" dirty="0">
+              <a:solidFill>
+                <a:srgbClr val="304269"/>
+              </a:solidFill>
+              <a:effectLst/>
+              <a:latin typeface="Roboto" panose="02000000000000000000" pitchFamily="2" charset="0"/>
+              <a:ea typeface="Roboto" panose="02000000000000000000" pitchFamily="2" charset="0"/>
+            </a:endParaRPr>
+          </a:p>
+          <a:p>
+            <a:pPr marL="285750" indent="-285750">
+              <a:buFont typeface="Arial" panose="020B0604020202020204" pitchFamily="34" charset="0"/>
+              <a:buChar char="•"/>
+            </a:pPr>
+            <a:r>
+              <a:rPr lang="en-US" sz="1600" dirty="0">
+                <a:solidFill>
+                  <a:srgbClr val="304269"/>
+                </a:solidFill>
+                <a:latin typeface="Roboto" panose="02000000000000000000" pitchFamily="2" charset="0"/>
+                <a:ea typeface="Roboto" panose="02000000000000000000" pitchFamily="2" charset="0"/>
+              </a:rPr>
+              <a:t>Brussels, 2013</a:t>
+            </a:r>
+          </a:p>
+          <a:p>
+            <a:pPr marL="285750" indent="-285750">
+              <a:buFont typeface="Arial" panose="020B0604020202020204" pitchFamily="34" charset="0"/>
+              <a:buChar char="•"/>
+            </a:pPr>
+            <a:r>
+              <a:rPr lang="en-US" sz="1600" dirty="0">
+                <a:solidFill>
+                  <a:srgbClr val="304269"/>
+                </a:solidFill>
+                <a:latin typeface="Roboto" panose="02000000000000000000" pitchFamily="2" charset="0"/>
+                <a:ea typeface="Roboto" panose="02000000000000000000" pitchFamily="2" charset="0"/>
+              </a:rPr>
+              <a:t>An increasing demand for urban areas created a not sustainable situation:</a:t>
+            </a:r>
+          </a:p>
+          <a:p>
+            <a:pPr marL="685800" lvl="1" indent="-285750">
+              <a:buFont typeface="Arial" panose="020B0604020202020204" pitchFamily="34" charset="0"/>
+              <a:buChar char="•"/>
+            </a:pPr>
+            <a:r>
+              <a:rPr lang="en-US" sz="1200" b="0" i="0" dirty="0">
+                <a:solidFill>
+                  <a:srgbClr val="304269"/>
+                </a:solidFill>
+                <a:effectLst/>
+                <a:latin typeface="Roboto" panose="02000000000000000000" pitchFamily="2" charset="0"/>
+                <a:ea typeface="Roboto" panose="02000000000000000000" pitchFamily="2" charset="0"/>
+              </a:rPr>
+              <a:t>Severe congestion</a:t>
+            </a:r>
+          </a:p>
+          <a:p>
+            <a:pPr marL="685800" lvl="1" indent="-285750">
+              <a:buFont typeface="Arial" panose="020B0604020202020204" pitchFamily="34" charset="0"/>
+              <a:buChar char="•"/>
+            </a:pPr>
+            <a:r>
+              <a:rPr lang="en-US" sz="1200" dirty="0">
+                <a:solidFill>
+                  <a:srgbClr val="304269"/>
+                </a:solidFill>
+                <a:latin typeface="Roboto" panose="02000000000000000000" pitchFamily="2" charset="0"/>
+                <a:ea typeface="Roboto" panose="02000000000000000000" pitchFamily="2" charset="0"/>
+              </a:rPr>
+              <a:t>Poor air quality</a:t>
+            </a:r>
+          </a:p>
+          <a:p>
+            <a:pPr marL="685800" lvl="1" indent="-285750">
+              <a:buFont typeface="Arial" panose="020B0604020202020204" pitchFamily="34" charset="0"/>
+              <a:buChar char="•"/>
+            </a:pPr>
+            <a:r>
+              <a:rPr lang="en-US" sz="1200" b="0" i="0" dirty="0">
+                <a:solidFill>
+                  <a:srgbClr val="304269"/>
+                </a:solidFill>
+                <a:effectLst/>
+                <a:latin typeface="Roboto" panose="02000000000000000000" pitchFamily="2" charset="0"/>
+                <a:ea typeface="Roboto" panose="02000000000000000000" pitchFamily="2" charset="0"/>
+              </a:rPr>
+              <a:t>High levels of noise and CO2 emissions</a:t>
+            </a:r>
+          </a:p>
+          <a:p>
+            <a:pPr marL="285750" indent="-285750">
+              <a:buFont typeface="Arial" panose="020B0604020202020204" pitchFamily="34" charset="0"/>
+              <a:buChar char="•"/>
+            </a:pPr>
+            <a:r>
+              <a:rPr lang="en-US" sz="1600" b="0" i="0" dirty="0">
+                <a:solidFill>
+                  <a:srgbClr val="304269"/>
+                </a:solidFill>
+                <a:effectLst/>
+                <a:latin typeface="Roboto" panose="02000000000000000000" pitchFamily="2" charset="0"/>
+                <a:ea typeface="Roboto" panose="02000000000000000000" pitchFamily="2" charset="0"/>
+              </a:rPr>
+              <a:t>An initiative </a:t>
+            </a:r>
+            <a:r>
+              <a:rPr lang="en-US" sz="1600" dirty="0">
+                <a:solidFill>
+                  <a:srgbClr val="304269"/>
+                </a:solidFill>
+                <a:latin typeface="Roboto" panose="02000000000000000000" pitchFamily="2" charset="0"/>
+                <a:ea typeface="Roboto" panose="02000000000000000000" pitchFamily="2" charset="0"/>
+              </a:rPr>
+              <a:t>of the </a:t>
+            </a:r>
+            <a:r>
+              <a:rPr lang="en-US" sz="1600" b="0" i="0" dirty="0">
+                <a:solidFill>
+                  <a:srgbClr val="304269"/>
+                </a:solidFill>
+                <a:effectLst/>
+                <a:latin typeface="Roboto" panose="02000000000000000000" pitchFamily="2" charset="0"/>
+                <a:ea typeface="Roboto" panose="02000000000000000000" pitchFamily="2" charset="0"/>
+              </a:rPr>
+              <a:t>European Commission</a:t>
+            </a:r>
+            <a:r>
+              <a:rPr lang="en-US" sz="1600" dirty="0">
+                <a:solidFill>
+                  <a:srgbClr val="304269"/>
+                </a:solidFill>
+                <a:latin typeface="Roboto" panose="02000000000000000000" pitchFamily="2" charset="0"/>
+                <a:ea typeface="Roboto" panose="02000000000000000000" pitchFamily="2" charset="0"/>
+              </a:rPr>
+              <a:t>:</a:t>
+            </a:r>
+          </a:p>
+          <a:p>
+            <a:pPr marL="685800" lvl="1" indent="-285750">
+              <a:buFont typeface="Arial" panose="020B0604020202020204" pitchFamily="34" charset="0"/>
+              <a:buChar char="•"/>
+            </a:pPr>
+            <a:r>
+              <a:rPr lang="en-US" sz="1200" b="0" i="0" dirty="0">
+                <a:solidFill>
+                  <a:srgbClr val="304269"/>
+                </a:solidFill>
+                <a:effectLst/>
+                <a:latin typeface="Roboto" panose="02000000000000000000" pitchFamily="2" charset="0"/>
+                <a:ea typeface="Roboto" panose="02000000000000000000" pitchFamily="2" charset="0"/>
+              </a:rPr>
+              <a:t>Urban Mobility Package: Mobilizing Intelligent Transport Systems for EU cities</a:t>
+            </a:r>
+          </a:p>
+          <a:p>
+            <a:pPr marL="285750" indent="-285750">
+              <a:buFont typeface="Arial" panose="020B0604020202020204" pitchFamily="34" charset="0"/>
+              <a:buChar char="•"/>
+            </a:pPr>
+            <a:endParaRPr lang="en-US" sz="1600" b="0" i="0" dirty="0">
+              <a:solidFill>
+                <a:srgbClr val="36CFB5"/>
+              </a:solidFill>
+              <a:effectLst/>
+              <a:latin typeface="Roboto" panose="02000000000000000000" pitchFamily="2" charset="0"/>
+              <a:ea typeface="Roboto" panose="02000000000000000000" pitchFamily="2" charset="0"/>
+            </a:endParaRPr>
+          </a:p>
+        </p:txBody>
+      </p:sp>
+      <p:sp>
+        <p:nvSpPr>
+          <p:cNvPr id="11" name="Text Box 12">
+            <a:extLst>
+              <a:ext uri="{FF2B5EF4-FFF2-40B4-BE49-F238E27FC236}">
+                <a16:creationId xmlns:a16="http://schemas.microsoft.com/office/drawing/2014/main" id="{AD49D8F1-6024-4F4B-9693-7EE297269D98}"/>
+              </a:ext>
+            </a:extLst>
+          </p:cNvPr>
+          <p:cNvSpPr txBox="1">
+            <a:spLocks noChangeArrowheads="1"/>
+          </p:cNvSpPr>
+          <p:nvPr/>
+        </p:nvSpPr>
+        <p:spPr bwMode="auto">
+          <a:xfrm>
+            <a:off x="1907704" y="105223"/>
+            <a:ext cx="7092787" cy="507831"/>
+          </a:xfrm>
+          <a:prstGeom prst="rect">
+            <a:avLst/>
+          </a:prstGeom>
+          <a:noFill/>
+          <a:ln>
+            <a:noFill/>
+          </a:ln>
+          <a:effectLst/>
+          <a:extLst>
+            <a:ext uri="{909E8E84-426E-40DD-AFC4-6F175D3DCCD1}">
+              <a14:hiddenFill xmlns:a14="http://schemas.microsoft.com/office/drawing/2010/main">
+                <a:solidFill>
+                  <a:schemeClr val="accent1"/>
+                </a:solidFill>
+              </a14:hiddenFill>
+            </a:ext>
+            <a:ext uri="{91240B29-F687-4F45-9708-019B960494DF}">
+              <a14:hiddenLine xmlns:a14="http://schemas.microsoft.com/office/drawing/2010/main" w="9525">
+                <a:solidFill>
+                  <a:schemeClr val="tx1"/>
+                </a:solidFill>
+                <a:miter lim="800000"/>
+                <a:headEnd/>
+                <a:tailEnd/>
+              </a14:hiddenLine>
+            </a:ext>
+            <a:ext uri="{AF507438-7753-43E0-B8FC-AC1667EBCBE1}">
+              <a14:hiddenEffects xmlns:a14="http://schemas.microsoft.com/office/drawing/2010/main">
+                <a:effectLst>
+                  <a:outerShdw dist="35921" dir="2700000" algn="ctr" rotWithShape="0">
+                    <a:schemeClr val="bg2"/>
+                  </a:outerShdw>
+                </a:effectLst>
+              </a14:hiddenEffects>
+            </a:ext>
+          </a:extLst>
+        </p:spPr>
+        <p:txBody>
+          <a:bodyPr wrap="square">
+            <a:spAutoFit/>
+          </a:bodyPr>
+          <a:lstStyle>
+            <a:lvl1pPr>
+              <a:spcBef>
+                <a:spcPct val="20000"/>
+              </a:spcBef>
+              <a:buChar char="•"/>
+              <a:defRPr sz="3200">
+                <a:solidFill>
+                  <a:schemeClr val="bg2"/>
+                </a:solidFill>
+                <a:latin typeface="Calibri" pitchFamily="34" charset="0"/>
+              </a:defRPr>
+            </a:lvl1pPr>
+            <a:lvl2pPr marL="742950" indent="-285750">
+              <a:spcBef>
+                <a:spcPct val="20000"/>
+              </a:spcBef>
+              <a:buChar char="–"/>
+              <a:defRPr sz="2800">
+                <a:solidFill>
+                  <a:schemeClr val="bg2"/>
+                </a:solidFill>
+                <a:latin typeface="Calibri" pitchFamily="34" charset="0"/>
+              </a:defRPr>
+            </a:lvl2pPr>
+            <a:lvl3pPr marL="1143000" indent="-228600">
+              <a:spcBef>
+                <a:spcPct val="20000"/>
+              </a:spcBef>
+              <a:buChar char="•"/>
+              <a:defRPr sz="2400">
+                <a:solidFill>
+                  <a:schemeClr val="bg2"/>
+                </a:solidFill>
+                <a:latin typeface="Calibri" pitchFamily="34" charset="0"/>
+              </a:defRPr>
+            </a:lvl3pPr>
+            <a:lvl4pPr marL="1600200" indent="-228600">
+              <a:spcBef>
+                <a:spcPct val="20000"/>
+              </a:spcBef>
+              <a:buChar char="–"/>
+              <a:defRPr sz="2000">
+                <a:solidFill>
+                  <a:schemeClr val="bg2"/>
+                </a:solidFill>
+                <a:latin typeface="Calibri" pitchFamily="34" charset="0"/>
+              </a:defRPr>
+            </a:lvl4pPr>
+            <a:lvl5pPr marL="2057400" indent="-228600">
+              <a:spcBef>
+                <a:spcPct val="20000"/>
+              </a:spcBef>
+              <a:buChar char="»"/>
+              <a:defRPr sz="2000">
+                <a:solidFill>
+                  <a:schemeClr val="bg2"/>
+                </a:solidFill>
+                <a:latin typeface="Calibri" pitchFamily="34" charset="0"/>
+              </a:defRPr>
+            </a:lvl5pPr>
+            <a:lvl6pPr marL="2514600" indent="-228600" eaLnBrk="0" fontAlgn="base" hangingPunct="0">
+              <a:spcBef>
+                <a:spcPct val="20000"/>
+              </a:spcBef>
+              <a:spcAft>
+                <a:spcPct val="0"/>
+              </a:spcAft>
+              <a:buChar char="»"/>
+              <a:defRPr sz="2000">
+                <a:solidFill>
+                  <a:schemeClr val="bg2"/>
+                </a:solidFill>
+                <a:latin typeface="Calibri" pitchFamily="34" charset="0"/>
+              </a:defRPr>
+            </a:lvl6pPr>
+            <a:lvl7pPr marL="2971800" indent="-228600" eaLnBrk="0" fontAlgn="base" hangingPunct="0">
+              <a:spcBef>
+                <a:spcPct val="20000"/>
+              </a:spcBef>
+              <a:spcAft>
+                <a:spcPct val="0"/>
+              </a:spcAft>
+              <a:buChar char="»"/>
+              <a:defRPr sz="2000">
+                <a:solidFill>
+                  <a:schemeClr val="bg2"/>
+                </a:solidFill>
+                <a:latin typeface="Calibri" pitchFamily="34" charset="0"/>
+              </a:defRPr>
+            </a:lvl7pPr>
+            <a:lvl8pPr marL="3429000" indent="-228600" eaLnBrk="0" fontAlgn="base" hangingPunct="0">
+              <a:spcBef>
+                <a:spcPct val="20000"/>
+              </a:spcBef>
+              <a:spcAft>
+                <a:spcPct val="0"/>
+              </a:spcAft>
+              <a:buChar char="»"/>
+              <a:defRPr sz="2000">
+                <a:solidFill>
+                  <a:schemeClr val="bg2"/>
+                </a:solidFill>
+                <a:latin typeface="Calibri" pitchFamily="34" charset="0"/>
+              </a:defRPr>
+            </a:lvl8pPr>
+            <a:lvl9pPr marL="3886200" indent="-228600" eaLnBrk="0" fontAlgn="base" hangingPunct="0">
+              <a:spcBef>
+                <a:spcPct val="20000"/>
+              </a:spcBef>
+              <a:spcAft>
+                <a:spcPct val="0"/>
+              </a:spcAft>
+              <a:buChar char="»"/>
+              <a:defRPr sz="2000">
+                <a:solidFill>
+                  <a:schemeClr val="bg2"/>
+                </a:solidFill>
+                <a:latin typeface="Calibri" pitchFamily="34" charset="0"/>
+              </a:defRPr>
+            </a:lvl9pPr>
+          </a:lstStyle>
+          <a:p>
+            <a:pPr algn="r" eaLnBrk="1" fontAlgn="auto" hangingPunct="1">
+              <a:spcBef>
+                <a:spcPct val="0"/>
+              </a:spcBef>
+              <a:spcAft>
+                <a:spcPts val="0"/>
+              </a:spcAft>
+              <a:buNone/>
+              <a:defRPr/>
+            </a:pPr>
+            <a:r>
+              <a:rPr lang="de-DE" sz="2700" dirty="0">
+                <a:solidFill>
+                  <a:srgbClr val="304269"/>
+                </a:solidFill>
+                <a:latin typeface="Roboto Light" panose="02000000000000000000" pitchFamily="2" charset="0"/>
+                <a:ea typeface="Roboto Light" panose="02000000000000000000" pitchFamily="2" charset="0"/>
+                <a:cs typeface="Shree Devanagari 714" panose="02000600000000000000" pitchFamily="2" charset="0"/>
+              </a:rPr>
+              <a:t>M</a:t>
+            </a:r>
+            <a:r>
+              <a:rPr lang="de-DE" sz="2700" dirty="0">
+                <a:solidFill>
+                  <a:srgbClr val="36CFB5"/>
+                </a:solidFill>
+                <a:latin typeface="Roboto Light" panose="02000000000000000000" pitchFamily="2" charset="0"/>
+                <a:ea typeface="Roboto Light" panose="02000000000000000000" pitchFamily="2" charset="0"/>
+                <a:cs typeface="Shree Devanagari 714" panose="02000600000000000000" pitchFamily="2" charset="0"/>
+              </a:rPr>
+              <a:t>obility, Telecommunication and CI</a:t>
+            </a:r>
+            <a:endParaRPr lang="en" sz="1200" dirty="0">
+              <a:solidFill>
+                <a:srgbClr val="45B6A4"/>
+              </a:solidFill>
+              <a:latin typeface="Roboto Light" panose="02000000000000000000" pitchFamily="2" charset="0"/>
+              <a:ea typeface="Roboto Light" panose="02000000000000000000" pitchFamily="2" charset="0"/>
+              <a:cs typeface="Shree Devanagari 714" panose="02000600000000000000" pitchFamily="2" charset="0"/>
+            </a:endParaRPr>
+          </a:p>
+        </p:txBody>
+      </p:sp>
+      <p:pic>
+        <p:nvPicPr>
+          <p:cNvPr id="20" name="Picture 19" descr="EV charging stations in Berlin">
+            <a:extLst>
+              <a:ext uri="{FF2B5EF4-FFF2-40B4-BE49-F238E27FC236}">
+                <a16:creationId xmlns:a16="http://schemas.microsoft.com/office/drawing/2014/main" id="{6A67BA65-A078-4F67-A5CC-AC40850912CE}"/>
+              </a:ext>
+            </a:extLst>
+          </p:cNvPr>
+          <p:cNvPicPr>
+            <a:picLocks noChangeAspect="1"/>
+          </p:cNvPicPr>
+          <p:nvPr/>
+        </p:nvPicPr>
+        <p:blipFill>
+          <a:blip r:embed="rId3"/>
+          <a:stretch>
+            <a:fillRect/>
+          </a:stretch>
+        </p:blipFill>
+        <p:spPr>
+          <a:xfrm>
+            <a:off x="4572000" y="843558"/>
+            <a:ext cx="3759374" cy="3017760"/>
+          </a:xfrm>
+          <a:prstGeom prst="rect">
+            <a:avLst/>
+          </a:prstGeom>
+        </p:spPr>
+      </p:pic>
+      <p:sp>
+        <p:nvSpPr>
+          <p:cNvPr id="21" name="TextBox 20">
+            <a:extLst>
+              <a:ext uri="{FF2B5EF4-FFF2-40B4-BE49-F238E27FC236}">
+                <a16:creationId xmlns:a16="http://schemas.microsoft.com/office/drawing/2014/main" id="{7C771F47-7367-4B54-A052-8BA9A7A886A8}"/>
+              </a:ext>
+            </a:extLst>
+          </p:cNvPr>
+          <p:cNvSpPr txBox="1"/>
+          <p:nvPr/>
+        </p:nvSpPr>
+        <p:spPr>
+          <a:xfrm>
+            <a:off x="5249292" y="3738207"/>
+            <a:ext cx="2404789" cy="246221"/>
+          </a:xfrm>
+          <a:prstGeom prst="rect">
+            <a:avLst/>
+          </a:prstGeom>
+          <a:noFill/>
+        </p:spPr>
+        <p:txBody>
+          <a:bodyPr wrap="square" rtlCol="0">
+            <a:spAutoFit/>
+          </a:bodyPr>
+          <a:lstStyle/>
+          <a:p>
+            <a:r>
+              <a:rPr lang="en-US" sz="1000" dirty="0">
+                <a:latin typeface="Roboto" panose="02000000000000000000" pitchFamily="2" charset="0"/>
+                <a:ea typeface="Roboto" panose="02000000000000000000" pitchFamily="2" charset="0"/>
+              </a:rPr>
+              <a:t>EV charging stations in Berlin, 2021 [2]</a:t>
+            </a:r>
+            <a:endParaRPr lang="en-DE" sz="1000" dirty="0">
+              <a:latin typeface="Roboto" panose="02000000000000000000" pitchFamily="2" charset="0"/>
+              <a:ea typeface="Roboto" panose="02000000000000000000" pitchFamily="2" charset="0"/>
+            </a:endParaRPr>
+          </a:p>
+        </p:txBody>
+      </p:sp>
+    </p:spTree>
+    <p:extLst>
+      <p:ext uri="{BB962C8B-B14F-4D97-AF65-F5344CB8AC3E}">
+        <p14:creationId xmlns:p14="http://schemas.microsoft.com/office/powerpoint/2010/main" val="2456003858"/>
+      </p:ext>
+    </p:extLst>
+  </p:cSld>
+  <p:clrMapOvr>
+    <a:masterClrMapping/>
+  </p:clrMapOvr>
+</p:sld>
+</file>
+
+<file path=ppt/slides/slide6.xml><?xml version="1.0" encoding="utf-8"?>
+<p:sld xmlns:a="http://schemas.openxmlformats.org/drawingml/2006/main" xmlns:r="http://schemas.openxmlformats.org/officeDocument/2006/relationships" xmlns:p="http://schemas.openxmlformats.org/presentationml/2006/main">
+  <p:cSld>
+    <p:spTree>
+      <p:nvGrpSpPr>
+        <p:cNvPr id="1" name="Shape 79"/>
+        <p:cNvGrpSpPr/>
+        <p:nvPr/>
+      </p:nvGrpSpPr>
+      <p:grpSpPr>
+        <a:xfrm>
+          <a:off x="0" y="0"/>
+          <a:ext cx="0" cy="0"/>
+          <a:chOff x="0" y="0"/>
+          <a:chExt cx="0" cy="0"/>
+        </a:xfrm>
+      </p:grpSpPr>
+      <p:sp>
+        <p:nvSpPr>
+          <p:cNvPr id="80" name="Google Shape;80;p12"/>
+          <p:cNvSpPr txBox="1">
+            <a:spLocks noGrp="1"/>
+          </p:cNvSpPr>
+          <p:nvPr>
+            <p:ph type="body" idx="1"/>
+          </p:nvPr>
+        </p:nvSpPr>
+        <p:spPr>
+          <a:xfrm>
+            <a:off x="611800" y="2152525"/>
+            <a:ext cx="8079900" cy="1120500"/>
+          </a:xfrm>
+          <a:prstGeom prst="rect">
+            <a:avLst/>
+          </a:prstGeom>
+        </p:spPr>
+        <p:txBody>
+          <a:bodyPr spcFirstLastPara="1" wrap="square" lIns="0" tIns="0" rIns="0" bIns="0" anchor="t" anchorCtr="0">
+            <a:normAutofit/>
+          </a:bodyPr>
+          <a:lstStyle/>
+          <a:p>
+            <a:pPr marL="101600" lvl="0" indent="0" algn="l" rtl="0">
+              <a:lnSpc>
+                <a:spcPct val="100000"/>
+              </a:lnSpc>
+              <a:spcBef>
+                <a:spcPts val="0"/>
+              </a:spcBef>
+              <a:spcAft>
+                <a:spcPts val="0"/>
+              </a:spcAft>
+              <a:buClr>
+                <a:srgbClr val="36CFB5"/>
+              </a:buClr>
+              <a:buSzPts val="2000"/>
+            </a:pPr>
+            <a:r>
+              <a:rPr lang="en-GB" sz="2000" dirty="0">
+                <a:solidFill>
+                  <a:srgbClr val="36CFB5"/>
+                </a:solidFill>
+              </a:rPr>
+              <a:t>2.	Tools</a:t>
+            </a:r>
+          </a:p>
+          <a:p>
+            <a:pPr marL="457200" lvl="0" indent="457200" algn="l" rtl="0">
+              <a:lnSpc>
+                <a:spcPct val="100000"/>
+              </a:lnSpc>
+              <a:spcBef>
+                <a:spcPts val="0"/>
+              </a:spcBef>
+              <a:spcAft>
+                <a:spcPts val="0"/>
+              </a:spcAft>
+              <a:buNone/>
+            </a:pPr>
+            <a:r>
+              <a:rPr lang="en-US" sz="2000" dirty="0"/>
+              <a:t>SUMO – Eclipse MOSAIC – CID Toolbox</a:t>
+            </a:r>
+          </a:p>
+          <a:p>
+            <a:pPr marL="457200" lvl="0" indent="457200" algn="l" rtl="0">
+              <a:lnSpc>
+                <a:spcPct val="100000"/>
+              </a:lnSpc>
+              <a:spcBef>
+                <a:spcPts val="0"/>
+              </a:spcBef>
+              <a:spcAft>
+                <a:spcPts val="0"/>
+              </a:spcAft>
+              <a:buNone/>
+            </a:pPr>
+            <a:r>
+              <a:rPr lang="en-GB" sz="2000" dirty="0"/>
+              <a:t>Case study –</a:t>
+            </a:r>
+            <a:r>
+              <a:rPr lang="en-US" sz="2000" dirty="0"/>
+              <a:t> Barnim – Avoiding Hazardous Environments via V2X</a:t>
+            </a:r>
+          </a:p>
+        </p:txBody>
+      </p:sp>
+    </p:spTree>
+    <p:extLst>
+      <p:ext uri="{BB962C8B-B14F-4D97-AF65-F5344CB8AC3E}">
+        <p14:creationId xmlns:p14="http://schemas.microsoft.com/office/powerpoint/2010/main" val="2715245862"/>
+      </p:ext>
+    </p:extLst>
+  </p:cSld>
+  <p:clrMapOvr>
+    <a:masterClrMapping/>
+  </p:clrMapOvr>
+</p:sld>
+</file>
+
+<file path=ppt/slides/slide7.xml><?xml version="1.0" encoding="utf-8"?>
+<p:sld xmlns:a="http://schemas.openxmlformats.org/drawingml/2006/main" xmlns:r="http://schemas.openxmlformats.org/officeDocument/2006/relationships" xmlns:p="http://schemas.openxmlformats.org/presentationml/2006/main">
+  <p:cSld>
+    <p:spTree>
+      <p:nvGrpSpPr>
+        <p:cNvPr id="1" name="Shape 79"/>
+        <p:cNvGrpSpPr/>
+        <p:nvPr/>
+      </p:nvGrpSpPr>
+      <p:grpSpPr>
+        <a:xfrm>
+          <a:off x="0" y="0"/>
+          <a:ext cx="0" cy="0"/>
+          <a:chOff x="0" y="0"/>
+          <a:chExt cx="0" cy="0"/>
+        </a:xfrm>
+      </p:grpSpPr>
+      <p:sp>
+        <p:nvSpPr>
+          <p:cNvPr id="80" name="Google Shape;80;p12"/>
+          <p:cNvSpPr txBox="1">
+            <a:spLocks noGrp="1"/>
+          </p:cNvSpPr>
+          <p:nvPr>
+            <p:ph type="body" idx="1"/>
+          </p:nvPr>
+        </p:nvSpPr>
+        <p:spPr>
+          <a:xfrm>
+            <a:off x="611800" y="2152525"/>
+            <a:ext cx="8079900" cy="1120500"/>
+          </a:xfrm>
+          <a:prstGeom prst="rect">
+            <a:avLst/>
+          </a:prstGeom>
+        </p:spPr>
+        <p:txBody>
+          <a:bodyPr spcFirstLastPara="1" wrap="square" lIns="0" tIns="0" rIns="0" bIns="0" anchor="t" anchorCtr="0">
+            <a:normAutofit/>
+          </a:bodyPr>
+          <a:lstStyle/>
+          <a:p>
+            <a:pPr marL="101600" indent="0">
+              <a:lnSpc>
+                <a:spcPct val="100000"/>
+              </a:lnSpc>
+              <a:buClr>
+                <a:srgbClr val="36CFB5"/>
+              </a:buClr>
+              <a:buSzPts val="2000"/>
+            </a:pPr>
+            <a:r>
+              <a:rPr lang="en-GB" sz="2000" dirty="0">
+                <a:solidFill>
+                  <a:srgbClr val="36CFB5"/>
+                </a:solidFill>
+              </a:rPr>
+              <a:t>3.	Group work</a:t>
+            </a:r>
+          </a:p>
+          <a:p>
+            <a:pPr marL="457200" lvl="0" indent="457200" algn="l" rtl="0">
+              <a:lnSpc>
+                <a:spcPct val="100000"/>
+              </a:lnSpc>
+              <a:spcBef>
+                <a:spcPts val="0"/>
+              </a:spcBef>
+              <a:spcAft>
+                <a:spcPts val="0"/>
+              </a:spcAft>
+              <a:buNone/>
+            </a:pPr>
+            <a:r>
+              <a:rPr lang="en-GB" sz="2000" dirty="0"/>
+              <a:t>Tasks</a:t>
+            </a:r>
+          </a:p>
+          <a:p>
+            <a:pPr marL="457200" lvl="0" indent="457200" algn="l" rtl="0">
+              <a:lnSpc>
+                <a:spcPct val="100000"/>
+              </a:lnSpc>
+              <a:spcBef>
+                <a:spcPts val="0"/>
+              </a:spcBef>
+              <a:spcAft>
+                <a:spcPts val="0"/>
+              </a:spcAft>
+              <a:buNone/>
+            </a:pPr>
+            <a:r>
+              <a:rPr lang="en-GB" sz="2000" dirty="0"/>
+              <a:t>Simulation + Discussion</a:t>
+            </a:r>
+          </a:p>
+        </p:txBody>
+      </p:sp>
+    </p:spTree>
+    <p:extLst>
+      <p:ext uri="{BB962C8B-B14F-4D97-AF65-F5344CB8AC3E}">
+        <p14:creationId xmlns:p14="http://schemas.microsoft.com/office/powerpoint/2010/main" val="3753755469"/>
+      </p:ext>
+    </p:extLst>
+  </p:cSld>
+  <p:clrMapOvr>
+    <a:masterClrMapping/>
+  </p:clrMapOvr>
+</p:sld>
+</file>
+
+<file path=ppt/slides/slide8.xml><?xml version="1.0" encoding="utf-8"?>
+<p:sld xmlns:a="http://schemas.openxmlformats.org/drawingml/2006/main" xmlns:r="http://schemas.openxmlformats.org/officeDocument/2006/relationships" xmlns:p="http://schemas.openxmlformats.org/presentationml/2006/main">
+  <p:cSld>
+    <p:spTree>
+      <p:nvGrpSpPr>
+        <p:cNvPr id="1" name=""/>
+        <p:cNvGrpSpPr/>
+        <p:nvPr/>
+      </p:nvGrpSpPr>
+      <p:grpSpPr>
+        <a:xfrm>
+          <a:off x="0" y="0"/>
+          <a:ext cx="0" cy="0"/>
+          <a:chOff x="0" y="0"/>
+          <a:chExt cx="0" cy="0"/>
+        </a:xfrm>
+      </p:grpSpPr>
+      <p:sp>
+        <p:nvSpPr>
+          <p:cNvPr id="14338" name="Bildplatzhalter 10"/>
+          <p:cNvSpPr>
+            <a:spLocks noGrp="1"/>
+          </p:cNvSpPr>
+          <p:nvPr>
+            <p:ph type="pic" sz="quarter" idx="16"/>
+          </p:nvPr>
+        </p:nvSpPr>
+        <p:spPr bwMode="auto"/>
+      </p:sp>
+      <p:sp>
+        <p:nvSpPr>
+          <p:cNvPr id="10" name="Textplatzhalter 9"/>
+          <p:cNvSpPr>
+            <a:spLocks noGrp="1"/>
+          </p:cNvSpPr>
+          <p:nvPr>
+            <p:ph type="body" sz="quarter" idx="15"/>
+          </p:nvPr>
+        </p:nvSpPr>
+        <p:spPr>
+          <a:xfrm>
+            <a:off x="539552" y="590550"/>
+            <a:ext cx="3499048" cy="3505200"/>
+          </a:xfrm>
+        </p:spPr>
+        <p:txBody>
+          <a:bodyPr/>
+          <a:lstStyle/>
+          <a:p>
+            <a:endParaRPr lang="de-DE" altLang="de-DE" dirty="0">
+              <a:latin typeface="Roboto" panose="02000000000000000000" pitchFamily="2" charset="0"/>
+              <a:ea typeface="Roboto" panose="02000000000000000000" pitchFamily="2" charset="0"/>
+            </a:endParaRPr>
+          </a:p>
+        </p:txBody>
+      </p:sp>
+      <p:sp>
+        <p:nvSpPr>
+          <p:cNvPr id="11" name="Text Box 12">
+            <a:extLst>
+              <a:ext uri="{FF2B5EF4-FFF2-40B4-BE49-F238E27FC236}">
+                <a16:creationId xmlns:a16="http://schemas.microsoft.com/office/drawing/2014/main" id="{AD49D8F1-6024-4F4B-9693-7EE297269D98}"/>
+              </a:ext>
+            </a:extLst>
+          </p:cNvPr>
+          <p:cNvSpPr txBox="1">
+            <a:spLocks noChangeArrowheads="1"/>
+          </p:cNvSpPr>
+          <p:nvPr/>
+        </p:nvSpPr>
+        <p:spPr bwMode="auto">
+          <a:xfrm>
+            <a:off x="1907704" y="105223"/>
+            <a:ext cx="7092787" cy="507831"/>
+          </a:xfrm>
+          <a:prstGeom prst="rect">
+            <a:avLst/>
+          </a:prstGeom>
+          <a:noFill/>
+          <a:ln>
+            <a:noFill/>
+          </a:ln>
+          <a:effectLst/>
+          <a:extLst>
+            <a:ext uri="{909E8E84-426E-40DD-AFC4-6F175D3DCCD1}">
+              <a14:hiddenFill xmlns:a14="http://schemas.microsoft.com/office/drawing/2010/main">
+                <a:solidFill>
+                  <a:schemeClr val="accent1"/>
+                </a:solidFill>
+              </a14:hiddenFill>
+            </a:ext>
+            <a:ext uri="{91240B29-F687-4F45-9708-019B960494DF}">
+              <a14:hiddenLine xmlns:a14="http://schemas.microsoft.com/office/drawing/2010/main" w="9525">
+                <a:solidFill>
+                  <a:schemeClr val="tx1"/>
+                </a:solidFill>
+                <a:miter lim="800000"/>
+                <a:headEnd/>
+                <a:tailEnd/>
+              </a14:hiddenLine>
+            </a:ext>
+            <a:ext uri="{AF507438-7753-43E0-B8FC-AC1667EBCBE1}">
+              <a14:hiddenEffects xmlns:a14="http://schemas.microsoft.com/office/drawing/2010/main">
+                <a:effectLst>
+                  <a:outerShdw dist="35921" dir="2700000" algn="ctr" rotWithShape="0">
+                    <a:schemeClr val="bg2"/>
+                  </a:outerShdw>
+                </a:effectLst>
+              </a14:hiddenEffects>
+            </a:ext>
+          </a:extLst>
+        </p:spPr>
+        <p:txBody>
+          <a:bodyPr wrap="square">
+            <a:spAutoFit/>
+          </a:bodyPr>
+          <a:lstStyle>
+            <a:lvl1pPr>
+              <a:spcBef>
+                <a:spcPct val="20000"/>
+              </a:spcBef>
+              <a:buChar char="•"/>
+              <a:defRPr sz="3200">
+                <a:solidFill>
+                  <a:schemeClr val="bg2"/>
+                </a:solidFill>
+                <a:latin typeface="Calibri" pitchFamily="34" charset="0"/>
+              </a:defRPr>
+            </a:lvl1pPr>
+            <a:lvl2pPr marL="742950" indent="-285750">
+              <a:spcBef>
+                <a:spcPct val="20000"/>
+              </a:spcBef>
+              <a:buChar char="–"/>
+              <a:defRPr sz="2800">
+                <a:solidFill>
+                  <a:schemeClr val="bg2"/>
+                </a:solidFill>
+                <a:latin typeface="Calibri" pitchFamily="34" charset="0"/>
+              </a:defRPr>
+            </a:lvl2pPr>
+            <a:lvl3pPr marL="1143000" indent="-228600">
+              <a:spcBef>
+                <a:spcPct val="20000"/>
+              </a:spcBef>
+              <a:buChar char="•"/>
+              <a:defRPr sz="2400">
+                <a:solidFill>
+                  <a:schemeClr val="bg2"/>
+                </a:solidFill>
+                <a:latin typeface="Calibri" pitchFamily="34" charset="0"/>
+              </a:defRPr>
+            </a:lvl3pPr>
+            <a:lvl4pPr marL="1600200" indent="-228600">
+              <a:spcBef>
+                <a:spcPct val="20000"/>
+              </a:spcBef>
+              <a:buChar char="–"/>
+              <a:defRPr sz="2000">
+                <a:solidFill>
+                  <a:schemeClr val="bg2"/>
+                </a:solidFill>
+                <a:latin typeface="Calibri" pitchFamily="34" charset="0"/>
+              </a:defRPr>
+            </a:lvl4pPr>
+            <a:lvl5pPr marL="2057400" indent="-228600">
+              <a:spcBef>
+                <a:spcPct val="20000"/>
+              </a:spcBef>
+              <a:buChar char="»"/>
+              <a:defRPr sz="2000">
+                <a:solidFill>
+                  <a:schemeClr val="bg2"/>
+                </a:solidFill>
+                <a:latin typeface="Calibri" pitchFamily="34" charset="0"/>
+              </a:defRPr>
+            </a:lvl5pPr>
+            <a:lvl6pPr marL="2514600" indent="-228600" eaLnBrk="0" fontAlgn="base" hangingPunct="0">
+              <a:spcBef>
+                <a:spcPct val="20000"/>
+              </a:spcBef>
+              <a:spcAft>
+                <a:spcPct val="0"/>
+              </a:spcAft>
+              <a:buChar char="»"/>
+              <a:defRPr sz="2000">
+                <a:solidFill>
+                  <a:schemeClr val="bg2"/>
+                </a:solidFill>
+                <a:latin typeface="Calibri" pitchFamily="34" charset="0"/>
+              </a:defRPr>
+            </a:lvl6pPr>
+            <a:lvl7pPr marL="2971800" indent="-228600" eaLnBrk="0" fontAlgn="base" hangingPunct="0">
+              <a:spcBef>
+                <a:spcPct val="20000"/>
+              </a:spcBef>
+              <a:spcAft>
+                <a:spcPct val="0"/>
+              </a:spcAft>
+              <a:buChar char="»"/>
+              <a:defRPr sz="2000">
+                <a:solidFill>
+                  <a:schemeClr val="bg2"/>
+                </a:solidFill>
+                <a:latin typeface="Calibri" pitchFamily="34" charset="0"/>
+              </a:defRPr>
+            </a:lvl7pPr>
+            <a:lvl8pPr marL="3429000" indent="-228600" eaLnBrk="0" fontAlgn="base" hangingPunct="0">
+              <a:spcBef>
+                <a:spcPct val="20000"/>
+              </a:spcBef>
+              <a:spcAft>
+                <a:spcPct val="0"/>
+              </a:spcAft>
+              <a:buChar char="»"/>
+              <a:defRPr sz="2000">
+                <a:solidFill>
+                  <a:schemeClr val="bg2"/>
+                </a:solidFill>
+                <a:latin typeface="Calibri" pitchFamily="34" charset="0"/>
+              </a:defRPr>
+            </a:lvl8pPr>
+            <a:lvl9pPr marL="3886200" indent="-228600" eaLnBrk="0" fontAlgn="base" hangingPunct="0">
+              <a:spcBef>
+                <a:spcPct val="20000"/>
+              </a:spcBef>
+              <a:spcAft>
+                <a:spcPct val="0"/>
+              </a:spcAft>
+              <a:buChar char="»"/>
+              <a:defRPr sz="2000">
+                <a:solidFill>
+                  <a:schemeClr val="bg2"/>
+                </a:solidFill>
+                <a:latin typeface="Calibri" pitchFamily="34" charset="0"/>
+              </a:defRPr>
+            </a:lvl9pPr>
+          </a:lstStyle>
+          <a:p>
+            <a:pPr algn="r" eaLnBrk="1" fontAlgn="auto" hangingPunct="1">
+              <a:spcBef>
+                <a:spcPct val="0"/>
+              </a:spcBef>
+              <a:spcAft>
+                <a:spcPts val="0"/>
+              </a:spcAft>
+              <a:buNone/>
+              <a:defRPr/>
+            </a:pPr>
+            <a:r>
+              <a:rPr lang="de-DE" sz="2700" dirty="0">
+                <a:solidFill>
+                  <a:srgbClr val="00628C"/>
+                </a:solidFill>
+                <a:latin typeface="Roboto Light" panose="02000000000000000000" pitchFamily="2" charset="0"/>
+                <a:ea typeface="Roboto Light" panose="02000000000000000000" pitchFamily="2" charset="0"/>
+                <a:cs typeface="Shree Devanagari 714" panose="02000600000000000000" pitchFamily="2" charset="0"/>
+              </a:rPr>
+              <a:t>C</a:t>
+            </a:r>
+            <a:r>
+              <a:rPr lang="de-DE" sz="2700" dirty="0">
+                <a:solidFill>
+                  <a:srgbClr val="36CFB5"/>
+                </a:solidFill>
+                <a:latin typeface="Roboto Light" panose="02000000000000000000" pitchFamily="2" charset="0"/>
+                <a:ea typeface="Roboto Light" panose="02000000000000000000" pitchFamily="2" charset="0"/>
+                <a:cs typeface="Shree Devanagari 714" panose="02000600000000000000" pitchFamily="2" charset="0"/>
+              </a:rPr>
+              <a:t>ontents</a:t>
+            </a:r>
+            <a:endParaRPr lang="en" sz="1200" dirty="0">
+              <a:solidFill>
+                <a:srgbClr val="45B6A4"/>
+              </a:solidFill>
+              <a:latin typeface="Roboto Light" panose="02000000000000000000" pitchFamily="2" charset="0"/>
+              <a:ea typeface="Roboto Light" panose="02000000000000000000" pitchFamily="2" charset="0"/>
+              <a:cs typeface="Shree Devanagari 714" panose="02000600000000000000" pitchFamily="2" charset="0"/>
+            </a:endParaRPr>
+          </a:p>
+        </p:txBody>
+      </p:sp>
+    </p:spTree>
+    <p:extLst>
+      <p:ext uri="{BB962C8B-B14F-4D97-AF65-F5344CB8AC3E}">
+        <p14:creationId xmlns:p14="http://schemas.microsoft.com/office/powerpoint/2010/main" val="1629551129"/>
+      </p:ext>
+    </p:extLst>
+  </p:cSld>
+  <p:clrMapOvr>
+    <a:masterClrMapping/>
+  </p:clrMapOvr>
+</p:sld>
+</file>
+
+<file path=ppt/slides/slide9.xml><?xml version="1.0" encoding="utf-8"?>
+<p:sld xmlns:a="http://schemas.openxmlformats.org/drawingml/2006/main" xmlns:r="http://schemas.openxmlformats.org/officeDocument/2006/relationships" xmlns:p="http://schemas.openxmlformats.org/presentationml/2006/main">
+  <p:cSld>
+    <p:spTree>
+      <p:nvGrpSpPr>
+        <p:cNvPr id="1" name=""/>
+        <p:cNvGrpSpPr/>
+        <p:nvPr/>
+      </p:nvGrpSpPr>
+      <p:grpSpPr>
+        <a:xfrm>
+          <a:off x="0" y="0"/>
+          <a:ext cx="0" cy="0"/>
+          <a:chOff x="0" y="0"/>
+          <a:chExt cx="0" cy="0"/>
+        </a:xfrm>
+      </p:grpSpPr>
+      <p:sp>
+        <p:nvSpPr>
+          <p:cNvPr id="3" name="Textplatzhalter 2"/>
+          <p:cNvSpPr>
+            <a:spLocks noGrp="1"/>
+          </p:cNvSpPr>
+          <p:nvPr>
+            <p:ph type="body" sz="quarter" idx="15"/>
+          </p:nvPr>
+        </p:nvSpPr>
+        <p:spPr>
+          <a:xfrm>
+            <a:off x="683568" y="771550"/>
+            <a:ext cx="6912768" cy="3324200"/>
+          </a:xfrm>
+        </p:spPr>
+        <p:txBody>
+          <a:bodyPr rtlCol="0"/>
+          <a:lstStyle/>
+          <a:p>
+            <a:pPr>
+              <a:buFont typeface="Arial" pitchFamily="1" charset="0"/>
+              <a:buNone/>
+              <a:defRPr/>
+            </a:pPr>
+            <a:r>
+              <a:rPr lang="de-DE" dirty="0" err="1"/>
+              <a:t>Wiudaidopüwks</a:t>
+            </a:r>
+            <a:endParaRPr lang="de-DE" dirty="0"/>
+          </a:p>
+          <a:p>
+            <a:pPr lvl="1">
+              <a:buFont typeface="Arial" pitchFamily="1" charset="0"/>
+              <a:buNone/>
+              <a:defRPr/>
+            </a:pPr>
+            <a:r>
+              <a:rPr lang="de-DE" dirty="0" err="1">
+                <a:solidFill>
+                  <a:srgbClr val="304269"/>
+                </a:solidFill>
+              </a:rPr>
+              <a:t>Wdiaushdfsdfsdfdsfdj</a:t>
+            </a:r>
+            <a:endParaRPr lang="de-DE" dirty="0">
+              <a:solidFill>
+                <a:srgbClr val="304269"/>
+              </a:solidFill>
+            </a:endParaRPr>
+          </a:p>
+          <a:p>
+            <a:pPr lvl="2">
+              <a:buFont typeface="Arial"/>
+              <a:buChar char="•"/>
+              <a:defRPr/>
+            </a:pPr>
+            <a:r>
+              <a:rPr lang="de-DE" dirty="0" err="1">
+                <a:solidFill>
+                  <a:srgbClr val="304269"/>
+                </a:solidFill>
+              </a:rPr>
+              <a:t>Woiduasfgh</a:t>
+            </a:r>
+            <a:endParaRPr lang="de-DE" dirty="0">
+              <a:solidFill>
+                <a:srgbClr val="304269"/>
+              </a:solidFill>
+            </a:endParaRPr>
+          </a:p>
+          <a:p>
+            <a:pPr lvl="2">
+              <a:buFont typeface="Arial"/>
+              <a:buChar char="•"/>
+              <a:defRPr/>
+            </a:pPr>
+            <a:r>
+              <a:rPr lang="de-DE" dirty="0" err="1">
+                <a:solidFill>
+                  <a:srgbClr val="304269"/>
+                </a:solidFill>
+              </a:rPr>
+              <a:t>oiwgdjskjfhkjsdjfk</a:t>
+            </a:r>
+            <a:endParaRPr lang="de-DE" dirty="0">
+              <a:solidFill>
+                <a:srgbClr val="304269"/>
+              </a:solidFill>
+            </a:endParaRPr>
+          </a:p>
+        </p:txBody>
+      </p:sp>
+      <p:sp>
+        <p:nvSpPr>
+          <p:cNvPr id="9" name="Text Box 12">
+            <a:extLst>
+              <a:ext uri="{FF2B5EF4-FFF2-40B4-BE49-F238E27FC236}">
+                <a16:creationId xmlns:a16="http://schemas.microsoft.com/office/drawing/2014/main" id="{AD49D8F1-6024-4F4B-9693-7EE297269D98}"/>
+              </a:ext>
+            </a:extLst>
+          </p:cNvPr>
+          <p:cNvSpPr txBox="1">
+            <a:spLocks noChangeArrowheads="1"/>
+          </p:cNvSpPr>
+          <p:nvPr/>
+        </p:nvSpPr>
+        <p:spPr bwMode="auto">
+          <a:xfrm>
+            <a:off x="1907704" y="105223"/>
+            <a:ext cx="7092787" cy="507831"/>
+          </a:xfrm>
+          <a:prstGeom prst="rect">
+            <a:avLst/>
+          </a:prstGeom>
+          <a:noFill/>
+          <a:ln>
+            <a:noFill/>
+          </a:ln>
+          <a:effectLst/>
+          <a:extLst>
+            <a:ext uri="{909E8E84-426E-40DD-AFC4-6F175D3DCCD1}">
+              <a14:hiddenFill xmlns:a14="http://schemas.microsoft.com/office/drawing/2010/main">
+                <a:solidFill>
+                  <a:schemeClr val="accent1"/>
+                </a:solidFill>
+              </a14:hiddenFill>
+            </a:ext>
+            <a:ext uri="{91240B29-F687-4F45-9708-019B960494DF}">
+              <a14:hiddenLine xmlns:a14="http://schemas.microsoft.com/office/drawing/2010/main" w="9525">
+                <a:solidFill>
+                  <a:schemeClr val="tx1"/>
+                </a:solidFill>
+                <a:miter lim="800000"/>
+                <a:headEnd/>
+                <a:tailEnd/>
+              </a14:hiddenLine>
+            </a:ext>
+            <a:ext uri="{AF507438-7753-43E0-B8FC-AC1667EBCBE1}">
+              <a14:hiddenEffects xmlns:a14="http://schemas.microsoft.com/office/drawing/2010/main">
+                <a:effectLst>
+                  <a:outerShdw dist="35921" dir="2700000" algn="ctr" rotWithShape="0">
+                    <a:schemeClr val="bg2"/>
+                  </a:outerShdw>
+                </a:effectLst>
+              </a14:hiddenEffects>
+            </a:ext>
+          </a:extLst>
+        </p:spPr>
+        <p:txBody>
+          <a:bodyPr wrap="square">
+            <a:spAutoFit/>
+          </a:bodyPr>
+          <a:lstStyle>
+            <a:lvl1pPr>
+              <a:spcBef>
+                <a:spcPct val="20000"/>
+              </a:spcBef>
+              <a:buChar char="•"/>
+              <a:defRPr sz="3200">
+                <a:solidFill>
+                  <a:schemeClr val="bg2"/>
+                </a:solidFill>
+                <a:latin typeface="Calibri" pitchFamily="34" charset="0"/>
+              </a:defRPr>
+            </a:lvl1pPr>
+            <a:lvl2pPr marL="742950" indent="-285750">
+              <a:spcBef>
+                <a:spcPct val="20000"/>
+              </a:spcBef>
+              <a:buChar char="–"/>
+              <a:defRPr sz="2800">
+                <a:solidFill>
+                  <a:schemeClr val="bg2"/>
+                </a:solidFill>
+                <a:latin typeface="Calibri" pitchFamily="34" charset="0"/>
+              </a:defRPr>
+            </a:lvl2pPr>
+            <a:lvl3pPr marL="1143000" indent="-228600">
+              <a:spcBef>
+                <a:spcPct val="20000"/>
+              </a:spcBef>
+              <a:buChar char="•"/>
+              <a:defRPr sz="2400">
+                <a:solidFill>
+                  <a:schemeClr val="bg2"/>
+                </a:solidFill>
+                <a:latin typeface="Calibri" pitchFamily="34" charset="0"/>
+              </a:defRPr>
+            </a:lvl3pPr>
+            <a:lvl4pPr marL="1600200" indent="-228600">
+              <a:spcBef>
+                <a:spcPct val="20000"/>
+              </a:spcBef>
+              <a:buChar char="–"/>
+              <a:defRPr sz="2000">
+                <a:solidFill>
+                  <a:schemeClr val="bg2"/>
+                </a:solidFill>
+                <a:latin typeface="Calibri" pitchFamily="34" charset="0"/>
+              </a:defRPr>
+            </a:lvl4pPr>
+            <a:lvl5pPr marL="2057400" indent="-228600">
+              <a:spcBef>
+                <a:spcPct val="20000"/>
+              </a:spcBef>
+              <a:buChar char="»"/>
+              <a:defRPr sz="2000">
+                <a:solidFill>
+                  <a:schemeClr val="bg2"/>
+                </a:solidFill>
+                <a:latin typeface="Calibri" pitchFamily="34" charset="0"/>
+              </a:defRPr>
+            </a:lvl5pPr>
+            <a:lvl6pPr marL="2514600" indent="-228600" eaLnBrk="0" fontAlgn="base" hangingPunct="0">
+              <a:spcBef>
+                <a:spcPct val="20000"/>
+              </a:spcBef>
+              <a:spcAft>
+                <a:spcPct val="0"/>
+              </a:spcAft>
+              <a:buChar char="»"/>
+              <a:defRPr sz="2000">
+                <a:solidFill>
+                  <a:schemeClr val="bg2"/>
+                </a:solidFill>
+                <a:latin typeface="Calibri" pitchFamily="34" charset="0"/>
+              </a:defRPr>
+            </a:lvl6pPr>
+            <a:lvl7pPr marL="2971800" indent="-228600" eaLnBrk="0" fontAlgn="base" hangingPunct="0">
+              <a:spcBef>
+                <a:spcPct val="20000"/>
+              </a:spcBef>
+              <a:spcAft>
+                <a:spcPct val="0"/>
+              </a:spcAft>
+              <a:buChar char="»"/>
+              <a:defRPr sz="2000">
+                <a:solidFill>
+                  <a:schemeClr val="bg2"/>
+                </a:solidFill>
+                <a:latin typeface="Calibri" pitchFamily="34" charset="0"/>
+              </a:defRPr>
+            </a:lvl7pPr>
+            <a:lvl8pPr marL="3429000" indent="-228600" eaLnBrk="0" fontAlgn="base" hangingPunct="0">
+              <a:spcBef>
+                <a:spcPct val="20000"/>
+              </a:spcBef>
+              <a:spcAft>
+                <a:spcPct val="0"/>
+              </a:spcAft>
+              <a:buChar char="»"/>
+              <a:defRPr sz="2000">
+                <a:solidFill>
+                  <a:schemeClr val="bg2"/>
+                </a:solidFill>
+                <a:latin typeface="Calibri" pitchFamily="34" charset="0"/>
+              </a:defRPr>
+            </a:lvl8pPr>
+            <a:lvl9pPr marL="3886200" indent="-228600" eaLnBrk="0" fontAlgn="base" hangingPunct="0">
+              <a:spcBef>
+                <a:spcPct val="20000"/>
+              </a:spcBef>
+              <a:spcAft>
+                <a:spcPct val="0"/>
+              </a:spcAft>
+              <a:buChar char="»"/>
+              <a:defRPr sz="2000">
+                <a:solidFill>
+                  <a:schemeClr val="bg2"/>
+                </a:solidFill>
+                <a:latin typeface="Calibri" pitchFamily="34" charset="0"/>
+              </a:defRPr>
+            </a:lvl9pPr>
+          </a:lstStyle>
+          <a:p>
+            <a:pPr algn="r" eaLnBrk="1" fontAlgn="auto" hangingPunct="1">
+              <a:spcBef>
+                <a:spcPct val="0"/>
+              </a:spcBef>
+              <a:spcAft>
+                <a:spcPts val="0"/>
+              </a:spcAft>
+              <a:buNone/>
+              <a:defRPr/>
+            </a:pPr>
+            <a:r>
+              <a:rPr lang="de-DE" sz="2700" dirty="0">
+                <a:solidFill>
+                  <a:srgbClr val="304269"/>
+                </a:solidFill>
+                <a:latin typeface="Roboto Light" panose="02000000000000000000" pitchFamily="2" charset="0"/>
+                <a:ea typeface="Roboto Light" panose="02000000000000000000" pitchFamily="2" charset="0"/>
+                <a:cs typeface="Shree Devanagari 714" panose="02000600000000000000" pitchFamily="2" charset="0"/>
+              </a:rPr>
+              <a:t>M</a:t>
+            </a:r>
+            <a:r>
+              <a:rPr lang="de-DE" sz="2700" dirty="0">
+                <a:solidFill>
+                  <a:srgbClr val="36CFB5"/>
+                </a:solidFill>
+                <a:latin typeface="Roboto Light" panose="02000000000000000000" pitchFamily="2" charset="0"/>
+                <a:ea typeface="Roboto Light" panose="02000000000000000000" pitchFamily="2" charset="0"/>
+                <a:cs typeface="Shree Devanagari 714" panose="02000600000000000000" pitchFamily="2" charset="0"/>
+              </a:rPr>
+              <a:t>obility, Telecommunication and CI</a:t>
+            </a:r>
+            <a:endParaRPr lang="en" sz="1200" dirty="0">
+              <a:solidFill>
+                <a:srgbClr val="45B6A4"/>
+              </a:solidFill>
+              <a:latin typeface="Roboto Light" panose="02000000000000000000" pitchFamily="2" charset="0"/>
+              <a:ea typeface="Roboto Light" panose="02000000000000000000" pitchFamily="2" charset="0"/>
+              <a:cs typeface="Shree Devanagari 714" panose="02000600000000000000" pitchFamily="2" charset="0"/>
+            </a:endParaRPr>
           </a:p>
         </p:txBody>
       </p:sp>
